--- a/Railway Reservatin System.pptx
+++ b/Railway Reservatin System.pptx
@@ -11,6 +11,11 @@
     <p:sldId id="256" r:id="rId6"/>
     <p:sldId id="257" r:id="rId7"/>
     <p:sldId id="258" r:id="rId8"/>
+    <p:sldId id="259" r:id="rId9"/>
+    <p:sldId id="260" r:id="rId10"/>
+    <p:sldId id="261" r:id="rId11"/>
+    <p:sldId id="262" r:id="rId12"/>
+    <p:sldId id="263" r:id="rId13"/>
   </p:sldIdLst>
   <p:sldSz cx="10080625" cy="5670550"/>
   <p:notesSz cx="7559675" cy="10691813"/>
@@ -68,7 +73,7 @@
         <p:txBody>
           <a:bodyPr/>
           <a:p>
-            <a:fld id="{0DFB4E5E-D9D6-4B8B-9D66-3E7FE305068E}" type="slidenum">
+            <a:fld id="{8B1DA8C4-AEAC-4463-9E88-F93F1A0DB1DE}" type="slidenum">
               <a:t>&lt;#&gt;</a:t>
             </a:fld>
           </a:p>
@@ -265,7 +270,7 @@
         <p:txBody>
           <a:bodyPr/>
           <a:p>
-            <a:fld id="{56608CDD-7263-4799-859C-FD0DCB454989}" type="slidenum">
+            <a:fld id="{53D9205E-7D9E-4149-BCE1-D50ADD8C091A}" type="slidenum">
               <a:t>&lt;#&gt;</a:t>
             </a:fld>
           </a:p>
@@ -536,7 +541,7 @@
         <p:txBody>
           <a:bodyPr/>
           <a:p>
-            <a:fld id="{6A9DCABD-AE88-4CFF-912D-796F9EF47393}" type="slidenum">
+            <a:fld id="{BC9CB310-FD15-4D8C-A8D5-EEF527B6A616}" type="slidenum">
               <a:t>&lt;#&gt;</a:t>
             </a:fld>
           </a:p>
@@ -881,7 +886,7 @@
         <p:txBody>
           <a:bodyPr/>
           <a:p>
-            <a:fld id="{E9B22DC2-7CA3-4EC4-8AA3-C3D955E4B90A}" type="slidenum">
+            <a:fld id="{0DF4E296-72F2-4F1C-A65E-1448ED29A001}" type="slidenum">
               <a:t>&lt;#&gt;</a:t>
             </a:fld>
           </a:p>
@@ -964,7 +969,7 @@
         <p:txBody>
           <a:bodyPr/>
           <a:p>
-            <a:fld id="{6745A660-F457-46AA-808B-4BB0ECD4CCDE}" type="slidenum">
+            <a:fld id="{459FBD1F-7097-4D6E-8474-06093CF6EED8}" type="slidenum">
               <a:t>&lt;#&gt;</a:t>
             </a:fld>
           </a:p>
@@ -1127,7 +1132,7 @@
         <p:txBody>
           <a:bodyPr/>
           <a:p>
-            <a:fld id="{35357928-7EB8-4363-80EE-D7D24200F0CB}" type="slidenum">
+            <a:fld id="{723BE2F5-3ED6-408D-93B7-916282B1A14E}" type="slidenum">
               <a:t>&lt;#&gt;</a:t>
             </a:fld>
           </a:p>
@@ -1287,7 +1292,7 @@
         <p:txBody>
           <a:bodyPr/>
           <a:p>
-            <a:fld id="{85E2A028-2CA3-43CD-A168-FD7C07ABFBB5}" type="slidenum">
+            <a:fld id="{8AB80F60-CD4C-4688-A394-9D3FD0B6F924}" type="slidenum">
               <a:t>&lt;#&gt;</a:t>
             </a:fld>
           </a:p>
@@ -1484,7 +1489,7 @@
         <p:txBody>
           <a:bodyPr/>
           <a:p>
-            <a:fld id="{379A3A01-D170-4C1B-B4B2-9F2152344BCE}" type="slidenum">
+            <a:fld id="{6EFE05F6-AE06-4037-8B72-8F5BBC3AAF2B}" type="slidenum">
               <a:t>&lt;#&gt;</a:t>
             </a:fld>
           </a:p>
@@ -1607,7 +1612,7 @@
         <p:txBody>
           <a:bodyPr/>
           <a:p>
-            <a:fld id="{05327475-3714-4DFC-BE03-E1AC341E6D5C}" type="slidenum">
+            <a:fld id="{7212F5AC-B06C-42B9-BD93-3A42A64D3E96}" type="slidenum">
               <a:t>&lt;#&gt;</a:t>
             </a:fld>
           </a:p>
@@ -1730,7 +1735,7 @@
         <p:txBody>
           <a:bodyPr/>
           <a:p>
-            <a:fld id="{9D835D32-5626-4D27-96CF-B470BFDE8733}" type="slidenum">
+            <a:fld id="{AC882179-5A09-4273-839E-A1D7A74D4F60}" type="slidenum">
               <a:t>&lt;#&gt;</a:t>
             </a:fld>
           </a:p>
@@ -1964,7 +1969,7 @@
         <p:txBody>
           <a:bodyPr/>
           <a:p>
-            <a:fld id="{A0ECC072-7C03-4D93-B984-DA2B7956CB09}" type="slidenum">
+            <a:fld id="{842C3ED4-9B16-4D31-8F33-4FF14A14A363}" type="slidenum">
               <a:t>&lt;#&gt;</a:t>
             </a:fld>
           </a:p>
@@ -2127,7 +2132,7 @@
         <p:txBody>
           <a:bodyPr/>
           <a:p>
-            <a:fld id="{9296D363-75BE-470A-B7C6-D3DB2B16090D}" type="slidenum">
+            <a:fld id="{6221F070-E3EF-4114-93CB-64EF9609F0D6}" type="slidenum">
               <a:t>&lt;#&gt;</a:t>
             </a:fld>
           </a:p>
@@ -2361,7 +2366,7 @@
         <p:txBody>
           <a:bodyPr/>
           <a:p>
-            <a:fld id="{79DCF9ED-8891-45D3-966B-7897EEE2F3DA}" type="slidenum">
+            <a:fld id="{49DADCF5-03C1-4F10-B186-66B7D77E1E01}" type="slidenum">
               <a:t>&lt;#&gt;</a:t>
             </a:fld>
           </a:p>
@@ -2595,7 +2600,7 @@
         <p:txBody>
           <a:bodyPr/>
           <a:p>
-            <a:fld id="{3AEE1583-088B-429B-9AED-A9A95CF700E9}" type="slidenum">
+            <a:fld id="{9D860A86-2795-44F4-8AB9-F0117747A862}" type="slidenum">
               <a:t>&lt;#&gt;</a:t>
             </a:fld>
           </a:p>
@@ -2792,7 +2797,7 @@
         <p:txBody>
           <a:bodyPr/>
           <a:p>
-            <a:fld id="{BA8E699E-567A-4563-9C40-4F01B37AD17D}" type="slidenum">
+            <a:fld id="{2C206DDF-02A4-4742-9721-6244ADE2A4FF}" type="slidenum">
               <a:t>&lt;#&gt;</a:t>
             </a:fld>
           </a:p>
@@ -3063,7 +3068,7 @@
         <p:txBody>
           <a:bodyPr/>
           <a:p>
-            <a:fld id="{05CA4868-87D6-4FCD-8A59-81D5821D52EF}" type="slidenum">
+            <a:fld id="{14A91968-A1E8-43DA-8CA2-F8B430117F72}" type="slidenum">
               <a:t>&lt;#&gt;</a:t>
             </a:fld>
           </a:p>
@@ -3408,7 +3413,7 @@
         <p:txBody>
           <a:bodyPr/>
           <a:p>
-            <a:fld id="{C9306CD1-283C-4097-B03F-4304BE974A3C}" type="slidenum">
+            <a:fld id="{8F77C889-FBE3-4ECA-8EBC-21CF966F45EB}" type="slidenum">
               <a:t>&lt;#&gt;</a:t>
             </a:fld>
           </a:p>
@@ -3491,7 +3496,7 @@
         <p:txBody>
           <a:bodyPr/>
           <a:p>
-            <a:fld id="{1E6DE664-4692-45C5-9820-53D49D8D36B0}" type="slidenum">
+            <a:fld id="{D7364421-2197-48EC-9751-B629CE22A888}" type="slidenum">
               <a:t>&lt;#&gt;</a:t>
             </a:fld>
           </a:p>
@@ -3654,7 +3659,7 @@
         <p:txBody>
           <a:bodyPr/>
           <a:p>
-            <a:fld id="{BD88B531-D9B0-45C2-8D3D-1D03843E8525}" type="slidenum">
+            <a:fld id="{32B77088-DA5D-4ABF-976C-0A9A9186DAC3}" type="slidenum">
               <a:t>&lt;#&gt;</a:t>
             </a:fld>
           </a:p>
@@ -3814,7 +3819,7 @@
         <p:txBody>
           <a:bodyPr/>
           <a:p>
-            <a:fld id="{12B6DF6E-FC27-4B66-94F1-3A6191C69C6D}" type="slidenum">
+            <a:fld id="{030A4E58-491A-4478-AAEE-1E9D28B34FFE}" type="slidenum">
               <a:t>&lt;#&gt;</a:t>
             </a:fld>
           </a:p>
@@ -4011,7 +4016,7 @@
         <p:txBody>
           <a:bodyPr/>
           <a:p>
-            <a:fld id="{6A3F8DD0-9678-4E83-8267-9E64E04DB490}" type="slidenum">
+            <a:fld id="{8B7D114F-161E-4CA5-B7AF-D6ABD6BFC28E}" type="slidenum">
               <a:t>&lt;#&gt;</a:t>
             </a:fld>
           </a:p>
@@ -4134,7 +4139,7 @@
         <p:txBody>
           <a:bodyPr/>
           <a:p>
-            <a:fld id="{C0CFC014-C673-4312-9307-5639C7CE9C76}" type="slidenum">
+            <a:fld id="{E57A6688-2717-46FF-B00F-9BBA256DBC77}" type="slidenum">
               <a:t>&lt;#&gt;</a:t>
             </a:fld>
           </a:p>
@@ -4294,7 +4299,7 @@
         <p:txBody>
           <a:bodyPr/>
           <a:p>
-            <a:fld id="{5D2ED696-C708-4C92-A4E7-B9B13180D855}" type="slidenum">
+            <a:fld id="{E4FDAFEC-4769-4CC4-9313-C909F2E31304}" type="slidenum">
               <a:t>&lt;#&gt;</a:t>
             </a:fld>
           </a:p>
@@ -4417,7 +4422,7 @@
         <p:txBody>
           <a:bodyPr/>
           <a:p>
-            <a:fld id="{8DEE27E1-CA55-47CB-9173-DA6B6F78F79B}" type="slidenum">
+            <a:fld id="{B2181575-0438-41EB-8167-15EBFA562D2B}" type="slidenum">
               <a:t>&lt;#&gt;</a:t>
             </a:fld>
           </a:p>
@@ -4651,7 +4656,7 @@
         <p:txBody>
           <a:bodyPr/>
           <a:p>
-            <a:fld id="{9CDBD803-64AB-4C2B-86BB-B3EDC799DBE7}" type="slidenum">
+            <a:fld id="{F27CA3F4-3D8F-4EBB-B123-546827E9CAEE}" type="slidenum">
               <a:t>&lt;#&gt;</a:t>
             </a:fld>
           </a:p>
@@ -4885,7 +4890,7 @@
         <p:txBody>
           <a:bodyPr/>
           <a:p>
-            <a:fld id="{94C6A9E1-45F6-4CFA-AD47-615AABC589F9}" type="slidenum">
+            <a:fld id="{040725F4-C6A4-40D5-AB79-8549F656011A}" type="slidenum">
               <a:t>&lt;#&gt;</a:t>
             </a:fld>
           </a:p>
@@ -5119,7 +5124,7 @@
         <p:txBody>
           <a:bodyPr/>
           <a:p>
-            <a:fld id="{BF7336D6-0CD0-4948-82C2-9D32C95B6A47}" type="slidenum">
+            <a:fld id="{254B2E2D-EEAE-45B8-A907-E1390E9FB1E5}" type="slidenum">
               <a:t>&lt;#&gt;</a:t>
             </a:fld>
           </a:p>
@@ -5316,7 +5321,7 @@
         <p:txBody>
           <a:bodyPr/>
           <a:p>
-            <a:fld id="{7944D122-8630-4130-BF36-8F0840238233}" type="slidenum">
+            <a:fld id="{DB7F92B5-0E2F-4F1B-A808-4730787AF933}" type="slidenum">
               <a:t>&lt;#&gt;</a:t>
             </a:fld>
           </a:p>
@@ -5587,7 +5592,7 @@
         <p:txBody>
           <a:bodyPr/>
           <a:p>
-            <a:fld id="{643960BF-4FFA-4DB2-A5B0-A0522BF0DEEE}" type="slidenum">
+            <a:fld id="{5CFA5E10-B640-4C93-9F52-ECCBC5076E1A}" type="slidenum">
               <a:t>&lt;#&gt;</a:t>
             </a:fld>
           </a:p>
@@ -5932,7 +5937,7 @@
         <p:txBody>
           <a:bodyPr/>
           <a:p>
-            <a:fld id="{2916ABCC-004E-41A1-A6B2-31302C5B8C2A}" type="slidenum">
+            <a:fld id="{E51329DE-4E8D-4751-A5A8-4907ED02A989}" type="slidenum">
               <a:t>&lt;#&gt;</a:t>
             </a:fld>
           </a:p>
@@ -6015,7 +6020,7 @@
         <p:txBody>
           <a:bodyPr/>
           <a:p>
-            <a:fld id="{C56E2DB7-B979-4B53-9F48-2A8F7B717152}" type="slidenum">
+            <a:fld id="{253B4B2B-DCBB-424D-945B-02F65E7B068D}" type="slidenum">
               <a:t>&lt;#&gt;</a:t>
             </a:fld>
           </a:p>
@@ -6178,7 +6183,7 @@
         <p:txBody>
           <a:bodyPr/>
           <a:p>
-            <a:fld id="{4459C1C1-514B-4C8D-9139-A0E4FB215E4D}" type="slidenum">
+            <a:fld id="{18CD26A7-3499-474F-B1BB-863064358000}" type="slidenum">
               <a:t>&lt;#&gt;</a:t>
             </a:fld>
           </a:p>
@@ -6338,7 +6343,7 @@
         <p:txBody>
           <a:bodyPr/>
           <a:p>
-            <a:fld id="{1BD3ED5D-6B04-4B9C-886F-9DBEA97BFE12}" type="slidenum">
+            <a:fld id="{88C73AB2-87E4-41DB-AA92-EDF8393B3C0C}" type="slidenum">
               <a:t>&lt;#&gt;</a:t>
             </a:fld>
           </a:p>
@@ -6535,7 +6540,7 @@
         <p:txBody>
           <a:bodyPr/>
           <a:p>
-            <a:fld id="{BD920084-B948-4831-9841-87F3D5FD2727}" type="slidenum">
+            <a:fld id="{F2C16609-9FF3-48AF-BA9D-1FC21C2CB47C}" type="slidenum">
               <a:t>&lt;#&gt;</a:t>
             </a:fld>
           </a:p>
@@ -6732,7 +6737,7 @@
         <p:txBody>
           <a:bodyPr/>
           <a:p>
-            <a:fld id="{43C2C042-A0B7-46E0-860E-C4943F6D0424}" type="slidenum">
+            <a:fld id="{D159B48F-7646-427E-87B4-4D03FADFECF2}" type="slidenum">
               <a:t>&lt;#&gt;</a:t>
             </a:fld>
           </a:p>
@@ -6855,7 +6860,7 @@
         <p:txBody>
           <a:bodyPr/>
           <a:p>
-            <a:fld id="{6E8A0D1C-5AB2-4176-81F0-BB5C85176486}" type="slidenum">
+            <a:fld id="{B51C89CD-3B19-435E-86EA-9F21E61FE5F5}" type="slidenum">
               <a:t>&lt;#&gt;</a:t>
             </a:fld>
           </a:p>
@@ -6978,7 +6983,7 @@
         <p:txBody>
           <a:bodyPr/>
           <a:p>
-            <a:fld id="{3036A2C5-992B-44B5-8EE4-773F20F79C84}" type="slidenum">
+            <a:fld id="{2B2171C3-2EC8-48FA-87C4-90912D15DF16}" type="slidenum">
               <a:t>&lt;#&gt;</a:t>
             </a:fld>
           </a:p>
@@ -7212,7 +7217,7 @@
         <p:txBody>
           <a:bodyPr/>
           <a:p>
-            <a:fld id="{31255C8B-E4F1-4B70-8EAC-327C456BC2EB}" type="slidenum">
+            <a:fld id="{973E9EA9-12A9-4FFA-A6BA-9EBE1043DC1A}" type="slidenum">
               <a:t>&lt;#&gt;</a:t>
             </a:fld>
           </a:p>
@@ -7446,7 +7451,7 @@
         <p:txBody>
           <a:bodyPr/>
           <a:p>
-            <a:fld id="{7A8A4EBE-870C-4ADD-B6FA-5EA007D74F4E}" type="slidenum">
+            <a:fld id="{4B4DD9C2-D277-494D-BA2A-CAFF214CA38F}" type="slidenum">
               <a:t>&lt;#&gt;</a:t>
             </a:fld>
           </a:p>
@@ -7680,7 +7685,7 @@
         <p:txBody>
           <a:bodyPr/>
           <a:p>
-            <a:fld id="{AFF8B77D-BBCD-4342-96EA-CFDF126ED28A}" type="slidenum">
+            <a:fld id="{2FE0762C-6ED7-4FED-8191-80865976E38E}" type="slidenum">
               <a:t>&lt;#&gt;</a:t>
             </a:fld>
           </a:p>
@@ -7877,7 +7882,7 @@
         <p:txBody>
           <a:bodyPr/>
           <a:p>
-            <a:fld id="{1A1AF392-A344-43C0-A862-94E5803FFCAB}" type="slidenum">
+            <a:fld id="{67397A6A-89F8-43E4-A055-CDDAAC72B2EF}" type="slidenum">
               <a:t>&lt;#&gt;</a:t>
             </a:fld>
           </a:p>
@@ -8148,7 +8153,7 @@
         <p:txBody>
           <a:bodyPr/>
           <a:p>
-            <a:fld id="{2CAC4732-0778-4225-AA2E-06FD0549BF14}" type="slidenum">
+            <a:fld id="{8D036BF2-7DD1-4E06-BB8B-A393603B4D7E}" type="slidenum">
               <a:t>&lt;#&gt;</a:t>
             </a:fld>
           </a:p>
@@ -8493,7 +8498,7 @@
         <p:txBody>
           <a:bodyPr/>
           <a:p>
-            <a:fld id="{F9639ECF-BA3F-48E4-A6F9-A1CA2854316A}" type="slidenum">
+            <a:fld id="{890DC2DA-0CE0-449E-8594-3E011ACE98A0}" type="slidenum">
               <a:t>&lt;#&gt;</a:t>
             </a:fld>
           </a:p>
@@ -8616,7 +8621,7 @@
         <p:txBody>
           <a:bodyPr/>
           <a:p>
-            <a:fld id="{3AF2E5FD-A03F-4E4A-99B0-47384BF71968}" type="slidenum">
+            <a:fld id="{7E2A8DE3-EC9B-4619-93DD-62FFEF28E731}" type="slidenum">
               <a:t>&lt;#&gt;</a:t>
             </a:fld>
           </a:p>
@@ -8739,7 +8744,7 @@
         <p:txBody>
           <a:bodyPr/>
           <a:p>
-            <a:fld id="{B63F5464-6730-4933-9A30-567A92E99909}" type="slidenum">
+            <a:fld id="{351C6648-19C0-4E60-A785-6214DD1BA1AF}" type="slidenum">
               <a:t>&lt;#&gt;</a:t>
             </a:fld>
           </a:p>
@@ -8973,7 +8978,7 @@
         <p:txBody>
           <a:bodyPr/>
           <a:p>
-            <a:fld id="{A755BFAA-DA91-4AA8-8498-D9C3284E2E68}" type="slidenum">
+            <a:fld id="{1B8E48A8-74B0-45EF-8E6E-B0E81F6D0576}" type="slidenum">
               <a:t>&lt;#&gt;</a:t>
             </a:fld>
           </a:p>
@@ -9207,7 +9212,7 @@
         <p:txBody>
           <a:bodyPr/>
           <a:p>
-            <a:fld id="{2E7157F7-F4F9-4429-B172-A830FC7C04EF}" type="slidenum">
+            <a:fld id="{A9C93353-12C9-44DC-804B-2F51125CFB67}" type="slidenum">
               <a:t>&lt;#&gt;</a:t>
             </a:fld>
           </a:p>
@@ -9441,7 +9446,7 @@
         <p:txBody>
           <a:bodyPr/>
           <a:p>
-            <a:fld id="{43995BC9-DA5B-4036-B81F-31A50AB70A28}" type="slidenum">
+            <a:fld id="{313187A5-683D-4A81-ABA7-C42164F4EEB0}" type="slidenum">
               <a:t>&lt;#&gt;</a:t>
             </a:fld>
           </a:p>
@@ -9930,7 +9935,7 @@
             <a:pPr algn="r">
               <a:buNone/>
             </a:pPr>
-            <a:fld id="{37C14484-846D-45D9-AF10-CA6AA77FC683}" type="slidenum">
+            <a:fld id="{1F68F8E4-BB0C-489A-BED1-B6B294A20AFD}" type="slidenum">
               <a:rPr b="0" lang="en-AU" sz="1400" spc="-1" strike="noStrike">
                 <a:solidFill>
                   <a:srgbClr val="ffffff"/>
@@ -10356,7 +10361,7 @@
             <a:pPr algn="r">
               <a:buNone/>
             </a:pPr>
-            <a:fld id="{539F495D-D0D4-4423-B791-401571361D5E}" type="slidenum">
+            <a:fld id="{5FEA0782-0E3E-489B-8DA8-74C5C983DA53}" type="slidenum">
               <a:rPr b="0" lang="en-AU" sz="1400" spc="-1" strike="noStrike">
                 <a:latin typeface="Arial"/>
               </a:rPr>
@@ -10845,7 +10850,7 @@
             <a:pPr algn="r">
               <a:buNone/>
             </a:pPr>
-            <a:fld id="{73EB92BA-BC3B-4E3A-A4C2-697590925B26}" type="slidenum">
+            <a:fld id="{7A47691E-6C40-4749-9AC9-178BECC7E7EA}" type="slidenum">
               <a:rPr b="0" lang="en-AU" sz="1400" spc="-1" strike="noStrike">
                 <a:solidFill>
                   <a:srgbClr val="ffffff"/>
@@ -11271,7 +11276,7 @@
             <a:pPr algn="r">
               <a:buNone/>
             </a:pPr>
-            <a:fld id="{2099B0E2-721E-4A41-B0C4-9552CB8C5C80}" type="slidenum">
+            <a:fld id="{8B9CEBF0-0667-474D-9367-D123988A283D}" type="slidenum">
               <a:rPr b="0" lang="en-AU" sz="1400" spc="-1" strike="noStrike">
                 <a:latin typeface="Arial"/>
               </a:rPr>
@@ -11563,7 +11568,7 @@
               <a:rPr b="0" lang="en-AU" sz="3300" spc="-1" strike="noStrike">
                 <a:latin typeface="Arial"/>
               </a:rPr>
-              <a:t>Introduction</a:t>
+              <a:t>INTRODUCTIN</a:t>
             </a:r>
             <a:endParaRPr b="0" lang="en-AU" sz="3300" spc="-1" strike="noStrike">
               <a:latin typeface="Arial"/>
@@ -11708,6 +11713,886 @@
         </p:nvSpPr>
         <p:spPr>
           <a:xfrm>
+            <a:off x="504000" y="225720"/>
+            <a:ext cx="9071640" cy="946800"/>
+          </a:xfrm>
+          <a:prstGeom prst="rect">
+            <a:avLst/>
+          </a:prstGeom>
+          <a:noFill/>
+          <a:ln w="0">
+            <a:noFill/>
+          </a:ln>
+        </p:spPr>
+        <p:txBody>
+          <a:bodyPr lIns="0" rIns="0" tIns="0" bIns="0" anchor="ctr">
+            <a:noAutofit/>
+          </a:bodyPr>
+          <a:p>
+            <a:pPr algn="ctr">
+              <a:buNone/>
+            </a:pPr>
+            <a:r>
+              <a:rPr b="0" lang="en-AU" sz="3300" spc="-1" strike="noStrike">
+                <a:latin typeface="Arial"/>
+              </a:rPr>
+              <a:t>SCOPE &amp; OBJECTIVE</a:t>
+            </a:r>
+            <a:endParaRPr b="0" lang="en-AU" sz="3300" spc="-1" strike="noStrike">
+              <a:latin typeface="Arial"/>
+            </a:endParaRPr>
+          </a:p>
+        </p:txBody>
+      </p:sp>
+      <p:sp>
+        <p:nvSpPr>
+          <p:cNvPr id="169" name="PlaceHolder 2"/>
+          <p:cNvSpPr>
+            <a:spLocks noGrp="1"/>
+          </p:cNvSpPr>
+          <p:nvPr>
+            <p:ph/>
+          </p:nvPr>
+        </p:nvSpPr>
+        <p:spPr>
+          <a:xfrm>
+            <a:off x="504000" y="1326600"/>
+            <a:ext cx="9071640" cy="3288240"/>
+          </a:xfrm>
+          <a:prstGeom prst="rect">
+            <a:avLst/>
+          </a:prstGeom>
+          <a:noFill/>
+          <a:ln w="0">
+            <a:noFill/>
+          </a:ln>
+        </p:spPr>
+        <p:txBody>
+          <a:bodyPr lIns="0" rIns="0" tIns="0" bIns="0" anchor="t">
+            <a:normAutofit fontScale="94000"/>
+          </a:bodyPr>
+          <a:p>
+            <a:pPr marL="432000" indent="-324000">
+              <a:spcBef>
+                <a:spcPts val="1060"/>
+              </a:spcBef>
+              <a:buClr>
+                <a:srgbClr val="000000"/>
+              </a:buClr>
+              <a:buSzPct val="45000"/>
+              <a:buFont typeface="Wingdings" charset="2"/>
+              <a:buChar char=""/>
+            </a:pPr>
+            <a:r>
+              <a:rPr b="0" lang="en-AU" sz="2400" spc="-1" strike="noStrike">
+                <a:latin typeface="Arial"/>
+              </a:rPr>
+              <a:t>All the manual work should be converted into computerized so that the load of employees should decrease.</a:t>
+            </a:r>
+            <a:endParaRPr b="0" lang="en-AU" sz="2400" spc="-1" strike="noStrike">
+              <a:latin typeface="Arial"/>
+            </a:endParaRPr>
+          </a:p>
+          <a:p>
+            <a:pPr marL="432000" indent="-324000">
+              <a:spcBef>
+                <a:spcPts val="1060"/>
+              </a:spcBef>
+              <a:buClr>
+                <a:srgbClr val="000000"/>
+              </a:buClr>
+              <a:buSzPct val="45000"/>
+              <a:buFont typeface="Wingdings" charset="2"/>
+              <a:buChar char=""/>
+            </a:pPr>
+            <a:r>
+              <a:rPr b="0" lang="en-AU" sz="2400" spc="-1" strike="noStrike">
+                <a:latin typeface="Arial"/>
+              </a:rPr>
+              <a:t>The database should be stored in computer rather than in register / manually.</a:t>
+            </a:r>
+            <a:endParaRPr b="0" lang="en-AU" sz="2400" spc="-1" strike="noStrike">
+              <a:latin typeface="Arial"/>
+            </a:endParaRPr>
+          </a:p>
+          <a:p>
+            <a:pPr marL="432000" indent="-324000">
+              <a:spcBef>
+                <a:spcPts val="1060"/>
+              </a:spcBef>
+              <a:buClr>
+                <a:srgbClr val="000000"/>
+              </a:buClr>
+              <a:buSzPct val="45000"/>
+              <a:buFont typeface="Wingdings" charset="2"/>
+              <a:buChar char=""/>
+            </a:pPr>
+            <a:r>
+              <a:rPr b="0" lang="en-AU" sz="2400" spc="-1" strike="noStrike">
+                <a:latin typeface="Arial"/>
+              </a:rPr>
+              <a:t>The railway reservation system software is an easy to use self service system which enables the customer buys train ticket online.</a:t>
+            </a:r>
+            <a:endParaRPr b="0" lang="en-AU" sz="2400" spc="-1" strike="noStrike">
+              <a:latin typeface="Arial"/>
+            </a:endParaRPr>
+          </a:p>
+          <a:p>
+            <a:pPr marL="432000" indent="-324000">
+              <a:spcBef>
+                <a:spcPts val="1060"/>
+              </a:spcBef>
+              <a:buClr>
+                <a:srgbClr val="000000"/>
+              </a:buClr>
+              <a:buSzPct val="45000"/>
+              <a:buFont typeface="Wingdings" charset="2"/>
+              <a:buChar char=""/>
+            </a:pPr>
+            <a:r>
+              <a:rPr b="0" lang="en-AU" sz="2400" spc="-1" strike="noStrike">
+                <a:latin typeface="Arial"/>
+              </a:rPr>
+              <a:t>After process buys train ticket is successfully, the customer can get the train ticket by print out the train ticket or can download the pdf of train ticket.</a:t>
+            </a:r>
+            <a:endParaRPr b="0" lang="en-AU" sz="2400" spc="-1" strike="noStrike">
+              <a:latin typeface="Arial"/>
+            </a:endParaRPr>
+          </a:p>
+        </p:txBody>
+      </p:sp>
+    </p:spTree>
+  </p:cSld>
+  <mc:AlternateContent>
+    <mc:Choice Requires="p14">
+      <p:transition spd="slow" p14:dur="2000"/>
+    </mc:Choice>
+    <mc:Fallback>
+      <p:transition spd="slow"/>
+    </mc:Fallback>
+  </mc:AlternateContent>
+</p:sld>
+</file>
+
+<file path=ppt/slides/slide4.xml><?xml version="1.0" encoding="utf-8"?>
+<p:sld xmlns:a="http://schemas.openxmlformats.org/drawingml/2006/main" xmlns:p="http://schemas.openxmlformats.org/presentationml/2006/main" xmlns:r="http://schemas.openxmlformats.org/officeDocument/2006/relationships" xmlns:p14="http://schemas.microsoft.com/office/powerpoint/2010/main" xmlns:p15="http://schemas.microsoft.com/office/powerpoint/2012/main" xmlns:mc="http://schemas.openxmlformats.org/markup-compatibility/2006">
+  <p:cSld>
+    <p:spTree>
+      <p:nvGrpSpPr>
+        <p:cNvPr id="1" name=""/>
+        <p:cNvGrpSpPr/>
+        <p:nvPr/>
+      </p:nvGrpSpPr>
+      <p:grpSpPr>
+        <a:xfrm>
+          <a:off x="0" y="0"/>
+          <a:ext cx="0" cy="0"/>
+          <a:chOff x="0" y="0"/>
+          <a:chExt cx="0" cy="0"/>
+        </a:xfrm>
+      </p:grpSpPr>
+      <p:sp>
+        <p:nvSpPr>
+          <p:cNvPr id="170" name="PlaceHolder 1"/>
+          <p:cNvSpPr>
+            <a:spLocks noGrp="1"/>
+          </p:cNvSpPr>
+          <p:nvPr>
+            <p:ph type="title"/>
+          </p:nvPr>
+        </p:nvSpPr>
+        <p:spPr>
+          <a:xfrm>
+            <a:off x="504000" y="225720"/>
+            <a:ext cx="9071640" cy="946800"/>
+          </a:xfrm>
+          <a:prstGeom prst="rect">
+            <a:avLst/>
+          </a:prstGeom>
+          <a:noFill/>
+          <a:ln w="0">
+            <a:noFill/>
+          </a:ln>
+        </p:spPr>
+        <p:txBody>
+          <a:bodyPr lIns="0" rIns="0" tIns="0" bIns="0" anchor="ctr">
+            <a:noAutofit/>
+          </a:bodyPr>
+          <a:p>
+            <a:pPr algn="ctr">
+              <a:buNone/>
+            </a:pPr>
+            <a:r>
+              <a:rPr b="0" lang="en-AU" sz="3300" spc="-1" strike="noStrike">
+                <a:latin typeface="Arial"/>
+              </a:rPr>
+              <a:t>FEATURES</a:t>
+            </a:r>
+            <a:endParaRPr b="0" lang="en-AU" sz="3300" spc="-1" strike="noStrike">
+              <a:latin typeface="Arial"/>
+            </a:endParaRPr>
+          </a:p>
+        </p:txBody>
+      </p:sp>
+      <p:sp>
+        <p:nvSpPr>
+          <p:cNvPr id="171" name="PlaceHolder 2"/>
+          <p:cNvSpPr>
+            <a:spLocks noGrp="1"/>
+          </p:cNvSpPr>
+          <p:nvPr>
+            <p:ph/>
+          </p:nvPr>
+        </p:nvSpPr>
+        <p:spPr>
+          <a:xfrm>
+            <a:off x="504000" y="1326600"/>
+            <a:ext cx="9071640" cy="3288240"/>
+          </a:xfrm>
+          <a:prstGeom prst="rect">
+            <a:avLst/>
+          </a:prstGeom>
+          <a:noFill/>
+          <a:ln w="0">
+            <a:noFill/>
+          </a:ln>
+        </p:spPr>
+        <p:txBody>
+          <a:bodyPr lIns="0" rIns="0" tIns="0" bIns="0" anchor="t">
+            <a:normAutofit/>
+          </a:bodyPr>
+          <a:p>
+            <a:pPr marL="432000" indent="-324000">
+              <a:spcBef>
+                <a:spcPts val="1060"/>
+              </a:spcBef>
+              <a:buClr>
+                <a:srgbClr val="000000"/>
+              </a:buClr>
+              <a:buSzPct val="45000"/>
+              <a:buFont typeface="Wingdings" charset="2"/>
+              <a:buChar char=""/>
+            </a:pPr>
+            <a:r>
+              <a:rPr b="0" lang="en-AU" sz="2400" spc="-1" strike="noStrike">
+                <a:latin typeface="Arial"/>
+              </a:rPr>
+              <a:t>Searching of data is easy.</a:t>
+            </a:r>
+            <a:endParaRPr b="0" lang="en-AU" sz="2400" spc="-1" strike="noStrike">
+              <a:latin typeface="Arial"/>
+            </a:endParaRPr>
+          </a:p>
+          <a:p>
+            <a:pPr marL="432000" indent="-324000">
+              <a:spcBef>
+                <a:spcPts val="1060"/>
+              </a:spcBef>
+              <a:buClr>
+                <a:srgbClr val="000000"/>
+              </a:buClr>
+              <a:buSzPct val="45000"/>
+              <a:buFont typeface="Wingdings" charset="2"/>
+              <a:buChar char=""/>
+            </a:pPr>
+            <a:r>
+              <a:rPr b="0" lang="en-AU" sz="2400" spc="-1" strike="noStrike">
+                <a:latin typeface="Arial"/>
+              </a:rPr>
+              <a:t>Passengers don’t have to wait for long time.</a:t>
+            </a:r>
+            <a:endParaRPr b="0" lang="en-AU" sz="2400" spc="-1" strike="noStrike">
+              <a:latin typeface="Arial"/>
+            </a:endParaRPr>
+          </a:p>
+          <a:p>
+            <a:pPr marL="432000" indent="-324000">
+              <a:spcBef>
+                <a:spcPts val="1060"/>
+              </a:spcBef>
+              <a:buClr>
+                <a:srgbClr val="000000"/>
+              </a:buClr>
+              <a:buSzPct val="45000"/>
+              <a:buFont typeface="Wingdings" charset="2"/>
+              <a:buChar char=""/>
+            </a:pPr>
+            <a:r>
+              <a:rPr b="0" lang="en-AU" sz="2400" spc="-1" strike="noStrike">
+                <a:latin typeface="Arial"/>
+              </a:rPr>
+              <a:t>Information is accurate.</a:t>
+            </a:r>
+            <a:endParaRPr b="0" lang="en-AU" sz="2400" spc="-1" strike="noStrike">
+              <a:latin typeface="Arial"/>
+            </a:endParaRPr>
+          </a:p>
+          <a:p>
+            <a:pPr marL="432000" indent="-324000">
+              <a:spcBef>
+                <a:spcPts val="1060"/>
+              </a:spcBef>
+              <a:buClr>
+                <a:srgbClr val="000000"/>
+              </a:buClr>
+              <a:buSzPct val="45000"/>
+              <a:buFont typeface="Wingdings" charset="2"/>
+              <a:buChar char=""/>
+            </a:pPr>
+            <a:r>
+              <a:rPr b="0" lang="en-AU" sz="2400" spc="-1" strike="noStrike">
+                <a:latin typeface="Arial"/>
+              </a:rPr>
+              <a:t>It is fast process.</a:t>
+            </a:r>
+            <a:endParaRPr b="0" lang="en-AU" sz="2400" spc="-1" strike="noStrike">
+              <a:latin typeface="Arial"/>
+            </a:endParaRPr>
+          </a:p>
+          <a:p>
+            <a:pPr marL="432000" indent="-324000">
+              <a:spcBef>
+                <a:spcPts val="1060"/>
+              </a:spcBef>
+              <a:buClr>
+                <a:srgbClr val="000000"/>
+              </a:buClr>
+              <a:buSzPct val="45000"/>
+              <a:buFont typeface="Wingdings" charset="2"/>
+              <a:buChar char=""/>
+            </a:pPr>
+            <a:r>
+              <a:rPr b="0" lang="en-AU" sz="2400" spc="-1" strike="noStrike">
+                <a:latin typeface="Arial"/>
+              </a:rPr>
+              <a:t>Data efficiency is more.</a:t>
+            </a:r>
+            <a:endParaRPr b="0" lang="en-AU" sz="2400" spc="-1" strike="noStrike">
+              <a:latin typeface="Arial"/>
+            </a:endParaRPr>
+          </a:p>
+        </p:txBody>
+      </p:sp>
+    </p:spTree>
+  </p:cSld>
+  <mc:AlternateContent>
+    <mc:Choice Requires="p14">
+      <p:transition spd="slow" p14:dur="2000"/>
+    </mc:Choice>
+    <mc:Fallback>
+      <p:transition spd="slow"/>
+    </mc:Fallback>
+  </mc:AlternateContent>
+</p:sld>
+</file>
+
+<file path=ppt/slides/slide5.xml><?xml version="1.0" encoding="utf-8"?>
+<p:sld xmlns:a="http://schemas.openxmlformats.org/drawingml/2006/main" xmlns:p="http://schemas.openxmlformats.org/presentationml/2006/main" xmlns:r="http://schemas.openxmlformats.org/officeDocument/2006/relationships" xmlns:p14="http://schemas.microsoft.com/office/powerpoint/2010/main" xmlns:p15="http://schemas.microsoft.com/office/powerpoint/2012/main" xmlns:mc="http://schemas.openxmlformats.org/markup-compatibility/2006">
+  <p:cSld>
+    <p:spTree>
+      <p:nvGrpSpPr>
+        <p:cNvPr id="1" name=""/>
+        <p:cNvGrpSpPr/>
+        <p:nvPr/>
+      </p:nvGrpSpPr>
+      <p:grpSpPr>
+        <a:xfrm>
+          <a:off x="0" y="0"/>
+          <a:ext cx="0" cy="0"/>
+          <a:chOff x="0" y="0"/>
+          <a:chExt cx="0" cy="0"/>
+        </a:xfrm>
+      </p:grpSpPr>
+      <p:sp>
+        <p:nvSpPr>
+          <p:cNvPr id="172" name="PlaceHolder 1"/>
+          <p:cNvSpPr>
+            <a:spLocks noGrp="1"/>
+          </p:cNvSpPr>
+          <p:nvPr>
+            <p:ph type="title"/>
+          </p:nvPr>
+        </p:nvSpPr>
+        <p:spPr>
+          <a:xfrm>
+            <a:off x="504000" y="225720"/>
+            <a:ext cx="9071640" cy="946800"/>
+          </a:xfrm>
+          <a:prstGeom prst="rect">
+            <a:avLst/>
+          </a:prstGeom>
+          <a:noFill/>
+          <a:ln w="0">
+            <a:noFill/>
+          </a:ln>
+        </p:spPr>
+        <p:txBody>
+          <a:bodyPr lIns="0" rIns="0" tIns="0" bIns="0" anchor="ctr">
+            <a:noAutofit/>
+          </a:bodyPr>
+          <a:p>
+            <a:pPr algn="ctr">
+              <a:buNone/>
+            </a:pPr>
+            <a:r>
+              <a:rPr b="0" lang="en-AU" sz="3300" spc="-1" strike="noStrike">
+                <a:latin typeface="Arial"/>
+              </a:rPr>
+              <a:t>Bangladesh Railway E-Ticketing Problems</a:t>
+            </a:r>
+            <a:endParaRPr b="0" lang="en-AU" sz="3300" spc="-1" strike="noStrike">
+              <a:latin typeface="Arial"/>
+            </a:endParaRPr>
+          </a:p>
+        </p:txBody>
+      </p:sp>
+      <p:sp>
+        <p:nvSpPr>
+          <p:cNvPr id="173" name="PlaceHolder 2"/>
+          <p:cNvSpPr>
+            <a:spLocks noGrp="1"/>
+          </p:cNvSpPr>
+          <p:nvPr>
+            <p:ph/>
+          </p:nvPr>
+        </p:nvSpPr>
+        <p:spPr>
+          <a:xfrm>
+            <a:off x="504000" y="1326600"/>
+            <a:ext cx="9071640" cy="3288240"/>
+          </a:xfrm>
+          <a:prstGeom prst="rect">
+            <a:avLst/>
+          </a:prstGeom>
+          <a:noFill/>
+          <a:ln w="0">
+            <a:noFill/>
+          </a:ln>
+        </p:spPr>
+        <p:txBody>
+          <a:bodyPr lIns="0" rIns="0" tIns="0" bIns="0" anchor="t">
+            <a:normAutofit fontScale="87000"/>
+          </a:bodyPr>
+          <a:p>
+            <a:pPr marL="432000" indent="-324000">
+              <a:spcBef>
+                <a:spcPts val="1060"/>
+              </a:spcBef>
+              <a:buClr>
+                <a:srgbClr val="000000"/>
+              </a:buClr>
+              <a:buSzPct val="45000"/>
+              <a:buFont typeface="Wingdings" charset="2"/>
+              <a:buChar char=""/>
+            </a:pPr>
+            <a:r>
+              <a:rPr b="0" lang="en-AU" sz="2400" spc="-1" strike="noStrike">
+                <a:latin typeface="Arial"/>
+              </a:rPr>
+              <a:t>Session time out due to enquiry limit.</a:t>
+            </a:r>
+            <a:endParaRPr b="0" lang="en-AU" sz="2400" spc="-1" strike="noStrike">
+              <a:latin typeface="Arial"/>
+            </a:endParaRPr>
+          </a:p>
+          <a:p>
+            <a:pPr marL="432000" indent="-324000">
+              <a:spcBef>
+                <a:spcPts val="1060"/>
+              </a:spcBef>
+              <a:buClr>
+                <a:srgbClr val="000000"/>
+              </a:buClr>
+              <a:buSzPct val="45000"/>
+              <a:buFont typeface="Wingdings" charset="2"/>
+              <a:buChar char=""/>
+            </a:pPr>
+            <a:r>
+              <a:rPr b="0" lang="en-AU" sz="2400" spc="-1" strike="noStrike">
+                <a:latin typeface="Arial"/>
+              </a:rPr>
+              <a:t>Limited server cause slow speed.</a:t>
+            </a:r>
+            <a:endParaRPr b="0" lang="en-AU" sz="2400" spc="-1" strike="noStrike">
+              <a:latin typeface="Arial"/>
+            </a:endParaRPr>
+          </a:p>
+          <a:p>
+            <a:pPr marL="432000" indent="-324000">
+              <a:spcBef>
+                <a:spcPts val="1060"/>
+              </a:spcBef>
+              <a:buClr>
+                <a:srgbClr val="000000"/>
+              </a:buClr>
+              <a:buSzPct val="45000"/>
+              <a:buFont typeface="Wingdings" charset="2"/>
+              <a:buChar char=""/>
+            </a:pPr>
+            <a:r>
+              <a:rPr b="0" lang="en-AU" sz="2400" spc="-1" strike="noStrike">
+                <a:latin typeface="Arial"/>
+              </a:rPr>
+              <a:t>Multiple failures during form filling, saving of form should be </a:t>
+            </a:r>
+            <a:r>
+              <a:rPr b="0" lang="en-AU" sz="2400" spc="-1" strike="noStrike">
+                <a:latin typeface="Arial"/>
+              </a:rPr>
+              <a:t>dynamic.</a:t>
+            </a:r>
+            <a:endParaRPr b="0" lang="en-AU" sz="2400" spc="-1" strike="noStrike">
+              <a:latin typeface="Arial"/>
+            </a:endParaRPr>
+          </a:p>
+          <a:p>
+            <a:pPr marL="432000" indent="-324000">
+              <a:spcBef>
+                <a:spcPts val="1060"/>
+              </a:spcBef>
+              <a:buClr>
+                <a:srgbClr val="000000"/>
+              </a:buClr>
+              <a:buSzPct val="45000"/>
+              <a:buFont typeface="Wingdings" charset="2"/>
+              <a:buChar char=""/>
+            </a:pPr>
+            <a:r>
+              <a:rPr b="0" lang="en-AU" sz="2400" spc="-1" strike="noStrike">
+                <a:latin typeface="Arial"/>
+              </a:rPr>
+              <a:t>Cancelled transaction problem during tatkal hours, many times </a:t>
+            </a:r>
+            <a:r>
+              <a:rPr b="0" lang="en-AU" sz="2400" spc="-1" strike="noStrike">
+                <a:latin typeface="Arial"/>
+              </a:rPr>
+              <a:t>during tatkal hours ticket is not booked even after payment due </a:t>
+            </a:r>
+            <a:r>
+              <a:rPr b="0" lang="en-AU" sz="2400" spc="-1" strike="noStrike">
+                <a:latin typeface="Arial"/>
+              </a:rPr>
+              <a:t>to slow speed of Bangladesh Railway E-Ticketing Service or </a:t>
+            </a:r>
+            <a:r>
+              <a:rPr b="0" lang="en-AU" sz="2400" spc="-1" strike="noStrike">
+                <a:latin typeface="Arial"/>
+              </a:rPr>
+              <a:t>due to limited server.</a:t>
+            </a:r>
+            <a:endParaRPr b="0" lang="en-AU" sz="2400" spc="-1" strike="noStrike">
+              <a:latin typeface="Arial"/>
+            </a:endParaRPr>
+          </a:p>
+          <a:p>
+            <a:pPr marL="432000" indent="-324000">
+              <a:spcBef>
+                <a:spcPts val="1060"/>
+              </a:spcBef>
+              <a:buClr>
+                <a:srgbClr val="000000"/>
+              </a:buClr>
+              <a:buSzPct val="45000"/>
+              <a:buFont typeface="Wingdings" charset="2"/>
+              <a:buChar char=""/>
+            </a:pPr>
+            <a:r>
+              <a:rPr b="0" lang="en-AU" sz="2400" spc="-1" strike="noStrike">
+                <a:latin typeface="Arial"/>
+              </a:rPr>
+              <a:t>Limit of ip address of particular computer for only two ticket for </a:t>
+            </a:r>
+            <a:r>
+              <a:rPr b="0" lang="en-AU" sz="2400" spc="-1" strike="noStrike">
+                <a:latin typeface="Arial"/>
+              </a:rPr>
+              <a:t>whole time during tatkal hours.</a:t>
+            </a:r>
+            <a:endParaRPr b="0" lang="en-AU" sz="2400" spc="-1" strike="noStrike">
+              <a:latin typeface="Arial"/>
+            </a:endParaRPr>
+          </a:p>
+          <a:p>
+            <a:pPr marL="432000" indent="-324000">
+              <a:spcBef>
+                <a:spcPts val="1060"/>
+              </a:spcBef>
+              <a:buClr>
+                <a:srgbClr val="000000"/>
+              </a:buClr>
+              <a:buSzPct val="45000"/>
+              <a:buFont typeface="Wingdings" charset="2"/>
+              <a:buChar char=""/>
+            </a:pPr>
+            <a:r>
+              <a:rPr b="0" lang="en-AU" sz="2400" spc="-1" strike="noStrike">
+                <a:latin typeface="Arial"/>
+              </a:rPr>
+              <a:t>Slow processing speed during tatkal hours due to heavy traffic.</a:t>
+            </a:r>
+            <a:endParaRPr b="0" lang="en-AU" sz="2400" spc="-1" strike="noStrike">
+              <a:latin typeface="Arial"/>
+            </a:endParaRPr>
+          </a:p>
+        </p:txBody>
+      </p:sp>
+    </p:spTree>
+  </p:cSld>
+  <mc:AlternateContent>
+    <mc:Choice Requires="p14">
+      <p:transition spd="slow" p14:dur="2000"/>
+    </mc:Choice>
+    <mc:Fallback>
+      <p:transition spd="slow"/>
+    </mc:Fallback>
+  </mc:AlternateContent>
+</p:sld>
+</file>
+
+<file path=ppt/slides/slide6.xml><?xml version="1.0" encoding="utf-8"?>
+<p:sld xmlns:a="http://schemas.openxmlformats.org/drawingml/2006/main" xmlns:p="http://schemas.openxmlformats.org/presentationml/2006/main" xmlns:r="http://schemas.openxmlformats.org/officeDocument/2006/relationships" xmlns:p14="http://schemas.microsoft.com/office/powerpoint/2010/main" xmlns:p15="http://schemas.microsoft.com/office/powerpoint/2012/main" xmlns:mc="http://schemas.openxmlformats.org/markup-compatibility/2006">
+  <p:cSld>
+    <p:spTree>
+      <p:nvGrpSpPr>
+        <p:cNvPr id="1" name=""/>
+        <p:cNvGrpSpPr/>
+        <p:nvPr/>
+      </p:nvGrpSpPr>
+      <p:grpSpPr>
+        <a:xfrm>
+          <a:off x="0" y="0"/>
+          <a:ext cx="0" cy="0"/>
+          <a:chOff x="0" y="0"/>
+          <a:chExt cx="0" cy="0"/>
+        </a:xfrm>
+      </p:grpSpPr>
+      <p:sp>
+        <p:nvSpPr>
+          <p:cNvPr id="174" name="PlaceHolder 1"/>
+          <p:cNvSpPr>
+            <a:spLocks noGrp="1"/>
+          </p:cNvSpPr>
+          <p:nvPr>
+            <p:ph type="title"/>
+          </p:nvPr>
+        </p:nvSpPr>
+        <p:spPr>
+          <a:xfrm>
+            <a:off x="504000" y="225720"/>
+            <a:ext cx="9071640" cy="946800"/>
+          </a:xfrm>
+          <a:prstGeom prst="rect">
+            <a:avLst/>
+          </a:prstGeom>
+          <a:noFill/>
+          <a:ln w="0">
+            <a:noFill/>
+          </a:ln>
+        </p:spPr>
+        <p:txBody>
+          <a:bodyPr lIns="0" rIns="0" tIns="0" bIns="0" anchor="ctr">
+            <a:noAutofit/>
+          </a:bodyPr>
+          <a:p>
+            <a:pPr algn="ctr">
+              <a:buNone/>
+            </a:pPr>
+            <a:r>
+              <a:rPr b="0" lang="en-AU" sz="3300" spc="-1" strike="noStrike">
+                <a:latin typeface="Arial"/>
+              </a:rPr>
+              <a:t>SCREEN SHOTS</a:t>
+            </a:r>
+            <a:endParaRPr b="0" lang="en-AU" sz="3300" spc="-1" strike="noStrike">
+              <a:latin typeface="Arial"/>
+            </a:endParaRPr>
+          </a:p>
+        </p:txBody>
+      </p:sp>
+      <p:sp>
+        <p:nvSpPr>
+          <p:cNvPr id="175" name="PlaceHolder 2"/>
+          <p:cNvSpPr>
+            <a:spLocks noGrp="1"/>
+          </p:cNvSpPr>
+          <p:nvPr>
+            <p:ph/>
+          </p:nvPr>
+        </p:nvSpPr>
+        <p:spPr>
+          <a:xfrm>
+            <a:off x="504000" y="1326600"/>
+            <a:ext cx="9071640" cy="3288240"/>
+          </a:xfrm>
+          <a:prstGeom prst="rect">
+            <a:avLst/>
+          </a:prstGeom>
+          <a:noFill/>
+          <a:ln w="0">
+            <a:noFill/>
+          </a:ln>
+        </p:spPr>
+        <p:txBody>
+          <a:bodyPr lIns="0" rIns="0" tIns="0" bIns="0" anchor="t">
+            <a:normAutofit/>
+          </a:bodyPr>
+          <a:p>
+            <a:endParaRPr b="0" lang="en-AU" sz="2400" spc="-1" strike="noStrike">
+              <a:latin typeface="Arial"/>
+            </a:endParaRPr>
+          </a:p>
+        </p:txBody>
+      </p:sp>
+    </p:spTree>
+  </p:cSld>
+  <mc:AlternateContent>
+    <mc:Choice Requires="p14">
+      <p:transition spd="slow" p14:dur="2000"/>
+    </mc:Choice>
+    <mc:Fallback>
+      <p:transition spd="slow"/>
+    </mc:Fallback>
+  </mc:AlternateContent>
+</p:sld>
+</file>
+
+<file path=ppt/slides/slide7.xml><?xml version="1.0" encoding="utf-8"?>
+<p:sld xmlns:a="http://schemas.openxmlformats.org/drawingml/2006/main" xmlns:p="http://schemas.openxmlformats.org/presentationml/2006/main" xmlns:r="http://schemas.openxmlformats.org/officeDocument/2006/relationships" xmlns:p14="http://schemas.microsoft.com/office/powerpoint/2010/main" xmlns:p15="http://schemas.microsoft.com/office/powerpoint/2012/main" xmlns:mc="http://schemas.openxmlformats.org/markup-compatibility/2006">
+  <p:cSld>
+    <p:spTree>
+      <p:nvGrpSpPr>
+        <p:cNvPr id="1" name=""/>
+        <p:cNvGrpSpPr/>
+        <p:nvPr/>
+      </p:nvGrpSpPr>
+      <p:grpSpPr>
+        <a:xfrm>
+          <a:off x="0" y="0"/>
+          <a:ext cx="0" cy="0"/>
+          <a:chOff x="0" y="0"/>
+          <a:chExt cx="0" cy="0"/>
+        </a:xfrm>
+      </p:grpSpPr>
+      <p:sp>
+        <p:nvSpPr>
+          <p:cNvPr id="176" name="PlaceHolder 1"/>
+          <p:cNvSpPr>
+            <a:spLocks noGrp="1"/>
+          </p:cNvSpPr>
+          <p:nvPr>
+            <p:ph type="title"/>
+          </p:nvPr>
+        </p:nvSpPr>
+        <p:spPr>
+          <a:xfrm>
+            <a:off x="504000" y="225720"/>
+            <a:ext cx="9071640" cy="946800"/>
+          </a:xfrm>
+          <a:prstGeom prst="rect">
+            <a:avLst/>
+          </a:prstGeom>
+          <a:noFill/>
+          <a:ln w="0">
+            <a:noFill/>
+          </a:ln>
+        </p:spPr>
+        <p:txBody>
+          <a:bodyPr lIns="0" rIns="0" tIns="0" bIns="0" anchor="ctr">
+            <a:noAutofit/>
+          </a:bodyPr>
+          <a:p>
+            <a:pPr algn="ctr">
+              <a:buNone/>
+            </a:pPr>
+            <a:r>
+              <a:rPr b="0" lang="en-AU" sz="3300" spc="-1" strike="noStrike">
+                <a:latin typeface="Arial"/>
+              </a:rPr>
+              <a:t>SCREENSHOT</a:t>
+            </a:r>
+            <a:endParaRPr b="0" lang="en-AU" sz="3300" spc="-1" strike="noStrike">
+              <a:latin typeface="Arial"/>
+            </a:endParaRPr>
+          </a:p>
+        </p:txBody>
+      </p:sp>
+      <p:sp>
+        <p:nvSpPr>
+          <p:cNvPr id="177" name="PlaceHolder 2"/>
+          <p:cNvSpPr>
+            <a:spLocks noGrp="1"/>
+          </p:cNvSpPr>
+          <p:nvPr>
+            <p:ph/>
+          </p:nvPr>
+        </p:nvSpPr>
+        <p:spPr>
+          <a:xfrm>
+            <a:off x="504000" y="1326600"/>
+            <a:ext cx="9071640" cy="3288240"/>
+          </a:xfrm>
+          <a:prstGeom prst="rect">
+            <a:avLst/>
+          </a:prstGeom>
+          <a:noFill/>
+          <a:ln w="0">
+            <a:noFill/>
+          </a:ln>
+        </p:spPr>
+        <p:txBody>
+          <a:bodyPr lIns="0" rIns="0" tIns="0" bIns="0" anchor="t">
+            <a:normAutofit/>
+          </a:bodyPr>
+          <a:p>
+            <a:endParaRPr b="0" lang="en-AU" sz="2400" spc="-1" strike="noStrike">
+              <a:latin typeface="Arial"/>
+            </a:endParaRPr>
+          </a:p>
+        </p:txBody>
+      </p:sp>
+    </p:spTree>
+  </p:cSld>
+  <mc:AlternateContent>
+    <mc:Choice Requires="p14">
+      <p:transition spd="slow" p14:dur="2000"/>
+    </mc:Choice>
+    <mc:Fallback>
+      <p:transition spd="slow"/>
+    </mc:Fallback>
+  </mc:AlternateContent>
+</p:sld>
+</file>
+
+<file path=ppt/slides/slide8.xml><?xml version="1.0" encoding="utf-8"?>
+<p:sld xmlns:a="http://schemas.openxmlformats.org/drawingml/2006/main" xmlns:p="http://schemas.openxmlformats.org/presentationml/2006/main" xmlns:r="http://schemas.openxmlformats.org/officeDocument/2006/relationships" xmlns:p14="http://schemas.microsoft.com/office/powerpoint/2010/main" xmlns:p15="http://schemas.microsoft.com/office/powerpoint/2012/main" xmlns:mc="http://schemas.openxmlformats.org/markup-compatibility/2006">
+  <p:cSld>
+    <p:spTree>
+      <p:nvGrpSpPr>
+        <p:cNvPr id="1" name=""/>
+        <p:cNvGrpSpPr/>
+        <p:nvPr/>
+      </p:nvGrpSpPr>
+      <p:grpSpPr>
+        <a:xfrm>
+          <a:off x="0" y="0"/>
+          <a:ext cx="0" cy="0"/>
+          <a:chOff x="0" y="0"/>
+          <a:chExt cx="0" cy="0"/>
+        </a:xfrm>
+      </p:grpSpPr>
+      <p:sp>
+        <p:nvSpPr>
+          <p:cNvPr id="178" name="PlaceHolder 1"/>
+          <p:cNvSpPr>
+            <a:spLocks noGrp="1"/>
+          </p:cNvSpPr>
+          <p:nvPr>
+            <p:ph type="title"/>
+          </p:nvPr>
+        </p:nvSpPr>
+        <p:spPr>
+          <a:xfrm>
             <a:off x="2376000" y="2376000"/>
             <a:ext cx="7199640" cy="946800"/>
           </a:xfrm>
@@ -11759,7 +12644,7 @@
       </p:sp>
       <p:pic>
         <p:nvPicPr>
-          <p:cNvPr id="169" name="" descr=""/>
+          <p:cNvPr id="179" name="" descr=""/>
           <p:cNvPicPr/>
           <p:nvPr/>
         </p:nvPicPr>

--- a/Railway Reservatin System.pptx
+++ b/Railway Reservatin System.pptx
@@ -16,6 +16,9 @@
     <p:sldId id="261" r:id="rId11"/>
     <p:sldId id="262" r:id="rId12"/>
     <p:sldId id="263" r:id="rId13"/>
+    <p:sldId id="264" r:id="rId14"/>
+    <p:sldId id="265" r:id="rId15"/>
+    <p:sldId id="266" r:id="rId16"/>
   </p:sldIdLst>
   <p:sldSz cx="10080625" cy="5670550"/>
   <p:notesSz cx="7559675" cy="10691813"/>
@@ -73,7 +76,7 @@
         <p:txBody>
           <a:bodyPr/>
           <a:p>
-            <a:fld id="{8B1DA8C4-AEAC-4463-9E88-F93F1A0DB1DE}" type="slidenum">
+            <a:fld id="{40B1AEEF-5BAD-47C6-BA9E-B51D39CDE556}" type="slidenum">
               <a:t>&lt;#&gt;</a:t>
             </a:fld>
           </a:p>
@@ -270,7 +273,7 @@
         <p:txBody>
           <a:bodyPr/>
           <a:p>
-            <a:fld id="{53D9205E-7D9E-4149-BCE1-D50ADD8C091A}" type="slidenum">
+            <a:fld id="{CD157502-D8DA-464D-860C-7E3BD6C8740D}" type="slidenum">
               <a:t>&lt;#&gt;</a:t>
             </a:fld>
           </a:p>
@@ -541,7 +544,7 @@
         <p:txBody>
           <a:bodyPr/>
           <a:p>
-            <a:fld id="{BC9CB310-FD15-4D8C-A8D5-EEF527B6A616}" type="slidenum">
+            <a:fld id="{F5E14073-3513-4B72-A717-C4B292F230E9}" type="slidenum">
               <a:t>&lt;#&gt;</a:t>
             </a:fld>
           </a:p>
@@ -886,7 +889,7 @@
         <p:txBody>
           <a:bodyPr/>
           <a:p>
-            <a:fld id="{0DF4E296-72F2-4F1C-A65E-1448ED29A001}" type="slidenum">
+            <a:fld id="{D26E4889-5951-4B73-BA66-34D7314A1AEC}" type="slidenum">
               <a:t>&lt;#&gt;</a:t>
             </a:fld>
           </a:p>
@@ -969,7 +972,7 @@
         <p:txBody>
           <a:bodyPr/>
           <a:p>
-            <a:fld id="{459FBD1F-7097-4D6E-8474-06093CF6EED8}" type="slidenum">
+            <a:fld id="{D9E1732F-BDDA-4EE7-83A7-30C19F9F4426}" type="slidenum">
               <a:t>&lt;#&gt;</a:t>
             </a:fld>
           </a:p>
@@ -1132,7 +1135,7 @@
         <p:txBody>
           <a:bodyPr/>
           <a:p>
-            <a:fld id="{723BE2F5-3ED6-408D-93B7-916282B1A14E}" type="slidenum">
+            <a:fld id="{AE575EAB-E453-4E52-9B3C-122CBD296FAD}" type="slidenum">
               <a:t>&lt;#&gt;</a:t>
             </a:fld>
           </a:p>
@@ -1292,7 +1295,7 @@
         <p:txBody>
           <a:bodyPr/>
           <a:p>
-            <a:fld id="{8AB80F60-CD4C-4688-A394-9D3FD0B6F924}" type="slidenum">
+            <a:fld id="{49529ED2-62CA-4DE0-90CE-7D76BE7E7B7B}" type="slidenum">
               <a:t>&lt;#&gt;</a:t>
             </a:fld>
           </a:p>
@@ -1489,7 +1492,7 @@
         <p:txBody>
           <a:bodyPr/>
           <a:p>
-            <a:fld id="{6EFE05F6-AE06-4037-8B72-8F5BBC3AAF2B}" type="slidenum">
+            <a:fld id="{A48DD873-A904-4939-A1FA-EF4114D30461}" type="slidenum">
               <a:t>&lt;#&gt;</a:t>
             </a:fld>
           </a:p>
@@ -1612,7 +1615,7 @@
         <p:txBody>
           <a:bodyPr/>
           <a:p>
-            <a:fld id="{7212F5AC-B06C-42B9-BD93-3A42A64D3E96}" type="slidenum">
+            <a:fld id="{30BCB86A-35C8-47CE-A1CF-07978858399B}" type="slidenum">
               <a:t>&lt;#&gt;</a:t>
             </a:fld>
           </a:p>
@@ -1735,7 +1738,7 @@
         <p:txBody>
           <a:bodyPr/>
           <a:p>
-            <a:fld id="{AC882179-5A09-4273-839E-A1D7A74D4F60}" type="slidenum">
+            <a:fld id="{ADADB394-D290-4DFB-B083-0F143701A22C}" type="slidenum">
               <a:t>&lt;#&gt;</a:t>
             </a:fld>
           </a:p>
@@ -1969,7 +1972,7 @@
         <p:txBody>
           <a:bodyPr/>
           <a:p>
-            <a:fld id="{842C3ED4-9B16-4D31-8F33-4FF14A14A363}" type="slidenum">
+            <a:fld id="{10521D54-09E1-4D38-8AEB-2AF358443302}" type="slidenum">
               <a:t>&lt;#&gt;</a:t>
             </a:fld>
           </a:p>
@@ -2132,7 +2135,7 @@
         <p:txBody>
           <a:bodyPr/>
           <a:p>
-            <a:fld id="{6221F070-E3EF-4114-93CB-64EF9609F0D6}" type="slidenum">
+            <a:fld id="{468CA070-AFFD-4F79-B75A-AF2282F4F758}" type="slidenum">
               <a:t>&lt;#&gt;</a:t>
             </a:fld>
           </a:p>
@@ -2366,7 +2369,7 @@
         <p:txBody>
           <a:bodyPr/>
           <a:p>
-            <a:fld id="{49DADCF5-03C1-4F10-B186-66B7D77E1E01}" type="slidenum">
+            <a:fld id="{65AEA9C2-E55A-4ED3-96FF-E988F7E91B40}" type="slidenum">
               <a:t>&lt;#&gt;</a:t>
             </a:fld>
           </a:p>
@@ -2600,7 +2603,7 @@
         <p:txBody>
           <a:bodyPr/>
           <a:p>
-            <a:fld id="{9D860A86-2795-44F4-8AB9-F0117747A862}" type="slidenum">
+            <a:fld id="{DB3DBA1F-A5AB-483D-BC1F-0A695A8B2748}" type="slidenum">
               <a:t>&lt;#&gt;</a:t>
             </a:fld>
           </a:p>
@@ -2797,7 +2800,7 @@
         <p:txBody>
           <a:bodyPr/>
           <a:p>
-            <a:fld id="{2C206DDF-02A4-4742-9721-6244ADE2A4FF}" type="slidenum">
+            <a:fld id="{B942359E-865E-4BA2-9D0C-18FA1B87894C}" type="slidenum">
               <a:t>&lt;#&gt;</a:t>
             </a:fld>
           </a:p>
@@ -3068,7 +3071,7 @@
         <p:txBody>
           <a:bodyPr/>
           <a:p>
-            <a:fld id="{14A91968-A1E8-43DA-8CA2-F8B430117F72}" type="slidenum">
+            <a:fld id="{2CE95664-3CEA-4023-8877-CC1243A62C3E}" type="slidenum">
               <a:t>&lt;#&gt;</a:t>
             </a:fld>
           </a:p>
@@ -3413,7 +3416,7 @@
         <p:txBody>
           <a:bodyPr/>
           <a:p>
-            <a:fld id="{8F77C889-FBE3-4ECA-8EBC-21CF966F45EB}" type="slidenum">
+            <a:fld id="{70243103-1286-42F2-B0ED-994D4078A0C8}" type="slidenum">
               <a:t>&lt;#&gt;</a:t>
             </a:fld>
           </a:p>
@@ -3496,7 +3499,7 @@
         <p:txBody>
           <a:bodyPr/>
           <a:p>
-            <a:fld id="{D7364421-2197-48EC-9751-B629CE22A888}" type="slidenum">
+            <a:fld id="{607893A4-8F3A-4D97-A971-E76A8902AE08}" type="slidenum">
               <a:t>&lt;#&gt;</a:t>
             </a:fld>
           </a:p>
@@ -3659,7 +3662,7 @@
         <p:txBody>
           <a:bodyPr/>
           <a:p>
-            <a:fld id="{32B77088-DA5D-4ABF-976C-0A9A9186DAC3}" type="slidenum">
+            <a:fld id="{E19FEB2F-F776-41B2-85A0-7BF54CEEE3AE}" type="slidenum">
               <a:t>&lt;#&gt;</a:t>
             </a:fld>
           </a:p>
@@ -3819,7 +3822,7 @@
         <p:txBody>
           <a:bodyPr/>
           <a:p>
-            <a:fld id="{030A4E58-491A-4478-AAEE-1E9D28B34FFE}" type="slidenum">
+            <a:fld id="{EABAA2D0-F9F5-48DF-9F69-720DFC0B7CB5}" type="slidenum">
               <a:t>&lt;#&gt;</a:t>
             </a:fld>
           </a:p>
@@ -4016,7 +4019,7 @@
         <p:txBody>
           <a:bodyPr/>
           <a:p>
-            <a:fld id="{8B7D114F-161E-4CA5-B7AF-D6ABD6BFC28E}" type="slidenum">
+            <a:fld id="{7282FBB4-4414-40BA-AA26-57B097F803E6}" type="slidenum">
               <a:t>&lt;#&gt;</a:t>
             </a:fld>
           </a:p>
@@ -4139,7 +4142,7 @@
         <p:txBody>
           <a:bodyPr/>
           <a:p>
-            <a:fld id="{E57A6688-2717-46FF-B00F-9BBA256DBC77}" type="slidenum">
+            <a:fld id="{AD69A714-CD5F-4177-AF57-B78D3C20DCA3}" type="slidenum">
               <a:t>&lt;#&gt;</a:t>
             </a:fld>
           </a:p>
@@ -4299,7 +4302,7 @@
         <p:txBody>
           <a:bodyPr/>
           <a:p>
-            <a:fld id="{E4FDAFEC-4769-4CC4-9313-C909F2E31304}" type="slidenum">
+            <a:fld id="{3C204740-5C56-43F8-8A40-EC57343465F3}" type="slidenum">
               <a:t>&lt;#&gt;</a:t>
             </a:fld>
           </a:p>
@@ -4422,7 +4425,7 @@
         <p:txBody>
           <a:bodyPr/>
           <a:p>
-            <a:fld id="{B2181575-0438-41EB-8167-15EBFA562D2B}" type="slidenum">
+            <a:fld id="{26E46244-9735-4144-8A14-2899A4E33CC1}" type="slidenum">
               <a:t>&lt;#&gt;</a:t>
             </a:fld>
           </a:p>
@@ -4656,7 +4659,7 @@
         <p:txBody>
           <a:bodyPr/>
           <a:p>
-            <a:fld id="{F27CA3F4-3D8F-4EBB-B123-546827E9CAEE}" type="slidenum">
+            <a:fld id="{9A03E4D8-E9B1-466F-A698-40B20B420C84}" type="slidenum">
               <a:t>&lt;#&gt;</a:t>
             </a:fld>
           </a:p>
@@ -4890,7 +4893,7 @@
         <p:txBody>
           <a:bodyPr/>
           <a:p>
-            <a:fld id="{040725F4-C6A4-40D5-AB79-8549F656011A}" type="slidenum">
+            <a:fld id="{B34D3265-5DAB-4489-937E-F724A8FBF6D5}" type="slidenum">
               <a:t>&lt;#&gt;</a:t>
             </a:fld>
           </a:p>
@@ -5124,7 +5127,7 @@
         <p:txBody>
           <a:bodyPr/>
           <a:p>
-            <a:fld id="{254B2E2D-EEAE-45B8-A907-E1390E9FB1E5}" type="slidenum">
+            <a:fld id="{FF6323BE-08BB-4073-A129-4899D2D4A1D6}" type="slidenum">
               <a:t>&lt;#&gt;</a:t>
             </a:fld>
           </a:p>
@@ -5321,7 +5324,7 @@
         <p:txBody>
           <a:bodyPr/>
           <a:p>
-            <a:fld id="{DB7F92B5-0E2F-4F1B-A808-4730787AF933}" type="slidenum">
+            <a:fld id="{77D0EA60-E72D-4AB3-B6EF-8BBA7B6CB194}" type="slidenum">
               <a:t>&lt;#&gt;</a:t>
             </a:fld>
           </a:p>
@@ -5592,7 +5595,7 @@
         <p:txBody>
           <a:bodyPr/>
           <a:p>
-            <a:fld id="{5CFA5E10-B640-4C93-9F52-ECCBC5076E1A}" type="slidenum">
+            <a:fld id="{7E4E30CF-9011-4BFE-B967-7EA5504701A5}" type="slidenum">
               <a:t>&lt;#&gt;</a:t>
             </a:fld>
           </a:p>
@@ -5937,7 +5940,7 @@
         <p:txBody>
           <a:bodyPr/>
           <a:p>
-            <a:fld id="{E51329DE-4E8D-4751-A5A8-4907ED02A989}" type="slidenum">
+            <a:fld id="{A1EEF394-9DC8-4D32-A922-A2D092AE3B4D}" type="slidenum">
               <a:t>&lt;#&gt;</a:t>
             </a:fld>
           </a:p>
@@ -6020,7 +6023,7 @@
         <p:txBody>
           <a:bodyPr/>
           <a:p>
-            <a:fld id="{253B4B2B-DCBB-424D-945B-02F65E7B068D}" type="slidenum">
+            <a:fld id="{4337F152-0A32-4D5C-83F1-1B5528457218}" type="slidenum">
               <a:t>&lt;#&gt;</a:t>
             </a:fld>
           </a:p>
@@ -6183,7 +6186,7 @@
         <p:txBody>
           <a:bodyPr/>
           <a:p>
-            <a:fld id="{18CD26A7-3499-474F-B1BB-863064358000}" type="slidenum">
+            <a:fld id="{F577924D-0A26-4A14-AAA6-F57424AB9FB2}" type="slidenum">
               <a:t>&lt;#&gt;</a:t>
             </a:fld>
           </a:p>
@@ -6343,7 +6346,7 @@
         <p:txBody>
           <a:bodyPr/>
           <a:p>
-            <a:fld id="{88C73AB2-87E4-41DB-AA92-EDF8393B3C0C}" type="slidenum">
+            <a:fld id="{C1465C1B-5100-4317-A6FA-CD814A868BD8}" type="slidenum">
               <a:t>&lt;#&gt;</a:t>
             </a:fld>
           </a:p>
@@ -6540,7 +6543,7 @@
         <p:txBody>
           <a:bodyPr/>
           <a:p>
-            <a:fld id="{F2C16609-9FF3-48AF-BA9D-1FC21C2CB47C}" type="slidenum">
+            <a:fld id="{9FB051DD-58C6-492B-8B4B-1EB2E460C74E}" type="slidenum">
               <a:t>&lt;#&gt;</a:t>
             </a:fld>
           </a:p>
@@ -6737,7 +6740,7 @@
         <p:txBody>
           <a:bodyPr/>
           <a:p>
-            <a:fld id="{D159B48F-7646-427E-87B4-4D03FADFECF2}" type="slidenum">
+            <a:fld id="{7A6F5FA7-FA45-4ECE-AF34-50A6E7250021}" type="slidenum">
               <a:t>&lt;#&gt;</a:t>
             </a:fld>
           </a:p>
@@ -6860,7 +6863,7 @@
         <p:txBody>
           <a:bodyPr/>
           <a:p>
-            <a:fld id="{B51C89CD-3B19-435E-86EA-9F21E61FE5F5}" type="slidenum">
+            <a:fld id="{7E5A2033-5DCC-4192-8A61-D70DE5B57081}" type="slidenum">
               <a:t>&lt;#&gt;</a:t>
             </a:fld>
           </a:p>
@@ -6983,7 +6986,7 @@
         <p:txBody>
           <a:bodyPr/>
           <a:p>
-            <a:fld id="{2B2171C3-2EC8-48FA-87C4-90912D15DF16}" type="slidenum">
+            <a:fld id="{D36FB8B1-FD10-4DEB-B594-53C691BC9A9A}" type="slidenum">
               <a:t>&lt;#&gt;</a:t>
             </a:fld>
           </a:p>
@@ -7217,7 +7220,7 @@
         <p:txBody>
           <a:bodyPr/>
           <a:p>
-            <a:fld id="{973E9EA9-12A9-4FFA-A6BA-9EBE1043DC1A}" type="slidenum">
+            <a:fld id="{A65196DB-9650-49B0-BB5D-85CAF2119A37}" type="slidenum">
               <a:t>&lt;#&gt;</a:t>
             </a:fld>
           </a:p>
@@ -7451,7 +7454,7 @@
         <p:txBody>
           <a:bodyPr/>
           <a:p>
-            <a:fld id="{4B4DD9C2-D277-494D-BA2A-CAFF214CA38F}" type="slidenum">
+            <a:fld id="{E836F00E-91FD-4A40-B098-09F13C509F4A}" type="slidenum">
               <a:t>&lt;#&gt;</a:t>
             </a:fld>
           </a:p>
@@ -7685,7 +7688,7 @@
         <p:txBody>
           <a:bodyPr/>
           <a:p>
-            <a:fld id="{2FE0762C-6ED7-4FED-8191-80865976E38E}" type="slidenum">
+            <a:fld id="{68D89D92-1123-469F-B7D3-81F39CB7FFF4}" type="slidenum">
               <a:t>&lt;#&gt;</a:t>
             </a:fld>
           </a:p>
@@ -7882,7 +7885,7 @@
         <p:txBody>
           <a:bodyPr/>
           <a:p>
-            <a:fld id="{67397A6A-89F8-43E4-A055-CDDAAC72B2EF}" type="slidenum">
+            <a:fld id="{A66125A3-12CE-4E5A-BE7B-91CD74EB53DD}" type="slidenum">
               <a:t>&lt;#&gt;</a:t>
             </a:fld>
           </a:p>
@@ -8153,7 +8156,7 @@
         <p:txBody>
           <a:bodyPr/>
           <a:p>
-            <a:fld id="{8D036BF2-7DD1-4E06-BB8B-A393603B4D7E}" type="slidenum">
+            <a:fld id="{51E1D257-D82E-418A-8C2C-A18F068800B6}" type="slidenum">
               <a:t>&lt;#&gt;</a:t>
             </a:fld>
           </a:p>
@@ -8498,7 +8501,7 @@
         <p:txBody>
           <a:bodyPr/>
           <a:p>
-            <a:fld id="{890DC2DA-0CE0-449E-8594-3E011ACE98A0}" type="slidenum">
+            <a:fld id="{4668969A-FAA9-4C6F-8492-D97AB2E80F39}" type="slidenum">
               <a:t>&lt;#&gt;</a:t>
             </a:fld>
           </a:p>
@@ -8621,7 +8624,7 @@
         <p:txBody>
           <a:bodyPr/>
           <a:p>
-            <a:fld id="{7E2A8DE3-EC9B-4619-93DD-62FFEF28E731}" type="slidenum">
+            <a:fld id="{83A3F311-41C3-4251-9A1A-DCE3AA403786}" type="slidenum">
               <a:t>&lt;#&gt;</a:t>
             </a:fld>
           </a:p>
@@ -8744,7 +8747,7 @@
         <p:txBody>
           <a:bodyPr/>
           <a:p>
-            <a:fld id="{351C6648-19C0-4E60-A785-6214DD1BA1AF}" type="slidenum">
+            <a:fld id="{54A888F4-058A-40D0-9548-7BDD056D1FED}" type="slidenum">
               <a:t>&lt;#&gt;</a:t>
             </a:fld>
           </a:p>
@@ -8978,7 +8981,7 @@
         <p:txBody>
           <a:bodyPr/>
           <a:p>
-            <a:fld id="{1B8E48A8-74B0-45EF-8E6E-B0E81F6D0576}" type="slidenum">
+            <a:fld id="{D9ED3F3A-EE0A-47D1-99DB-4950DC35E6B6}" type="slidenum">
               <a:t>&lt;#&gt;</a:t>
             </a:fld>
           </a:p>
@@ -9212,7 +9215,7 @@
         <p:txBody>
           <a:bodyPr/>
           <a:p>
-            <a:fld id="{A9C93353-12C9-44DC-804B-2F51125CFB67}" type="slidenum">
+            <a:fld id="{4175D488-7460-4F5E-8BA7-19980BBFC35C}" type="slidenum">
               <a:t>&lt;#&gt;</a:t>
             </a:fld>
           </a:p>
@@ -9446,7 +9449,7 @@
         <p:txBody>
           <a:bodyPr/>
           <a:p>
-            <a:fld id="{313187A5-683D-4A81-ABA7-C42164F4EEB0}" type="slidenum">
+            <a:fld id="{B7CDC0FF-99EF-496C-917D-C3ABBF202F26}" type="slidenum">
               <a:t>&lt;#&gt;</a:t>
             </a:fld>
           </a:p>
@@ -9935,7 +9938,7 @@
             <a:pPr algn="r">
               <a:buNone/>
             </a:pPr>
-            <a:fld id="{1F68F8E4-BB0C-489A-BED1-B6B294A20AFD}" type="slidenum">
+            <a:fld id="{2F60A661-B6EA-4964-934D-0693D923EF07}" type="slidenum">
               <a:rPr b="0" lang="en-AU" sz="1400" spc="-1" strike="noStrike">
                 <a:solidFill>
                   <a:srgbClr val="ffffff"/>
@@ -10361,7 +10364,7 @@
             <a:pPr algn="r">
               <a:buNone/>
             </a:pPr>
-            <a:fld id="{5FEA0782-0E3E-489B-8DA8-74C5C983DA53}" type="slidenum">
+            <a:fld id="{996D1E8E-80E0-4125-8745-8DE5B0725605}" type="slidenum">
               <a:rPr b="0" lang="en-AU" sz="1400" spc="-1" strike="noStrike">
                 <a:latin typeface="Arial"/>
               </a:rPr>
@@ -10850,7 +10853,7 @@
             <a:pPr algn="r">
               <a:buNone/>
             </a:pPr>
-            <a:fld id="{7A47691E-6C40-4749-9AC9-178BECC7E7EA}" type="slidenum">
+            <a:fld id="{13D2ED78-700E-41E1-BC70-3DD52EDB1E90}" type="slidenum">
               <a:rPr b="0" lang="en-AU" sz="1400" spc="-1" strike="noStrike">
                 <a:solidFill>
                   <a:srgbClr val="ffffff"/>
@@ -11276,7 +11279,7 @@
             <a:pPr algn="r">
               <a:buNone/>
             </a:pPr>
-            <a:fld id="{8B9CEBF0-0667-474D-9367-D123988A283D}" type="slidenum">
+            <a:fld id="{A7490562-9BEF-4B6D-9957-540F4F3A6C8A}" type="slidenum">
               <a:rPr b="0" lang="en-AU" sz="1400" spc="-1" strike="noStrike">
                 <a:latin typeface="Arial"/>
               </a:rPr>
@@ -11516,6 +11519,227 @@
 </p:sld>
 </file>
 
+<file path=ppt/slides/slide10.xml><?xml version="1.0" encoding="utf-8"?>
+<p:sld xmlns:a="http://schemas.openxmlformats.org/drawingml/2006/main" xmlns:p="http://schemas.openxmlformats.org/presentationml/2006/main" xmlns:r="http://schemas.openxmlformats.org/officeDocument/2006/relationships" xmlns:p14="http://schemas.microsoft.com/office/powerpoint/2010/main" xmlns:p15="http://schemas.microsoft.com/office/powerpoint/2012/main" xmlns:mc="http://schemas.openxmlformats.org/markup-compatibility/2006">
+  <p:cSld>
+    <p:spTree>
+      <p:nvGrpSpPr>
+        <p:cNvPr id="1" name=""/>
+        <p:cNvGrpSpPr/>
+        <p:nvPr/>
+      </p:nvGrpSpPr>
+      <p:grpSpPr>
+        <a:xfrm>
+          <a:off x="0" y="0"/>
+          <a:ext cx="0" cy="0"/>
+          <a:chOff x="0" y="0"/>
+          <a:chExt cx="0" cy="0"/>
+        </a:xfrm>
+      </p:grpSpPr>
+      <p:sp>
+        <p:nvSpPr>
+          <p:cNvPr id="181" name="PlaceHolder 1"/>
+          <p:cNvSpPr>
+            <a:spLocks noGrp="1"/>
+          </p:cNvSpPr>
+          <p:nvPr>
+            <p:ph type="title"/>
+          </p:nvPr>
+        </p:nvSpPr>
+        <p:spPr>
+          <a:xfrm>
+            <a:off x="504000" y="225720"/>
+            <a:ext cx="9071640" cy="946800"/>
+          </a:xfrm>
+          <a:prstGeom prst="rect">
+            <a:avLst/>
+          </a:prstGeom>
+          <a:noFill/>
+          <a:ln w="0">
+            <a:noFill/>
+          </a:ln>
+        </p:spPr>
+        <p:txBody>
+          <a:bodyPr lIns="0" rIns="0" tIns="0" bIns="0" anchor="ctr">
+            <a:noAutofit/>
+          </a:bodyPr>
+          <a:p>
+            <a:pPr algn="ctr">
+              <a:buNone/>
+            </a:pPr>
+            <a:r>
+              <a:rPr b="0" lang="en-AU" sz="3300" spc="-1" strike="noStrike">
+                <a:latin typeface="Arial"/>
+              </a:rPr>
+              <a:t>SCREENSHOT</a:t>
+            </a:r>
+            <a:endParaRPr b="0" lang="en-AU" sz="3300" spc="-1" strike="noStrike">
+              <a:latin typeface="Arial"/>
+            </a:endParaRPr>
+          </a:p>
+        </p:txBody>
+      </p:sp>
+      <p:sp>
+        <p:nvSpPr>
+          <p:cNvPr id="182" name="PlaceHolder 2"/>
+          <p:cNvSpPr>
+            <a:spLocks noGrp="1"/>
+          </p:cNvSpPr>
+          <p:nvPr>
+            <p:ph/>
+          </p:nvPr>
+        </p:nvSpPr>
+        <p:spPr>
+          <a:xfrm>
+            <a:off x="504000" y="1326600"/>
+            <a:ext cx="9071640" cy="3288240"/>
+          </a:xfrm>
+          <a:prstGeom prst="rect">
+            <a:avLst/>
+          </a:prstGeom>
+          <a:noFill/>
+          <a:ln w="0">
+            <a:noFill/>
+          </a:ln>
+        </p:spPr>
+        <p:txBody>
+          <a:bodyPr lIns="0" rIns="0" tIns="0" bIns="0" anchor="t">
+            <a:normAutofit/>
+          </a:bodyPr>
+          <a:p>
+            <a:endParaRPr b="0" lang="en-AU" sz="2400" spc="-1" strike="noStrike">
+              <a:latin typeface="Arial"/>
+            </a:endParaRPr>
+          </a:p>
+        </p:txBody>
+      </p:sp>
+    </p:spTree>
+  </p:cSld>
+  <mc:AlternateContent>
+    <mc:Choice Requires="p14">
+      <p:transition spd="slow" p14:dur="2000"/>
+    </mc:Choice>
+    <mc:Fallback>
+      <p:transition spd="slow"/>
+    </mc:Fallback>
+  </mc:AlternateContent>
+</p:sld>
+</file>
+
+<file path=ppt/slides/slide11.xml><?xml version="1.0" encoding="utf-8"?>
+<p:sld xmlns:a="http://schemas.openxmlformats.org/drawingml/2006/main" xmlns:p="http://schemas.openxmlformats.org/presentationml/2006/main" xmlns:r="http://schemas.openxmlformats.org/officeDocument/2006/relationships" xmlns:p14="http://schemas.microsoft.com/office/powerpoint/2010/main" xmlns:p15="http://schemas.microsoft.com/office/powerpoint/2012/main" xmlns:mc="http://schemas.openxmlformats.org/markup-compatibility/2006">
+  <p:cSld>
+    <p:spTree>
+      <p:nvGrpSpPr>
+        <p:cNvPr id="1" name=""/>
+        <p:cNvGrpSpPr/>
+        <p:nvPr/>
+      </p:nvGrpSpPr>
+      <p:grpSpPr>
+        <a:xfrm>
+          <a:off x="0" y="0"/>
+          <a:ext cx="0" cy="0"/>
+          <a:chOff x="0" y="0"/>
+          <a:chExt cx="0" cy="0"/>
+        </a:xfrm>
+      </p:grpSpPr>
+      <p:sp>
+        <p:nvSpPr>
+          <p:cNvPr id="183" name="PlaceHolder 1"/>
+          <p:cNvSpPr>
+            <a:spLocks noGrp="1"/>
+          </p:cNvSpPr>
+          <p:nvPr>
+            <p:ph type="title"/>
+          </p:nvPr>
+        </p:nvSpPr>
+        <p:spPr>
+          <a:xfrm>
+            <a:off x="2376000" y="2376000"/>
+            <a:ext cx="7199640" cy="946800"/>
+          </a:xfrm>
+          <a:prstGeom prst="rect">
+            <a:avLst/>
+          </a:prstGeom>
+          <a:noFill/>
+          <a:ln w="0">
+            <a:noFill/>
+          </a:ln>
+        </p:spPr>
+        <p:txBody>
+          <a:bodyPr lIns="0" rIns="0" tIns="0" bIns="0" anchor="ctr">
+            <a:noAutofit/>
+          </a:bodyPr>
+          <a:p>
+            <a:pPr algn="ctr">
+              <a:buNone/>
+            </a:pPr>
+            <a:r>
+              <a:rPr b="0" lang="en-US" sz="2200" spc="-1" strike="noStrike">
+                <a:solidFill>
+                  <a:srgbClr val="ffffff"/>
+                </a:solidFill>
+                <a:latin typeface="Arial"/>
+              </a:rPr>
+              <a:t>This work is licensed under a Creative Commons Attribution-ShareAlike 3.0 Unported License.</a:t>
+            </a:r>
+            <a:br>
+              <a:rPr sz="2200"/>
+            </a:br>
+            <a:r>
+              <a:rPr b="0" lang="en-US" sz="2200" spc="-1" strike="noStrike">
+                <a:solidFill>
+                  <a:srgbClr val="ffffff"/>
+                </a:solidFill>
+                <a:latin typeface="Arial"/>
+              </a:rPr>
+              <a:t>It makes use of the works of Mateus Machado Luna.</a:t>
+            </a:r>
+            <a:endParaRPr b="0" lang="en-AU" sz="2200" spc="-1" strike="noStrike">
+              <a:solidFill>
+                <a:srgbClr val="ffffff"/>
+              </a:solidFill>
+              <a:latin typeface="Arial"/>
+            </a:endParaRPr>
+          </a:p>
+        </p:txBody>
+      </p:sp>
+      <p:pic>
+        <p:nvPicPr>
+          <p:cNvPr id="184" name="" descr=""/>
+          <p:cNvPicPr/>
+          <p:nvPr/>
+        </p:nvPicPr>
+        <p:blipFill>
+          <a:blip r:embed="rId1"/>
+          <a:stretch/>
+        </p:blipFill>
+        <p:spPr>
+          <a:xfrm>
+            <a:off x="816120" y="2716200"/>
+            <a:ext cx="837720" cy="294840"/>
+          </a:xfrm>
+          <a:prstGeom prst="rect">
+            <a:avLst/>
+          </a:prstGeom>
+          <a:ln w="18000">
+            <a:noFill/>
+          </a:ln>
+        </p:spPr>
+      </p:pic>
+    </p:spTree>
+  </p:cSld>
+  <mc:AlternateContent>
+    <mc:Choice Requires="p14">
+      <p:transition spd="slow" p14:dur="2000"/>
+    </mc:Choice>
+    <mc:Fallback>
+      <p:transition spd="slow"/>
+    </mc:Fallback>
+  </mc:AlternateContent>
+</p:sld>
+</file>
+
 <file path=ppt/slides/slide2.xml><?xml version="1.0" encoding="utf-8"?>
 <p:sld xmlns:a="http://schemas.openxmlformats.org/drawingml/2006/main" xmlns:p="http://schemas.openxmlformats.org/presentationml/2006/main" xmlns:r="http://schemas.openxmlformats.org/officeDocument/2006/relationships" xmlns:p14="http://schemas.microsoft.com/office/powerpoint/2010/main" xmlns:p15="http://schemas.microsoft.com/office/powerpoint/2012/main" xmlns:mc="http://schemas.openxmlformats.org/markup-compatibility/2006">
   <p:cSld>
@@ -12159,7 +12383,7 @@
         <p:spPr>
           <a:xfrm>
             <a:off x="504000" y="1326600"/>
-            <a:ext cx="9071640" cy="3288240"/>
+            <a:ext cx="9071640" cy="3533400"/>
           </a:xfrm>
           <a:prstGeom prst="rect">
             <a:avLst/>
@@ -12171,7 +12395,7 @@
         </p:spPr>
         <p:txBody>
           <a:bodyPr lIns="0" rIns="0" tIns="0" bIns="0" anchor="t">
-            <a:normAutofit fontScale="87000"/>
+            <a:normAutofit fontScale="91000"/>
           </a:bodyPr>
           <a:p>
             <a:pPr marL="432000" indent="-324000">
@@ -12233,13 +12457,7 @@
               <a:rPr b="0" lang="en-AU" sz="2400" spc="-1" strike="noStrike">
                 <a:latin typeface="Arial"/>
               </a:rPr>
-              <a:t>Multiple failures during form filling, saving of form should be </a:t>
-            </a:r>
-            <a:r>
-              <a:rPr b="0" lang="en-AU" sz="2400" spc="-1" strike="noStrike">
-                <a:latin typeface="Arial"/>
-              </a:rPr>
-              <a:t>dynamic.</a:t>
+              <a:t>Multiple failures during form filling, saving of form should be dynamic.</a:t>
             </a:r>
             <a:endParaRPr b="0" lang="en-AU" sz="2400" spc="-1" strike="noStrike">
               <a:latin typeface="Arial"/>
@@ -12261,25 +12479,7 @@
               <a:rPr b="0" lang="en-AU" sz="2400" spc="-1" strike="noStrike">
                 <a:latin typeface="Arial"/>
               </a:rPr>
-              <a:t>Cancelled transaction problem during tatkal hours, many times </a:t>
-            </a:r>
-            <a:r>
-              <a:rPr b="0" lang="en-AU" sz="2400" spc="-1" strike="noStrike">
-                <a:latin typeface="Arial"/>
-              </a:rPr>
-              <a:t>during tatkal hours ticket is not booked even after payment due </a:t>
-            </a:r>
-            <a:r>
-              <a:rPr b="0" lang="en-AU" sz="2400" spc="-1" strike="noStrike">
-                <a:latin typeface="Arial"/>
-              </a:rPr>
-              <a:t>to slow speed of Bangladesh Railway E-Ticketing Service or </a:t>
-            </a:r>
-            <a:r>
-              <a:rPr b="0" lang="en-AU" sz="2400" spc="-1" strike="noStrike">
-                <a:latin typeface="Arial"/>
-              </a:rPr>
-              <a:t>due to limited server.</a:t>
+              <a:t>Cancelled transaction problem during tatkal hours, many times during tatkal hours ticket is not booked even after payment due to slow speed of Bangladesh Railway E-Ticketing Service or due to limited server.</a:t>
             </a:r>
             <a:endParaRPr b="0" lang="en-AU" sz="2400" spc="-1" strike="noStrike">
               <a:latin typeface="Arial"/>
@@ -12301,13 +12501,7 @@
               <a:rPr b="0" lang="en-AU" sz="2400" spc="-1" strike="noStrike">
                 <a:latin typeface="Arial"/>
               </a:rPr>
-              <a:t>Limit of ip address of particular computer for only two ticket for </a:t>
-            </a:r>
-            <a:r>
-              <a:rPr b="0" lang="en-AU" sz="2400" spc="-1" strike="noStrike">
-                <a:latin typeface="Arial"/>
-              </a:rPr>
-              <a:t>whole time during tatkal hours.</a:t>
+              <a:t>Limit of ip address of particular computer for only two ticket for whole time during tatkal hours.</a:t>
             </a:r>
             <a:endParaRPr b="0" lang="en-AU" sz="2400" spc="-1" strike="noStrike">
               <a:latin typeface="Arial"/>
@@ -12379,8 +12573,8 @@
         </p:nvSpPr>
         <p:spPr>
           <a:xfrm>
-            <a:off x="504000" y="225720"/>
-            <a:ext cx="9071640" cy="946800"/>
+            <a:off x="504000" y="353160"/>
+            <a:ext cx="9071640" cy="936360"/>
           </a:xfrm>
           <a:prstGeom prst="rect">
             <a:avLst/>
@@ -12402,7 +12596,7 @@
               <a:rPr b="0" lang="en-AU" sz="3300" spc="-1" strike="noStrike">
                 <a:latin typeface="Arial"/>
               </a:rPr>
-              <a:t>SCREEN SHOTS</a:t>
+              <a:t>IMPROVEMENT REQUIRED IN BANGLADESH RAILWAYS</a:t>
             </a:r>
             <a:endParaRPr b="0" lang="en-AU" sz="3300" spc="-1" strike="noStrike">
               <a:latin typeface="Arial"/>
@@ -12422,8 +12616,8 @@
         </p:nvSpPr>
         <p:spPr>
           <a:xfrm>
-            <a:off x="504000" y="1326600"/>
-            <a:ext cx="9071640" cy="3288240"/>
+            <a:off x="504000" y="1254600"/>
+            <a:ext cx="9071640" cy="4073400"/>
           </a:xfrm>
           <a:prstGeom prst="rect">
             <a:avLst/>
@@ -12435,9 +12629,146 @@
         </p:spPr>
         <p:txBody>
           <a:bodyPr lIns="0" rIns="0" tIns="0" bIns="0" anchor="t">
-            <a:normAutofit/>
-          </a:bodyPr>
-          <a:p>
+            <a:normAutofit fontScale="90000"/>
+          </a:bodyPr>
+          <a:p>
+            <a:pPr marL="432000" indent="-324000">
+              <a:spcBef>
+                <a:spcPts val="1060"/>
+              </a:spcBef>
+              <a:buClr>
+                <a:srgbClr val="000000"/>
+              </a:buClr>
+              <a:buSzPct val="45000"/>
+              <a:buFont typeface="Wingdings" charset="2"/>
+              <a:buChar char=""/>
+            </a:pPr>
+            <a:r>
+              <a:rPr b="0" lang="en-AU" sz="2400" spc="-1" strike="noStrike">
+                <a:latin typeface="Arial"/>
+              </a:rPr>
+              <a:t>BRES (Bangladesh Railway E-Ticketing Service) should </a:t>
+            </a:r>
+            <a:r>
+              <a:rPr b="0" lang="en-AU" sz="2400" spc="-1" strike="noStrike">
+                <a:latin typeface="Arial"/>
+              </a:rPr>
+              <a:t>introduce wallet scheme so that transaction become easy or </a:t>
+            </a:r>
+            <a:r>
+              <a:rPr b="0" lang="en-AU" sz="2400" spc="-1" strike="noStrike">
+                <a:latin typeface="Arial"/>
+              </a:rPr>
+              <a:t>time consumption of redirecting to merchant sites will be saved.</a:t>
+            </a:r>
+            <a:endParaRPr b="0" lang="en-AU" sz="2400" spc="-1" strike="noStrike">
+              <a:latin typeface="Arial"/>
+            </a:endParaRPr>
+          </a:p>
+          <a:p>
+            <a:pPr marL="432000" indent="-324000">
+              <a:spcBef>
+                <a:spcPts val="1060"/>
+              </a:spcBef>
+              <a:buClr>
+                <a:srgbClr val="000000"/>
+              </a:buClr>
+              <a:buSzPct val="45000"/>
+              <a:buFont typeface="Wingdings" charset="2"/>
+              <a:buChar char=""/>
+            </a:pPr>
+            <a:r>
+              <a:rPr b="0" lang="en-AU" sz="2400" spc="-1" strike="noStrike">
+                <a:latin typeface="Arial"/>
+              </a:rPr>
+              <a:t>BRES installation of more servers for good speed even during </a:t>
+            </a:r>
+            <a:r>
+              <a:rPr b="0" lang="en-AU" sz="2400" spc="-1" strike="noStrike">
+                <a:latin typeface="Arial"/>
+              </a:rPr>
+              <a:t>heavy rush time.</a:t>
+            </a:r>
+            <a:endParaRPr b="0" lang="en-AU" sz="2400" spc="-1" strike="noStrike">
+              <a:latin typeface="Arial"/>
+            </a:endParaRPr>
+          </a:p>
+          <a:p>
+            <a:pPr marL="432000" indent="-324000">
+              <a:spcBef>
+                <a:spcPts val="1060"/>
+              </a:spcBef>
+              <a:buClr>
+                <a:srgbClr val="000000"/>
+              </a:buClr>
+              <a:buSzPct val="45000"/>
+              <a:buFont typeface="Wingdings" charset="2"/>
+              <a:buChar char=""/>
+            </a:pPr>
+            <a:r>
+              <a:rPr b="0" lang="en-AU" sz="2400" spc="-1" strike="noStrike">
+                <a:latin typeface="Arial"/>
+              </a:rPr>
+              <a:t>Proper inspection of ticket and I.d of passengers so that </a:t>
+            </a:r>
+            <a:r>
+              <a:rPr b="0" lang="en-AU" sz="2400" spc="-1" strike="noStrike">
+                <a:latin typeface="Arial"/>
+              </a:rPr>
+              <a:t>improper booking that is being done by agents on anonymous </a:t>
+            </a:r>
+            <a:r>
+              <a:rPr b="0" lang="en-AU" sz="2400" spc="-1" strike="noStrike">
+                <a:latin typeface="Arial"/>
+              </a:rPr>
+              <a:t>identity can be reduced.</a:t>
+            </a:r>
+            <a:endParaRPr b="0" lang="en-AU" sz="2400" spc="-1" strike="noStrike">
+              <a:latin typeface="Arial"/>
+            </a:endParaRPr>
+          </a:p>
+          <a:p>
+            <a:pPr marL="432000" indent="-324000">
+              <a:spcBef>
+                <a:spcPts val="1060"/>
+              </a:spcBef>
+              <a:buClr>
+                <a:srgbClr val="000000"/>
+              </a:buClr>
+              <a:buSzPct val="45000"/>
+              <a:buFont typeface="Wingdings" charset="2"/>
+              <a:buChar char=""/>
+            </a:pPr>
+            <a:r>
+              <a:rPr b="0" lang="en-AU" sz="2400" spc="-1" strike="noStrike">
+                <a:latin typeface="Arial"/>
+              </a:rPr>
+              <a:t>Improvement in like saving of filled form dynamically so that in </a:t>
+            </a:r>
+            <a:r>
+              <a:rPr b="0" lang="en-AU" sz="2400" spc="-1" strike="noStrike">
+                <a:latin typeface="Arial"/>
+              </a:rPr>
+              <a:t>case of disconnection of internet user didn’t need to refill the </a:t>
+            </a:r>
+            <a:r>
+              <a:rPr b="0" lang="en-AU" sz="2400" spc="-1" strike="noStrike">
+                <a:latin typeface="Arial"/>
+              </a:rPr>
+              <a:t>form again from start, it should start form where it was left, it </a:t>
+            </a:r>
+            <a:r>
+              <a:rPr b="0" lang="en-AU" sz="2400" spc="-1" strike="noStrike">
+                <a:latin typeface="Arial"/>
+              </a:rPr>
+              <a:t>will be saved in cache memory of web browser which can be </a:t>
+            </a:r>
+            <a:r>
+              <a:rPr b="0" lang="en-AU" sz="2400" spc="-1" strike="noStrike">
+                <a:latin typeface="Arial"/>
+              </a:rPr>
+              <a:t>used further.</a:t>
+            </a:r>
             <a:endParaRPr b="0" lang="en-AU" sz="2400" spc="-1" strike="noStrike">
               <a:latin typeface="Arial"/>
             </a:endParaRPr>
@@ -12481,70 +12812,88 @@
             <a:spLocks noGrp="1"/>
           </p:cNvSpPr>
           <p:nvPr>
-            <p:ph type="title"/>
-          </p:nvPr>
-        </p:nvSpPr>
-        <p:spPr>
-          <a:xfrm>
-            <a:off x="504000" y="225720"/>
-            <a:ext cx="9071640" cy="946800"/>
-          </a:xfrm>
-          <a:prstGeom prst="rect">
-            <a:avLst/>
-          </a:prstGeom>
-          <a:noFill/>
-          <a:ln w="0">
-            <a:noFill/>
-          </a:ln>
-        </p:spPr>
-        <p:txBody>
-          <a:bodyPr lIns="0" rIns="0" tIns="0" bIns="0" anchor="ctr">
-            <a:noAutofit/>
-          </a:bodyPr>
-          <a:p>
-            <a:pPr algn="ctr">
-              <a:buNone/>
+            <p:ph/>
+          </p:nvPr>
+        </p:nvSpPr>
+        <p:spPr>
+          <a:xfrm>
+            <a:off x="504000" y="540000"/>
+            <a:ext cx="9071640" cy="4500000"/>
+          </a:xfrm>
+          <a:prstGeom prst="rect">
+            <a:avLst/>
+          </a:prstGeom>
+          <a:noFill/>
+          <a:ln w="0">
+            <a:noFill/>
+          </a:ln>
+        </p:spPr>
+        <p:txBody>
+          <a:bodyPr lIns="0" rIns="0" tIns="0" bIns="0" anchor="t">
+            <a:normAutofit/>
+          </a:bodyPr>
+          <a:p>
+            <a:pPr marL="432000" indent="-324000">
+              <a:spcBef>
+                <a:spcPts val="1060"/>
+              </a:spcBef>
+              <a:buClr>
+                <a:srgbClr val="000000"/>
+              </a:buClr>
+              <a:buSzPct val="45000"/>
+              <a:buFont typeface="Wingdings" charset="2"/>
+              <a:buChar char=""/>
             </a:pPr>
             <a:r>
-              <a:rPr b="0" lang="en-AU" sz="3300" spc="-1" strike="noStrike">
+              <a:rPr b="0" lang="en-AU" sz="2400" spc="-1" strike="noStrike">
                 <a:latin typeface="Arial"/>
               </a:rPr>
-              <a:t>SCREENSHOT</a:t>
-            </a:r>
-            <a:endParaRPr b="0" lang="en-AU" sz="3300" spc="-1" strike="noStrike">
-              <a:latin typeface="Arial"/>
-            </a:endParaRPr>
-          </a:p>
-        </p:txBody>
-      </p:sp>
-      <p:sp>
-        <p:nvSpPr>
-          <p:cNvPr id="177" name="PlaceHolder 2"/>
-          <p:cNvSpPr>
-            <a:spLocks noGrp="1"/>
-          </p:cNvSpPr>
-          <p:nvPr>
-            <p:ph/>
-          </p:nvPr>
-        </p:nvSpPr>
-        <p:spPr>
-          <a:xfrm>
-            <a:off x="504000" y="1326600"/>
-            <a:ext cx="9071640" cy="3288240"/>
-          </a:xfrm>
-          <a:prstGeom prst="rect">
-            <a:avLst/>
-          </a:prstGeom>
-          <a:noFill/>
-          <a:ln w="0">
-            <a:noFill/>
-          </a:ln>
-        </p:spPr>
-        <p:txBody>
-          <a:bodyPr lIns="0" rIns="0" tIns="0" bIns="0" anchor="t">
-            <a:normAutofit/>
-          </a:bodyPr>
-          <a:p>
+              <a:t>Refund process should be fast.</a:t>
+            </a:r>
+            <a:endParaRPr b="0" lang="en-AU" sz="2400" spc="-1" strike="noStrike">
+              <a:latin typeface="Arial"/>
+            </a:endParaRPr>
+          </a:p>
+          <a:p>
+            <a:pPr marL="432000" indent="-324000">
+              <a:spcBef>
+                <a:spcPts val="1060"/>
+              </a:spcBef>
+              <a:buClr>
+                <a:srgbClr val="000000"/>
+              </a:buClr>
+              <a:buSzPct val="45000"/>
+              <a:buFont typeface="Wingdings" charset="2"/>
+              <a:buChar char=""/>
+            </a:pPr>
+            <a:r>
+              <a:rPr b="0" lang="en-AU" sz="2400" spc="-1" strike="noStrike">
+                <a:latin typeface="Arial"/>
+              </a:rPr>
+              <a:t>International debit and credit card should be accepted by BRES.</a:t>
+            </a:r>
+            <a:endParaRPr b="0" lang="en-AU" sz="2400" spc="-1" strike="noStrike">
+              <a:latin typeface="Arial"/>
+            </a:endParaRPr>
+          </a:p>
+          <a:p>
+            <a:pPr marL="432000" indent="-324000">
+              <a:spcBef>
+                <a:spcPts val="1060"/>
+              </a:spcBef>
+              <a:buClr>
+                <a:srgbClr val="000000"/>
+              </a:buClr>
+              <a:buSzPct val="45000"/>
+              <a:buFont typeface="Wingdings" charset="2"/>
+              <a:buChar char=""/>
+            </a:pPr>
+            <a:r>
+              <a:rPr b="0" lang="en-AU" sz="2400" spc="-1" strike="noStrike">
+                <a:latin typeface="Arial"/>
+              </a:rPr>
+              <a:t> </a:t>
+            </a:r>
             <a:endParaRPr b="0" lang="en-AU" sz="2400" spc="-1" strike="noStrike">
               <a:latin typeface="Arial"/>
             </a:endParaRPr>
@@ -12583,7 +12932,7 @@
       </p:grpSpPr>
       <p:sp>
         <p:nvSpPr>
-          <p:cNvPr id="178" name="PlaceHolder 1"/>
+          <p:cNvPr id="177" name="PlaceHolder 1"/>
           <p:cNvSpPr>
             <a:spLocks noGrp="1"/>
           </p:cNvSpPr>
@@ -12593,8 +12942,8 @@
         </p:nvSpPr>
         <p:spPr>
           <a:xfrm>
-            <a:off x="2376000" y="2376000"/>
-            <a:ext cx="7199640" cy="946800"/>
+            <a:off x="504000" y="225720"/>
+            <a:ext cx="9071640" cy="946800"/>
           </a:xfrm>
           <a:prstGeom prst="rect">
             <a:avLst/>
@@ -12612,59 +12961,153 @@
             <a:pPr algn="ctr">
               <a:buNone/>
             </a:pPr>
-            <a:r>
-              <a:rPr b="0" lang="en-US" sz="2200" spc="-1" strike="noStrike">
-                <a:solidFill>
-                  <a:srgbClr val="ffffff"/>
-                </a:solidFill>
+            <a:endParaRPr b="0" lang="en-AU" sz="3300" spc="-1" strike="noStrike">
+              <a:latin typeface="Arial"/>
+            </a:endParaRPr>
+          </a:p>
+        </p:txBody>
+      </p:sp>
+      <p:sp>
+        <p:nvSpPr>
+          <p:cNvPr id="178" name="PlaceHolder 2"/>
+          <p:cNvSpPr>
+            <a:spLocks noGrp="1"/>
+          </p:cNvSpPr>
+          <p:nvPr>
+            <p:ph/>
+          </p:nvPr>
+        </p:nvSpPr>
+        <p:spPr>
+          <a:xfrm>
+            <a:off x="504000" y="1326600"/>
+            <a:ext cx="9071640" cy="3288240"/>
+          </a:xfrm>
+          <a:prstGeom prst="rect">
+            <a:avLst/>
+          </a:prstGeom>
+          <a:noFill/>
+          <a:ln w="0">
+            <a:noFill/>
+          </a:ln>
+        </p:spPr>
+        <p:txBody>
+          <a:bodyPr lIns="0" rIns="0" tIns="0" bIns="0" anchor="t">
+            <a:normAutofit/>
+          </a:bodyPr>
+          <a:p>
+            <a:endParaRPr b="0" lang="en-AU" sz="2400" spc="-1" strike="noStrike">
+              <a:latin typeface="Arial"/>
+            </a:endParaRPr>
+          </a:p>
+        </p:txBody>
+      </p:sp>
+    </p:spTree>
+  </p:cSld>
+  <mc:AlternateContent>
+    <mc:Choice Requires="p14">
+      <p:transition spd="slow" p14:dur="2000"/>
+    </mc:Choice>
+    <mc:Fallback>
+      <p:transition spd="slow"/>
+    </mc:Fallback>
+  </mc:AlternateContent>
+</p:sld>
+</file>
+
+<file path=ppt/slides/slide9.xml><?xml version="1.0" encoding="utf-8"?>
+<p:sld xmlns:a="http://schemas.openxmlformats.org/drawingml/2006/main" xmlns:p="http://schemas.openxmlformats.org/presentationml/2006/main" xmlns:r="http://schemas.openxmlformats.org/officeDocument/2006/relationships" xmlns:p14="http://schemas.microsoft.com/office/powerpoint/2010/main" xmlns:p15="http://schemas.microsoft.com/office/powerpoint/2012/main" xmlns:mc="http://schemas.openxmlformats.org/markup-compatibility/2006">
+  <p:cSld>
+    <p:spTree>
+      <p:nvGrpSpPr>
+        <p:cNvPr id="1" name=""/>
+        <p:cNvGrpSpPr/>
+        <p:nvPr/>
+      </p:nvGrpSpPr>
+      <p:grpSpPr>
+        <a:xfrm>
+          <a:off x="0" y="0"/>
+          <a:ext cx="0" cy="0"/>
+          <a:chOff x="0" y="0"/>
+          <a:chExt cx="0" cy="0"/>
+        </a:xfrm>
+      </p:grpSpPr>
+      <p:sp>
+        <p:nvSpPr>
+          <p:cNvPr id="179" name="PlaceHolder 1"/>
+          <p:cNvSpPr>
+            <a:spLocks noGrp="1"/>
+          </p:cNvSpPr>
+          <p:nvPr>
+            <p:ph type="title"/>
+          </p:nvPr>
+        </p:nvSpPr>
+        <p:spPr>
+          <a:xfrm>
+            <a:off x="504000" y="225720"/>
+            <a:ext cx="9071640" cy="946800"/>
+          </a:xfrm>
+          <a:prstGeom prst="rect">
+            <a:avLst/>
+          </a:prstGeom>
+          <a:noFill/>
+          <a:ln w="0">
+            <a:noFill/>
+          </a:ln>
+        </p:spPr>
+        <p:txBody>
+          <a:bodyPr lIns="0" rIns="0" tIns="0" bIns="0" anchor="ctr">
+            <a:noAutofit/>
+          </a:bodyPr>
+          <a:p>
+            <a:pPr algn="ctr">
+              <a:buNone/>
+            </a:pPr>
+            <a:r>
+              <a:rPr b="0" lang="en-AU" sz="3300" spc="-1" strike="noStrike">
                 <a:latin typeface="Arial"/>
               </a:rPr>
-              <a:t>This work is licensed under a Creative Commons Attribution-ShareAlike 3.0 Unported License.</a:t>
-            </a:r>
-            <a:br>
-              <a:rPr sz="2200"/>
-            </a:br>
-            <a:r>
-              <a:rPr b="0" lang="en-US" sz="2200" spc="-1" strike="noStrike">
-                <a:solidFill>
-                  <a:srgbClr val="ffffff"/>
-                </a:solidFill>
-                <a:latin typeface="Arial"/>
-              </a:rPr>
-              <a:t>It makes use of the works of Mateus Machado Luna.</a:t>
-            </a:r>
-            <a:endParaRPr b="0" lang="en-AU" sz="2200" spc="-1" strike="noStrike">
-              <a:solidFill>
-                <a:srgbClr val="ffffff"/>
-              </a:solidFill>
-              <a:latin typeface="Arial"/>
-            </a:endParaRPr>
-          </a:p>
-        </p:txBody>
-      </p:sp>
-      <p:pic>
-        <p:nvPicPr>
-          <p:cNvPr id="179" name="" descr=""/>
-          <p:cNvPicPr/>
-          <p:nvPr/>
-        </p:nvPicPr>
-        <p:blipFill>
-          <a:blip r:embed="rId1"/>
-          <a:stretch/>
-        </p:blipFill>
-        <p:spPr>
-          <a:xfrm>
-            <a:off x="816120" y="2716200"/>
-            <a:ext cx="837720" cy="294840"/>
-          </a:xfrm>
-          <a:prstGeom prst="rect">
-            <a:avLst/>
-          </a:prstGeom>
-          <a:ln w="18000">
-            <a:noFill/>
-          </a:ln>
-        </p:spPr>
-      </p:pic>
+              <a:t>SCREEN SHOTS</a:t>
+            </a:r>
+            <a:endParaRPr b="0" lang="en-AU" sz="3300" spc="-1" strike="noStrike">
+              <a:latin typeface="Arial"/>
+            </a:endParaRPr>
+          </a:p>
+        </p:txBody>
+      </p:sp>
+      <p:sp>
+        <p:nvSpPr>
+          <p:cNvPr id="180" name="PlaceHolder 2"/>
+          <p:cNvSpPr>
+            <a:spLocks noGrp="1"/>
+          </p:cNvSpPr>
+          <p:nvPr>
+            <p:ph/>
+          </p:nvPr>
+        </p:nvSpPr>
+        <p:spPr>
+          <a:xfrm>
+            <a:off x="504000" y="1326600"/>
+            <a:ext cx="9071640" cy="3288240"/>
+          </a:xfrm>
+          <a:prstGeom prst="rect">
+            <a:avLst/>
+          </a:prstGeom>
+          <a:noFill/>
+          <a:ln w="0">
+            <a:noFill/>
+          </a:ln>
+        </p:spPr>
+        <p:txBody>
+          <a:bodyPr lIns="0" rIns="0" tIns="0" bIns="0" anchor="t">
+            <a:normAutofit/>
+          </a:bodyPr>
+          <a:p>
+            <a:endParaRPr b="0" lang="en-AU" sz="2400" spc="-1" strike="noStrike">
+              <a:latin typeface="Arial"/>
+            </a:endParaRPr>
+          </a:p>
+        </p:txBody>
+      </p:sp>
     </p:spTree>
   </p:cSld>
   <mc:AlternateContent>

--- a/Railway Reservatin System.pptx
+++ b/Railway Reservatin System.pptx
@@ -22,6 +22,7 @@
     <p:sldId id="268" r:id="rId17"/>
     <p:sldId id="269" r:id="rId18"/>
     <p:sldId id="270" r:id="rId19"/>
+    <p:sldId id="271" r:id="rId20"/>
   </p:sldIdLst>
   <p:sldSz cx="10080625" cy="5670550"/>
   <p:notesSz cx="7559675" cy="10691813"/>
@@ -79,7 +80,7 @@
         <p:txBody>
           <a:bodyPr/>
           <a:p>
-            <a:fld id="{AC127AEC-349E-4BB5-922C-D5B8CAC41E13}" type="slidenum">
+            <a:fld id="{806BB7FC-BBB7-4105-B5F2-6F1B49B90110}" type="slidenum">
               <a:t>&lt;#&gt;</a:t>
             </a:fld>
           </a:p>
@@ -267,7 +268,7 @@
         <p:txBody>
           <a:bodyPr/>
           <a:p>
-            <a:fld id="{E7853508-6612-4F97-BCF3-1A0BAEE5EE19}" type="slidenum">
+            <a:fld id="{7CA96709-BB20-4019-8D33-0A06A6334A92}" type="slidenum">
               <a:t>&lt;#&gt;</a:t>
             </a:fld>
           </a:p>
@@ -523,7 +524,7 @@
         <p:txBody>
           <a:bodyPr/>
           <a:p>
-            <a:fld id="{9640ECAB-92C4-4001-88EB-60D0C645127A}" type="slidenum">
+            <a:fld id="{5E455767-8E9B-47BF-8558-33596A32CD41}" type="slidenum">
               <a:t>&lt;#&gt;</a:t>
             </a:fld>
           </a:p>
@@ -847,7 +848,7 @@
         <p:txBody>
           <a:bodyPr/>
           <a:p>
-            <a:fld id="{651F3AB1-6CBA-4416-B619-EFF95835C56D}" type="slidenum">
+            <a:fld id="{F7C853AD-1B95-49F9-9D3A-181D4AD978BB}" type="slidenum">
               <a:t>&lt;#&gt;</a:t>
             </a:fld>
           </a:p>
@@ -930,7 +931,7 @@
         <p:txBody>
           <a:bodyPr/>
           <a:p>
-            <a:fld id="{4AE529D0-DEBE-42CD-A2FF-BACFD0719279}" type="slidenum">
+            <a:fld id="{62D00269-3DF5-484E-A1C8-FA29BE92CE9C}" type="slidenum">
               <a:t>&lt;#&gt;</a:t>
             </a:fld>
           </a:p>
@@ -1087,7 +1088,7 @@
         <p:txBody>
           <a:bodyPr/>
           <a:p>
-            <a:fld id="{1AB6AC33-6F57-4A5C-9500-3914EBD41B49}" type="slidenum">
+            <a:fld id="{0942D0DA-4EA6-4C32-8965-BD375758D18D}" type="slidenum">
               <a:t>&lt;#&gt;</a:t>
             </a:fld>
           </a:p>
@@ -1241,7 +1242,7 @@
         <p:txBody>
           <a:bodyPr/>
           <a:p>
-            <a:fld id="{8F62EBD7-AEB0-4B6D-BF51-C471843B8E45}" type="slidenum">
+            <a:fld id="{A0A1CF4C-5082-494E-9BA8-8009F8C92BA4}" type="slidenum">
               <a:t>&lt;#&gt;</a:t>
             </a:fld>
           </a:p>
@@ -1429,7 +1430,7 @@
         <p:txBody>
           <a:bodyPr/>
           <a:p>
-            <a:fld id="{67A4AC90-7409-4E6B-AF2D-0F15BF0C6F2D}" type="slidenum">
+            <a:fld id="{4D656F87-D2DC-49B3-9411-AA7435FD1D80}" type="slidenum">
               <a:t>&lt;#&gt;</a:t>
             </a:fld>
           </a:p>
@@ -1549,7 +1550,7 @@
         <p:txBody>
           <a:bodyPr/>
           <a:p>
-            <a:fld id="{265EFD07-58DD-4069-9370-0701548B429F}" type="slidenum">
+            <a:fld id="{8E6F3C4F-CBAE-460C-9E7A-013884FA40B5}" type="slidenum">
               <a:t>&lt;#&gt;</a:t>
             </a:fld>
           </a:p>
@@ -1669,7 +1670,7 @@
         <p:txBody>
           <a:bodyPr/>
           <a:p>
-            <a:fld id="{060C362C-FBD8-43DB-990B-E34137F79F88}" type="slidenum">
+            <a:fld id="{FF7E2394-8632-4EED-8E8C-C79ABEC569A0}" type="slidenum">
               <a:t>&lt;#&gt;</a:t>
             </a:fld>
           </a:p>
@@ -1891,7 +1892,7 @@
         <p:txBody>
           <a:bodyPr/>
           <a:p>
-            <a:fld id="{493E00BF-6A3D-4770-AD2D-2B2EE5679593}" type="slidenum">
+            <a:fld id="{F0BB4DEA-F567-4136-B2F3-C350F6D6B1AE}" type="slidenum">
               <a:t>&lt;#&gt;</a:t>
             </a:fld>
           </a:p>
@@ -2048,7 +2049,7 @@
         <p:txBody>
           <a:bodyPr/>
           <a:p>
-            <a:fld id="{9A013A85-170A-4945-BD69-B1022BA6CE59}" type="slidenum">
+            <a:fld id="{38E2DAB1-5C1B-4B43-BFFA-C0EE17CFC471}" type="slidenum">
               <a:t>&lt;#&gt;</a:t>
             </a:fld>
           </a:p>
@@ -2270,7 +2271,7 @@
         <p:txBody>
           <a:bodyPr/>
           <a:p>
-            <a:fld id="{1DEC72AB-AC81-4723-8B12-30A0BB483376}" type="slidenum">
+            <a:fld id="{AB563EBF-BD4B-4087-BD12-2780A729C64A}" type="slidenum">
               <a:t>&lt;#&gt;</a:t>
             </a:fld>
           </a:p>
@@ -2492,7 +2493,7 @@
         <p:txBody>
           <a:bodyPr/>
           <a:p>
-            <a:fld id="{DEAF6BF1-8E47-429A-B1B1-57723B19D171}" type="slidenum">
+            <a:fld id="{D2679572-6263-44FE-A265-262265CE9198}" type="slidenum">
               <a:t>&lt;#&gt;</a:t>
             </a:fld>
           </a:p>
@@ -2680,7 +2681,7 @@
         <p:txBody>
           <a:bodyPr/>
           <a:p>
-            <a:fld id="{CEF141CA-8364-4A43-8112-A5771FFCE738}" type="slidenum">
+            <a:fld id="{524076A0-BDF3-4FD9-A018-4F8C6EDE8B5E}" type="slidenum">
               <a:t>&lt;#&gt;</a:t>
             </a:fld>
           </a:p>
@@ -2936,7 +2937,7 @@
         <p:txBody>
           <a:bodyPr/>
           <a:p>
-            <a:fld id="{00D16F83-FEB3-4952-A1FA-956010248BE4}" type="slidenum">
+            <a:fld id="{7BB526C6-C31E-45C6-BF61-44215CB9DFCE}" type="slidenum">
               <a:t>&lt;#&gt;</a:t>
             </a:fld>
           </a:p>
@@ -3260,7 +3261,7 @@
         <p:txBody>
           <a:bodyPr/>
           <a:p>
-            <a:fld id="{0A0213DC-6641-4A53-A6DE-93BC6B7B91E6}" type="slidenum">
+            <a:fld id="{81FD8677-EAEE-4ABB-880C-43857AFB3DBE}" type="slidenum">
               <a:t>&lt;#&gt;</a:t>
             </a:fld>
           </a:p>
@@ -3343,7 +3344,7 @@
         <p:txBody>
           <a:bodyPr/>
           <a:p>
-            <a:fld id="{819E3B8F-7C96-4F6C-8CD1-9C7F3770EA90}" type="slidenum">
+            <a:fld id="{2836AA5C-12BC-416C-B587-BADC1347C357}" type="slidenum">
               <a:t>&lt;#&gt;</a:t>
             </a:fld>
           </a:p>
@@ -3500,7 +3501,7 @@
         <p:txBody>
           <a:bodyPr/>
           <a:p>
-            <a:fld id="{A1080094-2C83-48AE-8BD7-8F2F26BCF083}" type="slidenum">
+            <a:fld id="{E0B003CE-5E61-4C09-8BBA-A5FABC10CEA4}" type="slidenum">
               <a:t>&lt;#&gt;</a:t>
             </a:fld>
           </a:p>
@@ -3654,7 +3655,7 @@
         <p:txBody>
           <a:bodyPr/>
           <a:p>
-            <a:fld id="{2588633B-4B15-41B5-8E7F-AA8477431BF7}" type="slidenum">
+            <a:fld id="{A3B2DF26-74B8-4E5B-93C4-DC8470BFE578}" type="slidenum">
               <a:t>&lt;#&gt;</a:t>
             </a:fld>
           </a:p>
@@ -3842,7 +3843,7 @@
         <p:txBody>
           <a:bodyPr/>
           <a:p>
-            <a:fld id="{D29237B0-E5EB-41DC-B18D-40631A41B402}" type="slidenum">
+            <a:fld id="{DE379003-D1DB-460F-8644-4A14E7C8636F}" type="slidenum">
               <a:t>&lt;#&gt;</a:t>
             </a:fld>
           </a:p>
@@ -3962,7 +3963,7 @@
         <p:txBody>
           <a:bodyPr/>
           <a:p>
-            <a:fld id="{7A2514D7-31D4-4F01-8576-1CEF9266D279}" type="slidenum">
+            <a:fld id="{CE2C6B01-4616-48E9-9BDB-1D74F1D1C063}" type="slidenum">
               <a:t>&lt;#&gt;</a:t>
             </a:fld>
           </a:p>
@@ -4116,7 +4117,7 @@
         <p:txBody>
           <a:bodyPr/>
           <a:p>
-            <a:fld id="{4DFC9777-A8F6-40B3-9251-BEA033233F37}" type="slidenum">
+            <a:fld id="{C50F64A9-5F8F-44AA-B1E0-D3BF67EAF4DA}" type="slidenum">
               <a:t>&lt;#&gt;</a:t>
             </a:fld>
           </a:p>
@@ -4236,7 +4237,7 @@
         <p:txBody>
           <a:bodyPr/>
           <a:p>
-            <a:fld id="{33E8BE8D-00D3-4CB1-8C45-02585D600207}" type="slidenum">
+            <a:fld id="{0F454B12-5680-4797-9306-63AE1F85327D}" type="slidenum">
               <a:t>&lt;#&gt;</a:t>
             </a:fld>
           </a:p>
@@ -4458,7 +4459,7 @@
         <p:txBody>
           <a:bodyPr/>
           <a:p>
-            <a:fld id="{DCA0E85B-47FE-4188-9A8B-D28DAC2AF975}" type="slidenum">
+            <a:fld id="{6E9EB558-3BF4-4C72-8F01-2B911698CF1D}" type="slidenum">
               <a:t>&lt;#&gt;</a:t>
             </a:fld>
           </a:p>
@@ -4680,7 +4681,7 @@
         <p:txBody>
           <a:bodyPr/>
           <a:p>
-            <a:fld id="{3E3E51AB-A428-4113-8B26-955EA15D6014}" type="slidenum">
+            <a:fld id="{D98DC883-1BFC-47DA-B80A-72D9D669C20C}" type="slidenum">
               <a:t>&lt;#&gt;</a:t>
             </a:fld>
           </a:p>
@@ -4902,7 +4903,7 @@
         <p:txBody>
           <a:bodyPr/>
           <a:p>
-            <a:fld id="{8A175E79-30F4-419C-B672-B48E29984550}" type="slidenum">
+            <a:fld id="{59052551-F733-4999-A666-FB237A62D12B}" type="slidenum">
               <a:t>&lt;#&gt;</a:t>
             </a:fld>
           </a:p>
@@ -5090,7 +5091,7 @@
         <p:txBody>
           <a:bodyPr/>
           <a:p>
-            <a:fld id="{3EB07385-CE02-40E8-AF74-59F91D62FCE3}" type="slidenum">
+            <a:fld id="{18F02DA0-D261-4273-A290-CE7A968C55FB}" type="slidenum">
               <a:t>&lt;#&gt;</a:t>
             </a:fld>
           </a:p>
@@ -5346,7 +5347,7 @@
         <p:txBody>
           <a:bodyPr/>
           <a:p>
-            <a:fld id="{134F30A0-F47D-4193-AA3D-CFB47A6B0C86}" type="slidenum">
+            <a:fld id="{28BFF7C4-9A25-4038-BC58-265AB259FB6F}" type="slidenum">
               <a:t>&lt;#&gt;</a:t>
             </a:fld>
           </a:p>
@@ -5670,7 +5671,7 @@
         <p:txBody>
           <a:bodyPr/>
           <a:p>
-            <a:fld id="{A4F57BED-E143-44D6-92BE-6E90148BD5B4}" type="slidenum">
+            <a:fld id="{67D557BC-E1D6-4922-9C0F-D3227FE66220}" type="slidenum">
               <a:t>&lt;#&gt;</a:t>
             </a:fld>
           </a:p>
@@ -5858,7 +5859,7 @@
         <p:txBody>
           <a:bodyPr/>
           <a:p>
-            <a:fld id="{6CA0ECF4-9D89-4737-BE16-2D19A900401E}" type="slidenum">
+            <a:fld id="{27962349-0AF3-400E-929D-874B17377728}" type="slidenum">
               <a:t>&lt;#&gt;</a:t>
             </a:fld>
           </a:p>
@@ -5978,7 +5979,7 @@
         <p:txBody>
           <a:bodyPr/>
           <a:p>
-            <a:fld id="{6708A456-33B6-4030-B27B-6B2481854B4B}" type="slidenum">
+            <a:fld id="{CD6918C8-0CA5-4C88-9265-785AA1A2C80B}" type="slidenum">
               <a:t>&lt;#&gt;</a:t>
             </a:fld>
           </a:p>
@@ -6098,7 +6099,7 @@
         <p:txBody>
           <a:bodyPr/>
           <a:p>
-            <a:fld id="{35E386E3-0A1C-4616-8145-608EDD262843}" type="slidenum">
+            <a:fld id="{53CD2111-8E27-4071-AB39-CA1CE46E12F6}" type="slidenum">
               <a:t>&lt;#&gt;</a:t>
             </a:fld>
           </a:p>
@@ -6320,7 +6321,7 @@
         <p:txBody>
           <a:bodyPr/>
           <a:p>
-            <a:fld id="{26AB38DE-AA7E-4634-8851-3F1ABC5E667D}" type="slidenum">
+            <a:fld id="{1926FEF2-5347-45B7-B7A1-3B0B1E6495B6}" type="slidenum">
               <a:t>&lt;#&gt;</a:t>
             </a:fld>
           </a:p>
@@ -6542,7 +6543,7 @@
         <p:txBody>
           <a:bodyPr/>
           <a:p>
-            <a:fld id="{1393A517-1A8B-437A-A129-32536F3790BA}" type="slidenum">
+            <a:fld id="{4D2D0DD7-1DF8-4A13-80CD-69563D21B742}" type="slidenum">
               <a:t>&lt;#&gt;</a:t>
             </a:fld>
           </a:p>
@@ -6764,7 +6765,7 @@
         <p:txBody>
           <a:bodyPr/>
           <a:p>
-            <a:fld id="{4186A01C-E32B-49C6-B3C8-28EEE9AFE909}" type="slidenum">
+            <a:fld id="{B26B767E-E286-4FDA-8774-33D95293ACC4}" type="slidenum">
               <a:t>&lt;#&gt;</a:t>
             </a:fld>
           </a:p>
@@ -7045,7 +7046,13 @@
               <a:rPr b="0" lang="en-US" sz="1800" spc="-1" strike="noStrike">
                 <a:latin typeface="Arial"/>
               </a:rPr>
-              <a:t>Click to edit the title text format</a:t>
+              <a:t>Click to edit the title text </a:t>
+            </a:r>
+            <a:r>
+              <a:rPr b="0" lang="en-US" sz="1800" spc="-1" strike="noStrike">
+                <a:latin typeface="Arial"/>
+              </a:rPr>
+              <a:t>format</a:t>
             </a:r>
             <a:endParaRPr b="0" lang="en-US" sz="1800" spc="-1" strike="noStrike">
               <a:latin typeface="Arial"/>
@@ -7347,7 +7354,7 @@
               </a:lnSpc>
               <a:buNone/>
             </a:pPr>
-            <a:fld id="{935E1A93-583F-45B4-BED1-1B4AC9E1899F}" type="slidenum">
+            <a:fld id="{874E27AE-9CF0-4533-B7D3-6DBE4ABC47B5}" type="slidenum">
               <a:rPr b="0" lang="en-US" sz="2640" spc="-1" strike="noStrike">
                 <a:solidFill>
                   <a:srgbClr val="0a304a"/>
@@ -7556,7 +7563,7 @@
               </a:lnSpc>
               <a:buNone/>
             </a:pPr>
-            <a:fld id="{FBAC4D5F-3B89-4ECD-8AD1-EA67D7478A31}" type="slidenum">
+            <a:fld id="{AEEBCD24-3AC1-4756-8C49-14B7D5951C1C}" type="slidenum">
               <a:rPr b="0" lang="en-AU" sz="1400" spc="-1" strike="noStrike">
                 <a:latin typeface="Arial"/>
               </a:rPr>
@@ -8000,7 +8007,7 @@
               </a:lnSpc>
               <a:buNone/>
             </a:pPr>
-            <a:fld id="{145EA355-0A2A-4C10-98DD-0641FD6BC697}" type="slidenum">
+            <a:fld id="{CAEEBE68-9560-4FA0-8CB8-92A4A7A6A814}" type="slidenum">
               <a:rPr b="0" lang="en-AU" sz="1400" spc="-1" strike="noStrike">
                 <a:solidFill>
                   <a:srgbClr val="000000"/>
@@ -8333,93 +8340,6 @@
             <a:spLocks noGrp="1"/>
           </p:cNvSpPr>
           <p:nvPr>
-            <p:ph type="subTitle"/>
-          </p:nvPr>
-        </p:nvSpPr>
-        <p:spPr>
-          <a:xfrm>
-            <a:off x="504000" y="3716280"/>
-            <a:ext cx="9070920" cy="1413000"/>
-          </a:xfrm>
-          <a:prstGeom prst="rect">
-            <a:avLst/>
-          </a:prstGeom>
-          <a:noFill/>
-          <a:ln w="0">
-            <a:noFill/>
-          </a:ln>
-        </p:spPr>
-        <p:txBody>
-          <a:bodyPr lIns="0" rIns="0" tIns="0" bIns="0" anchor="ctr">
-            <a:noAutofit/>
-          </a:bodyPr>
-          <a:p>
-            <a:pPr marL="236160" indent="-236160" algn="ctr">
-              <a:lnSpc>
-                <a:spcPct val="100000"/>
-              </a:lnSpc>
-              <a:spcBef>
-                <a:spcPts val="479"/>
-              </a:spcBef>
-              <a:spcAft>
-                <a:spcPts val="496"/>
-              </a:spcAft>
-              <a:buNone/>
-              <a:tabLst>
-                <a:tab algn="l" pos="0"/>
-              </a:tabLst>
-            </a:pPr>
-            <a:r>
-              <a:rPr b="0" lang="en-AU" sz="2400" spc="-1" strike="noStrike">
-                <a:solidFill>
-                  <a:srgbClr val="ffffff"/>
-                </a:solidFill>
-                <a:latin typeface="Arial"/>
-              </a:rPr>
-              <a:t>Presented by: Group-7</a:t>
-            </a:r>
-            <a:endParaRPr b="0" lang="en-US" sz="2400" spc="-1" strike="noStrike">
-              <a:latin typeface="Arial"/>
-            </a:endParaRPr>
-          </a:p>
-          <a:p>
-            <a:pPr marL="236160" indent="-236160" algn="ctr">
-              <a:lnSpc>
-                <a:spcPct val="100000"/>
-              </a:lnSpc>
-              <a:spcBef>
-                <a:spcPts val="479"/>
-              </a:spcBef>
-              <a:spcAft>
-                <a:spcPts val="496"/>
-              </a:spcAft>
-              <a:buNone/>
-              <a:tabLst>
-                <a:tab algn="l" pos="0"/>
-              </a:tabLst>
-            </a:pPr>
-            <a:r>
-              <a:rPr b="0" lang="en-AU" sz="2400" spc="-1" strike="noStrike">
-                <a:solidFill>
-                  <a:srgbClr val="ffffff"/>
-                </a:solidFill>
-                <a:latin typeface="Arial"/>
-              </a:rPr>
-              <a:t>Student ID: 18ICTCSE040 – 10ICTCSSE046</a:t>
-            </a:r>
-            <a:endParaRPr b="0" lang="en-US" sz="2400" spc="-1" strike="noStrike">
-              <a:latin typeface="Arial"/>
-            </a:endParaRPr>
-          </a:p>
-        </p:txBody>
-      </p:sp>
-      <p:sp>
-        <p:nvSpPr>
-          <p:cNvPr id="130" name="PlaceHolder 2"/>
-          <p:cNvSpPr>
-            <a:spLocks noGrp="1"/>
-          </p:cNvSpPr>
-          <p:nvPr>
             <p:ph type="title"/>
           </p:nvPr>
         </p:nvSpPr>
@@ -8464,7 +8384,7 @@
       </p:sp>
       <p:sp>
         <p:nvSpPr>
-          <p:cNvPr id="131" name="Rectangle 1"/>
+          <p:cNvPr id="130" name="Rectangle 1"/>
           <p:cNvSpPr/>
           <p:nvPr/>
         </p:nvSpPr>
@@ -8569,8 +8489,8 @@
         </p:nvSpPr>
         <p:spPr>
           <a:xfrm>
-            <a:off x="504000" y="810000"/>
-            <a:ext cx="7525440" cy="795240"/>
+            <a:off x="586080" y="810000"/>
+            <a:ext cx="8988840" cy="748440"/>
           </a:xfrm>
           <a:prstGeom prst="rect">
             <a:avLst/>
@@ -8599,7 +8519,7 @@
                 <a:latin typeface="Rockwell"/>
                 <a:ea typeface="DejaVu Sans"/>
               </a:rPr>
-              <a:t>Context level or 0-level DFD:</a:t>
+              <a:t>Data flow diagram:</a:t>
             </a:r>
             <a:endParaRPr b="0" lang="en-US" sz="4400" spc="-1" strike="noStrike">
               <a:latin typeface="Arial"/>
@@ -8607,29 +8527,175 @@
           </a:p>
         </p:txBody>
       </p:sp>
-      <p:pic>
-        <p:nvPicPr>
-          <p:cNvPr id="148" name="Content Placeholder 3" descr=""/>
-          <p:cNvPicPr/>
-          <p:nvPr/>
-        </p:nvPicPr>
-        <p:blipFill>
-          <a:blip r:embed="rId1"/>
-          <a:stretch/>
-        </p:blipFill>
-        <p:spPr>
-          <a:xfrm>
-            <a:off x="899280" y="1699920"/>
-            <a:ext cx="7525440" cy="3428640"/>
-          </a:xfrm>
-          <a:prstGeom prst="rect">
-            <a:avLst/>
-          </a:prstGeom>
-          <a:ln w="9525">
-            <a:noFill/>
-          </a:ln>
-        </p:spPr>
-      </p:pic>
+      <p:sp>
+        <p:nvSpPr>
+          <p:cNvPr id="148" name="PlaceHolder 2"/>
+          <p:cNvSpPr>
+            <a:spLocks noGrp="1"/>
+          </p:cNvSpPr>
+          <p:nvPr>
+            <p:ph/>
+          </p:nvPr>
+        </p:nvSpPr>
+        <p:spPr>
+          <a:xfrm>
+            <a:off x="504000" y="2016360"/>
+            <a:ext cx="9070920" cy="3112920"/>
+          </a:xfrm>
+          <a:prstGeom prst="rect">
+            <a:avLst/>
+          </a:prstGeom>
+          <a:noFill/>
+          <a:ln w="0">
+            <a:noFill/>
+          </a:ln>
+        </p:spPr>
+        <p:txBody>
+          <a:bodyPr lIns="0" rIns="0" tIns="0" bIns="0" anchor="t">
+            <a:normAutofit fontScale="97000"/>
+          </a:bodyPr>
+          <a:p>
+            <a:pPr marL="228600" indent="-228600" algn="just">
+              <a:lnSpc>
+                <a:spcPct val="90000"/>
+              </a:lnSpc>
+              <a:spcBef>
+                <a:spcPts val="1001"/>
+              </a:spcBef>
+              <a:buClr>
+                <a:srgbClr val="000000"/>
+              </a:buClr>
+              <a:buFont typeface="Arial"/>
+              <a:buChar char="•"/>
+            </a:pPr>
+            <a:r>
+              <a:rPr b="0" lang="en-US" sz="2800" spc="-1" strike="noStrike">
+                <a:solidFill>
+                  <a:srgbClr val="000000"/>
+                </a:solidFill>
+                <a:latin typeface="Arial"/>
+                <a:ea typeface="DejaVu Sans"/>
+              </a:rPr>
+              <a:t>The data flow diagram is a graphical representation that depicts information flow and the transforms that are    applied as data moves from input to output. </a:t>
+            </a:r>
+            <a:endParaRPr b="0" lang="en-US" sz="2800" spc="-1" strike="noStrike">
+              <a:latin typeface="Arial"/>
+            </a:endParaRPr>
+          </a:p>
+          <a:p>
+            <a:pPr algn="just">
+              <a:lnSpc>
+                <a:spcPct val="90000"/>
+              </a:lnSpc>
+              <a:spcBef>
+                <a:spcPts val="1001"/>
+              </a:spcBef>
+              <a:buNone/>
+            </a:pPr>
+            <a:endParaRPr b="0" lang="en-US" sz="2800" spc="-1" strike="noStrike">
+              <a:latin typeface="Arial"/>
+            </a:endParaRPr>
+          </a:p>
+          <a:p>
+            <a:pPr marL="596520" indent="-514440" algn="just">
+              <a:lnSpc>
+                <a:spcPct val="90000"/>
+              </a:lnSpc>
+              <a:spcBef>
+                <a:spcPts val="1001"/>
+              </a:spcBef>
+              <a:buClr>
+                <a:srgbClr val="000000"/>
+              </a:buClr>
+              <a:buFont typeface="Arial"/>
+              <a:buAutoNum type="arabicParenR"/>
+            </a:pPr>
+            <a:r>
+              <a:rPr b="0" lang="en-US" sz="2800" spc="-1" strike="noStrike">
+                <a:solidFill>
+                  <a:srgbClr val="000000"/>
+                </a:solidFill>
+                <a:latin typeface="Arial"/>
+                <a:ea typeface="DejaVu Sans"/>
+              </a:rPr>
+              <a:t>Context level or 0-level DFD</a:t>
+            </a:r>
+            <a:endParaRPr b="0" lang="en-US" sz="2800" spc="-1" strike="noStrike">
+              <a:latin typeface="Arial"/>
+            </a:endParaRPr>
+          </a:p>
+          <a:p>
+            <a:pPr marL="596520" indent="-514440" algn="just">
+              <a:lnSpc>
+                <a:spcPct val="90000"/>
+              </a:lnSpc>
+              <a:spcBef>
+                <a:spcPts val="1001"/>
+              </a:spcBef>
+              <a:buClr>
+                <a:srgbClr val="000000"/>
+              </a:buClr>
+              <a:buFont typeface="Arial"/>
+              <a:buAutoNum type="arabicParenR"/>
+            </a:pPr>
+            <a:r>
+              <a:rPr b="0" lang="en-US" sz="2800" spc="-1" strike="noStrike">
+                <a:solidFill>
+                  <a:srgbClr val="000000"/>
+                </a:solidFill>
+                <a:latin typeface="Arial"/>
+                <a:ea typeface="DejaVu Sans"/>
+              </a:rPr>
+              <a:t>1-level DFD</a:t>
+            </a:r>
+            <a:endParaRPr b="0" lang="en-US" sz="2800" spc="-1" strike="noStrike">
+              <a:latin typeface="Arial"/>
+            </a:endParaRPr>
+          </a:p>
+          <a:p>
+            <a:pPr marL="596520" indent="-514440" algn="just">
+              <a:lnSpc>
+                <a:spcPct val="90000"/>
+              </a:lnSpc>
+              <a:spcBef>
+                <a:spcPts val="1001"/>
+              </a:spcBef>
+              <a:buClr>
+                <a:srgbClr val="000000"/>
+              </a:buClr>
+              <a:buFont typeface="Arial"/>
+              <a:buAutoNum type="arabicParenR"/>
+            </a:pPr>
+            <a:r>
+              <a:rPr b="0" lang="en-US" sz="2800" spc="-1" strike="noStrike">
+                <a:solidFill>
+                  <a:srgbClr val="000000"/>
+                </a:solidFill>
+                <a:latin typeface="Arial"/>
+                <a:ea typeface="DejaVu Sans"/>
+              </a:rPr>
+              <a:t>2-Level DFD</a:t>
+            </a:r>
+            <a:endParaRPr b="0" lang="en-US" sz="2800" spc="-1" strike="noStrike">
+              <a:latin typeface="Arial"/>
+            </a:endParaRPr>
+          </a:p>
+          <a:p>
+            <a:pPr>
+              <a:lnSpc>
+                <a:spcPct val="90000"/>
+              </a:lnSpc>
+              <a:spcBef>
+                <a:spcPts val="1001"/>
+              </a:spcBef>
+              <a:buNone/>
+            </a:pPr>
+            <a:endParaRPr b="0" lang="en-US" sz="2800" spc="-1" strike="noStrike">
+              <a:latin typeface="Arial"/>
+            </a:endParaRPr>
+          </a:p>
+        </p:txBody>
+      </p:sp>
     </p:spTree>
   </p:cSld>
   <mc:AlternateContent>
@@ -8673,7 +8739,7 @@
         <p:spPr>
           <a:xfrm>
             <a:off x="504000" y="810000"/>
-            <a:ext cx="9070920" cy="713160"/>
+            <a:ext cx="7525440" cy="795240"/>
           </a:xfrm>
           <a:prstGeom prst="rect">
             <a:avLst/>
@@ -8702,7 +8768,7 @@
                 <a:latin typeface="Rockwell"/>
                 <a:ea typeface="DejaVu Sans"/>
               </a:rPr>
-              <a:t>1-level DFD:</a:t>
+              <a:t>Context level or 0-level DFD:</a:t>
             </a:r>
             <a:endParaRPr b="0" lang="en-US" sz="4400" spc="-1" strike="noStrike">
               <a:latin typeface="Arial"/>
@@ -8712,7 +8778,7 @@
       </p:sp>
       <p:pic>
         <p:nvPicPr>
-          <p:cNvPr id="150" name="Picture 2" descr=""/>
+          <p:cNvPr id="150" name="Content Placeholder 3" descr=""/>
           <p:cNvPicPr/>
           <p:nvPr/>
         </p:nvPicPr>
@@ -8722,8 +8788,8 @@
         </p:blipFill>
         <p:spPr>
           <a:xfrm>
-            <a:off x="2086560" y="1523880"/>
-            <a:ext cx="5415480" cy="3604320"/>
+            <a:off x="899280" y="1699920"/>
+            <a:ext cx="7525440" cy="3428640"/>
           </a:xfrm>
           <a:prstGeom prst="rect">
             <a:avLst/>
@@ -8776,7 +8842,7 @@
         <p:spPr>
           <a:xfrm>
             <a:off x="504000" y="810000"/>
-            <a:ext cx="3704040" cy="889200"/>
+            <a:ext cx="9070920" cy="713160"/>
           </a:xfrm>
           <a:prstGeom prst="rect">
             <a:avLst/>
@@ -8805,7 +8871,7 @@
                 <a:latin typeface="Rockwell"/>
                 <a:ea typeface="DejaVu Sans"/>
               </a:rPr>
-              <a:t>2-level DFD:</a:t>
+              <a:t>1-level DFD:</a:t>
             </a:r>
             <a:endParaRPr b="0" lang="en-US" sz="4400" spc="-1" strike="noStrike">
               <a:latin typeface="Arial"/>
@@ -8815,7 +8881,7 @@
       </p:sp>
       <p:pic>
         <p:nvPicPr>
-          <p:cNvPr id="152" name="Picture 1" descr=""/>
+          <p:cNvPr id="152" name="Picture 2" descr=""/>
           <p:cNvPicPr/>
           <p:nvPr/>
         </p:nvPicPr>
@@ -8825,8 +8891,8 @@
         </p:blipFill>
         <p:spPr>
           <a:xfrm>
-            <a:off x="4337640" y="527400"/>
-            <a:ext cx="5238360" cy="4852800"/>
+            <a:off x="2086560" y="1523880"/>
+            <a:ext cx="5415480" cy="3604320"/>
           </a:xfrm>
           <a:prstGeom prst="rect">
             <a:avLst/>
@@ -8878,8 +8944,8 @@
         </p:nvSpPr>
         <p:spPr>
           <a:xfrm>
-            <a:off x="504000" y="225720"/>
-            <a:ext cx="9070920" cy="946080"/>
+            <a:off x="504000" y="810000"/>
+            <a:ext cx="3704040" cy="889200"/>
           </a:xfrm>
           <a:prstGeom prst="rect">
             <a:avLst/>
@@ -8894,23 +8960,23 @@
             <a:noAutofit/>
           </a:bodyPr>
           <a:p>
-            <a:pPr algn="ctr">
+            <a:pPr>
               <a:lnSpc>
                 <a:spcPct val="90000"/>
               </a:lnSpc>
               <a:buNone/>
             </a:pPr>
             <a:r>
-              <a:rPr b="0" lang="en-AU" sz="3300" spc="-1" strike="noStrike">
+              <a:rPr b="0" lang="en-US" sz="4400" spc="-1" strike="noStrike">
                 <a:solidFill>
                   <a:srgbClr val="000000"/>
                 </a:solidFill>
-                <a:latin typeface="Arial"/>
+                <a:latin typeface="Rockwell"/>
                 <a:ea typeface="DejaVu Sans"/>
               </a:rPr>
-              <a:t>Use Case Diagram:</a:t>
-            </a:r>
-            <a:endParaRPr b="0" lang="en-US" sz="3300" spc="-1" strike="noStrike">
+              <a:t>2-level DFD:</a:t>
+            </a:r>
+            <a:endParaRPr b="0" lang="en-US" sz="4400" spc="-1" strike="noStrike">
               <a:latin typeface="Arial"/>
             </a:endParaRPr>
           </a:p>
@@ -8918,24 +8984,23 @@
       </p:sp>
       <p:pic>
         <p:nvPicPr>
-          <p:cNvPr id="154" name="Content Placeholder 5" descr=""/>
+          <p:cNvPr id="154" name="Picture 1" descr=""/>
           <p:cNvPicPr/>
           <p:nvPr/>
         </p:nvPicPr>
         <p:blipFill>
           <a:blip r:embed="rId1"/>
-          <a:srcRect l="0" t="7694" r="0" b="7415"/>
           <a:stretch/>
         </p:blipFill>
         <p:spPr>
           <a:xfrm>
-            <a:off x="1805400" y="1488960"/>
-            <a:ext cx="5685120" cy="3492720"/>
-          </a:xfrm>
-          <a:prstGeom prst="rect">
-            <a:avLst/>
-          </a:prstGeom>
-          <a:ln w="0">
+            <a:off x="4337640" y="527400"/>
+            <a:ext cx="5238360" cy="4852800"/>
+          </a:xfrm>
+          <a:prstGeom prst="rect">
+            <a:avLst/>
+          </a:prstGeom>
+          <a:ln w="9525">
             <a:noFill/>
           </a:ln>
         </p:spPr>
@@ -9012,7 +9077,7 @@
                 <a:latin typeface="Arial"/>
                 <a:ea typeface="DejaVu Sans"/>
               </a:rPr>
-              <a:t>ER Diagram</a:t>
+              <a:t>Use Case Diagram:</a:t>
             </a:r>
             <a:endParaRPr b="0" lang="en-US" sz="3300" spc="-1" strike="noStrike">
               <a:latin typeface="Arial"/>
@@ -9022,19 +9087,19 @@
       </p:sp>
       <p:pic>
         <p:nvPicPr>
-          <p:cNvPr id="156" name="Content Placeholder 4" descr=""/>
+          <p:cNvPr id="156" name="Content Placeholder 5" descr=""/>
           <p:cNvPicPr/>
           <p:nvPr/>
         </p:nvPicPr>
         <p:blipFill>
           <a:blip r:embed="rId1"/>
-          <a:srcRect l="19996" t="14754" r="23327" b="17864"/>
+          <a:srcRect l="0" t="7694" r="0" b="7415"/>
           <a:stretch/>
         </p:blipFill>
         <p:spPr>
           <a:xfrm>
-            <a:off x="2580120" y="1327320"/>
-            <a:ext cx="4917960" cy="3287160"/>
+            <a:off x="1805400" y="1488960"/>
+            <a:ext cx="5685120" cy="3492720"/>
           </a:xfrm>
           <a:prstGeom prst="rect">
             <a:avLst/>
@@ -9086,6 +9151,110 @@
         </p:nvSpPr>
         <p:spPr>
           <a:xfrm>
+            <a:off x="504000" y="225720"/>
+            <a:ext cx="9070920" cy="946080"/>
+          </a:xfrm>
+          <a:prstGeom prst="rect">
+            <a:avLst/>
+          </a:prstGeom>
+          <a:noFill/>
+          <a:ln w="0">
+            <a:noFill/>
+          </a:ln>
+        </p:spPr>
+        <p:txBody>
+          <a:bodyPr lIns="0" rIns="0" tIns="0" bIns="0" anchor="ctr">
+            <a:noAutofit/>
+          </a:bodyPr>
+          <a:p>
+            <a:pPr algn="ctr">
+              <a:lnSpc>
+                <a:spcPct val="90000"/>
+              </a:lnSpc>
+              <a:buNone/>
+            </a:pPr>
+            <a:r>
+              <a:rPr b="0" lang="en-AU" sz="3300" spc="-1" strike="noStrike">
+                <a:solidFill>
+                  <a:srgbClr val="000000"/>
+                </a:solidFill>
+                <a:latin typeface="Arial"/>
+                <a:ea typeface="DejaVu Sans"/>
+              </a:rPr>
+              <a:t>ER Diagram</a:t>
+            </a:r>
+            <a:endParaRPr b="0" lang="en-US" sz="3300" spc="-1" strike="noStrike">
+              <a:latin typeface="Arial"/>
+            </a:endParaRPr>
+          </a:p>
+        </p:txBody>
+      </p:sp>
+      <p:pic>
+        <p:nvPicPr>
+          <p:cNvPr id="158" name="Content Placeholder 4" descr=""/>
+          <p:cNvPicPr/>
+          <p:nvPr/>
+        </p:nvPicPr>
+        <p:blipFill>
+          <a:blip r:embed="rId1"/>
+          <a:srcRect l="19996" t="14754" r="23327" b="17864"/>
+          <a:stretch/>
+        </p:blipFill>
+        <p:spPr>
+          <a:xfrm rot="7200">
+            <a:off x="2576520" y="1332360"/>
+            <a:ext cx="4917960" cy="3287160"/>
+          </a:xfrm>
+          <a:prstGeom prst="rect">
+            <a:avLst/>
+          </a:prstGeom>
+          <a:ln w="0">
+            <a:noFill/>
+          </a:ln>
+        </p:spPr>
+      </p:pic>
+    </p:spTree>
+  </p:cSld>
+  <mc:AlternateContent>
+    <mc:Choice Requires="p14">
+      <p:transition spd="slow" p14:dur="2000"/>
+    </mc:Choice>
+    <mc:Fallback>
+      <p:transition spd="slow"/>
+    </mc:Fallback>
+  </mc:AlternateContent>
+</p:sld>
+</file>
+
+<file path=ppt/slides/slide16.xml><?xml version="1.0" encoding="utf-8"?>
+<p:sld xmlns:a="http://schemas.openxmlformats.org/drawingml/2006/main" xmlns:p="http://schemas.openxmlformats.org/presentationml/2006/main" xmlns:r="http://schemas.openxmlformats.org/officeDocument/2006/relationships" xmlns:p14="http://schemas.microsoft.com/office/powerpoint/2010/main" xmlns:p15="http://schemas.microsoft.com/office/powerpoint/2012/main" xmlns:mc="http://schemas.openxmlformats.org/markup-compatibility/2006">
+  <p:cSld>
+    <p:spTree>
+      <p:nvGrpSpPr>
+        <p:cNvPr id="1" name=""/>
+        <p:cNvGrpSpPr/>
+        <p:nvPr/>
+      </p:nvGrpSpPr>
+      <p:grpSpPr>
+        <a:xfrm>
+          <a:off x="0" y="0"/>
+          <a:ext cx="0" cy="0"/>
+          <a:chOff x="0" y="0"/>
+          <a:chExt cx="0" cy="0"/>
+        </a:xfrm>
+      </p:grpSpPr>
+      <p:sp>
+        <p:nvSpPr>
+          <p:cNvPr id="159" name="PlaceHolder 1"/>
+          <p:cNvSpPr>
+            <a:spLocks noGrp="1"/>
+          </p:cNvSpPr>
+          <p:nvPr>
+            <p:ph type="title"/>
+          </p:nvPr>
+        </p:nvSpPr>
+        <p:spPr>
+          <a:xfrm>
             <a:off x="2730240" y="2105640"/>
             <a:ext cx="4618440" cy="946080"/>
           </a:xfrm>
@@ -9156,7 +9325,7 @@
       </p:grpSpPr>
       <p:sp>
         <p:nvSpPr>
-          <p:cNvPr id="132" name="PlaceHolder 1"/>
+          <p:cNvPr id="131" name="PlaceHolder 1"/>
           <p:cNvSpPr>
             <a:spLocks noGrp="1"/>
           </p:cNvSpPr>
@@ -9166,8 +9335,8 @@
         </p:nvSpPr>
         <p:spPr>
           <a:xfrm>
-            <a:off x="504000" y="225720"/>
-            <a:ext cx="9070920" cy="946080"/>
+            <a:off x="301680" y="76320"/>
+            <a:ext cx="9070920" cy="838080"/>
           </a:xfrm>
           <a:prstGeom prst="rect">
             <a:avLst/>
@@ -9183,122 +9352,852 @@
           </a:bodyPr>
           <a:p>
             <a:pPr algn="ctr">
-              <a:lnSpc>
-                <a:spcPct val="100000"/>
-              </a:lnSpc>
               <a:buNone/>
             </a:pPr>
             <a:r>
-              <a:rPr b="0" lang="en-AU" sz="3300" spc="-1" strike="noStrike">
+              <a:rPr b="0" lang="en-US" sz="4400" spc="-1" strike="noStrike">
+                <a:solidFill>
+                  <a:srgbClr val="ffffff"/>
+                </a:solidFill>
                 <a:latin typeface="Arial"/>
               </a:rPr>
-              <a:t>INTRODUCTION</a:t>
-            </a:r>
-            <a:endParaRPr b="0" lang="en-US" sz="3300" spc="-1" strike="noStrike">
-              <a:latin typeface="Arial"/>
-            </a:endParaRPr>
-          </a:p>
-        </p:txBody>
-      </p:sp>
-      <p:sp>
-        <p:nvSpPr>
-          <p:cNvPr id="133" name="PlaceHolder 2"/>
-          <p:cNvSpPr>
-            <a:spLocks noGrp="1"/>
-          </p:cNvSpPr>
-          <p:nvPr>
-            <p:ph/>
-          </p:nvPr>
-        </p:nvSpPr>
-        <p:spPr>
-          <a:xfrm>
-            <a:off x="504000" y="1326600"/>
-            <a:ext cx="9070920" cy="3287520"/>
-          </a:xfrm>
-          <a:prstGeom prst="rect">
-            <a:avLst/>
-          </a:prstGeom>
-          <a:noFill/>
-          <a:ln w="0">
-            <a:noFill/>
-          </a:ln>
-        </p:spPr>
-        <p:txBody>
-          <a:bodyPr lIns="0" rIns="0" tIns="0" bIns="0" anchor="t">
-            <a:normAutofit/>
-          </a:bodyPr>
-          <a:p>
-            <a:pPr marL="432000" indent="-324000">
-              <a:lnSpc>
-                <a:spcPct val="100000"/>
-              </a:lnSpc>
-              <a:spcBef>
-                <a:spcPts val="1060"/>
-              </a:spcBef>
-              <a:buClr>
-                <a:srgbClr val="000000"/>
-              </a:buClr>
-              <a:buSzPct val="45000"/>
-              <a:buFont typeface="Wingdings" charset="2"/>
-              <a:buChar char=""/>
+              <a:t>Submitted to Dr. Saleh Ahmed</a:t>
+            </a:r>
+            <a:endParaRPr b="0" lang="en-US" sz="4400" spc="-1" strike="noStrike">
+              <a:solidFill>
+                <a:srgbClr val="ffffff"/>
+              </a:solidFill>
+              <a:latin typeface="Arial"/>
+            </a:endParaRPr>
+          </a:p>
+        </p:txBody>
+      </p:sp>
+      <p:graphicFrame>
+        <p:nvGraphicFramePr>
+          <p:cNvPr id="132" name=""/>
+          <p:cNvGraphicFramePr/>
+          <p:nvPr/>
+        </p:nvGraphicFramePr>
+        <p:xfrm>
+          <a:off x="3657600" y="1193040"/>
+          <a:ext cx="5523120" cy="4064760"/>
+        </p:xfrm>
+        <a:graphic>
+          <a:graphicData uri="http://schemas.openxmlformats.org/drawingml/2006/table">
+            <a:tbl>
+              <a:tblPr/>
+              <a:tblGrid>
+                <a:gridCol w="3211200"/>
+                <a:gridCol w="2312280"/>
+              </a:tblGrid>
+              <a:tr h="367560">
+                <a:tc>
+                  <a:txBody>
+                    <a:bodyPr lIns="90000" rIns="90000" tIns="46800" bIns="46800" anchor="t">
+                      <a:noAutofit/>
+                    </a:bodyPr>
+                    <a:p>
+                      <a:pPr algn="ctr">
+                        <a:buNone/>
+                      </a:pPr>
+                      <a:r>
+                        <a:rPr b="0" lang="en-US" sz="1800" spc="-1" strike="noStrike">
+                          <a:latin typeface="Arial"/>
+                        </a:rPr>
+                        <a:t>Name</a:t>
+                      </a:r>
+                      <a:endParaRPr b="0" lang="en-US" sz="1800" spc="-1" strike="noStrike">
+                        <a:latin typeface="Arial"/>
+                      </a:endParaRPr>
+                    </a:p>
+                  </a:txBody>
+                  <a:tcPr anchor="t" marL="90000" marR="90000">
+                    <a:lnL w="720">
+                      <a:solidFill>
+                        <a:srgbClr val="158466"/>
+                      </a:solidFill>
+                    </a:lnL>
+                    <a:lnR w="720">
+                      <a:solidFill>
+                        <a:srgbClr val="000000"/>
+                      </a:solidFill>
+                    </a:lnR>
+                    <a:lnT w="720">
+                      <a:solidFill>
+                        <a:srgbClr val="158466"/>
+                      </a:solidFill>
+                    </a:lnT>
+                    <a:lnB w="720">
+                      <a:solidFill>
+                        <a:srgbClr val="000000"/>
+                      </a:solidFill>
+                    </a:lnB>
+                    <a:gradFill rotWithShape="0">
+                      <a:gsLst>
+                        <a:gs pos="0">
+                          <a:srgbClr val="50938a"/>
+                        </a:gs>
+                        <a:gs pos="100000">
+                          <a:srgbClr val="5983b0"/>
+                        </a:gs>
+                      </a:gsLst>
+                      <a:lin ang="3600000"/>
+                    </a:gradFill>
+                  </a:tcPr>
+                </a:tc>
+                <a:tc>
+                  <a:txBody>
+                    <a:bodyPr lIns="90000" rIns="90000" tIns="46800" bIns="46800" anchor="t">
+                      <a:noAutofit/>
+                    </a:bodyPr>
+                    <a:p>
+                      <a:pPr algn="ctr">
+                        <a:buNone/>
+                      </a:pPr>
+                      <a:r>
+                        <a:rPr b="0" lang="en-US" sz="1800" spc="-1" strike="noStrike">
+                          <a:latin typeface="Arial"/>
+                        </a:rPr>
+                        <a:t>ID</a:t>
+                      </a:r>
+                      <a:endParaRPr b="0" lang="en-US" sz="1800" spc="-1" strike="noStrike">
+                        <a:latin typeface="Arial"/>
+                      </a:endParaRPr>
+                    </a:p>
+                  </a:txBody>
+                  <a:tcPr anchor="t" marL="90000" marR="90000">
+                    <a:lnL w="720">
+                      <a:solidFill>
+                        <a:srgbClr val="000000"/>
+                      </a:solidFill>
+                    </a:lnL>
+                    <a:lnR w="720">
+                      <a:solidFill>
+                        <a:srgbClr val="158466"/>
+                      </a:solidFill>
+                    </a:lnR>
+                    <a:lnT w="720">
+                      <a:solidFill>
+                        <a:srgbClr val="158466"/>
+                      </a:solidFill>
+                    </a:lnT>
+                    <a:lnB w="720">
+                      <a:solidFill>
+                        <a:srgbClr val="000000"/>
+                      </a:solidFill>
+                    </a:lnB>
+                    <a:gradFill rotWithShape="0">
+                      <a:gsLst>
+                        <a:gs pos="0">
+                          <a:srgbClr val="50938a"/>
+                        </a:gs>
+                        <a:gs pos="100000">
+                          <a:srgbClr val="5983b0"/>
+                        </a:gs>
+                      </a:gsLst>
+                      <a:lin ang="3600000"/>
+                    </a:gradFill>
+                  </a:tcPr>
+                </a:tc>
+              </a:tr>
+              <a:tr h="665640">
+                <a:tc>
+                  <a:txBody>
+                    <a:bodyPr lIns="90000" rIns="90000" tIns="46800" bIns="46800" anchor="t">
+                      <a:noAutofit/>
+                    </a:bodyPr>
+                    <a:p>
+                      <a:pPr algn="ctr">
+                        <a:buNone/>
+                      </a:pPr>
+                      <a:r>
+                        <a:rPr b="0" lang="en-US" sz="1800" spc="-1" strike="noStrike">
+                          <a:latin typeface="Arial"/>
+                        </a:rPr>
+                        <a:t>Rayhan Islam</a:t>
+                      </a:r>
+                      <a:endParaRPr b="0" lang="en-US" sz="1800" spc="-1" strike="noStrike">
+                        <a:latin typeface="Arial"/>
+                      </a:endParaRPr>
+                    </a:p>
+                  </a:txBody>
+                  <a:tcPr anchor="t" marL="90000" marR="90000">
+                    <a:lnL w="720">
+                      <a:solidFill>
+                        <a:srgbClr val="158466"/>
+                      </a:solidFill>
+                    </a:lnL>
+                    <a:lnR w="720">
+                      <a:solidFill>
+                        <a:srgbClr val="000000"/>
+                      </a:solidFill>
+                    </a:lnR>
+                    <a:lnT w="720">
+                      <a:solidFill>
+                        <a:srgbClr val="000000"/>
+                      </a:solidFill>
+                    </a:lnT>
+                    <a:lnB w="720">
+                      <a:solidFill>
+                        <a:srgbClr val="000000"/>
+                      </a:solidFill>
+                    </a:lnB>
+                    <a:gradFill rotWithShape="0">
+                      <a:gsLst>
+                        <a:gs pos="0">
+                          <a:srgbClr val="50938a"/>
+                        </a:gs>
+                        <a:gs pos="100000">
+                          <a:srgbClr val="5983b0"/>
+                        </a:gs>
+                      </a:gsLst>
+                      <a:lin ang="3600000"/>
+                    </a:gradFill>
+                  </a:tcPr>
+                </a:tc>
+                <a:tc>
+                  <a:txBody>
+                    <a:bodyPr lIns="90000" rIns="90000" tIns="46800" bIns="46800" anchor="t">
+                      <a:noAutofit/>
+                    </a:bodyPr>
+                    <a:p>
+                      <a:pPr algn="ctr">
+                        <a:buNone/>
+                      </a:pPr>
+                      <a:r>
+                        <a:rPr b="0" lang="en-US" sz="1800" spc="-1" strike="noStrike">
+                          <a:latin typeface="Arial"/>
+                        </a:rPr>
+                        <a:t>18ICTCSE040</a:t>
+                      </a:r>
+                      <a:endParaRPr b="0" lang="en-US" sz="1800" spc="-1" strike="noStrike">
+                        <a:latin typeface="Arial"/>
+                      </a:endParaRPr>
+                    </a:p>
+                  </a:txBody>
+                  <a:tcPr anchor="t" marL="90000" marR="90000">
+                    <a:lnL w="720">
+                      <a:solidFill>
+                        <a:srgbClr val="000000"/>
+                      </a:solidFill>
+                    </a:lnL>
+                    <a:lnR w="720">
+                      <a:solidFill>
+                        <a:srgbClr val="158466"/>
+                      </a:solidFill>
+                    </a:lnR>
+                    <a:lnT w="720">
+                      <a:solidFill>
+                        <a:srgbClr val="000000"/>
+                      </a:solidFill>
+                    </a:lnT>
+                    <a:lnB w="720">
+                      <a:solidFill>
+                        <a:srgbClr val="000000"/>
+                      </a:solidFill>
+                    </a:lnB>
+                    <a:gradFill rotWithShape="0">
+                      <a:gsLst>
+                        <a:gs pos="0">
+                          <a:srgbClr val="50938a"/>
+                        </a:gs>
+                        <a:gs pos="100000">
+                          <a:srgbClr val="5983b0"/>
+                        </a:gs>
+                      </a:gsLst>
+                      <a:lin ang="3600000"/>
+                    </a:gradFill>
+                  </a:tcPr>
+                </a:tc>
+              </a:tr>
+              <a:tr h="665640">
+                <a:tc>
+                  <a:txBody>
+                    <a:bodyPr lIns="90000" rIns="90000" tIns="46800" bIns="46800" anchor="t">
+                      <a:noAutofit/>
+                    </a:bodyPr>
+                    <a:p>
+                      <a:pPr algn="ctr">
+                        <a:buNone/>
+                      </a:pPr>
+                      <a:r>
+                        <a:rPr b="0" lang="en-US" sz="1800" spc="-1" strike="noStrike">
+                          <a:latin typeface="Arial"/>
+                        </a:rPr>
+                        <a:t>Israt Jahan Reshma</a:t>
+                      </a:r>
+                      <a:endParaRPr b="0" lang="en-US" sz="1800" spc="-1" strike="noStrike">
+                        <a:latin typeface="Arial"/>
+                      </a:endParaRPr>
+                    </a:p>
+                  </a:txBody>
+                  <a:tcPr anchor="t" marL="90000" marR="90000">
+                    <a:lnL w="720">
+                      <a:solidFill>
+                        <a:srgbClr val="158466"/>
+                      </a:solidFill>
+                    </a:lnL>
+                    <a:lnR w="720">
+                      <a:solidFill>
+                        <a:srgbClr val="000000"/>
+                      </a:solidFill>
+                    </a:lnR>
+                    <a:lnT w="720">
+                      <a:solidFill>
+                        <a:srgbClr val="000000"/>
+                      </a:solidFill>
+                    </a:lnT>
+                    <a:lnB w="720">
+                      <a:solidFill>
+                        <a:srgbClr val="000000"/>
+                      </a:solidFill>
+                    </a:lnB>
+                    <a:gradFill rotWithShape="0">
+                      <a:gsLst>
+                        <a:gs pos="0">
+                          <a:srgbClr val="50938a"/>
+                        </a:gs>
+                        <a:gs pos="100000">
+                          <a:srgbClr val="5983b0"/>
+                        </a:gs>
+                      </a:gsLst>
+                      <a:lin ang="3600000"/>
+                    </a:gradFill>
+                  </a:tcPr>
+                </a:tc>
+                <a:tc>
+                  <a:txBody>
+                    <a:bodyPr lIns="90000" rIns="90000" tIns="46800" bIns="46800" anchor="t">
+                      <a:noAutofit/>
+                    </a:bodyPr>
+                    <a:p>
+                      <a:pPr algn="ctr">
+                        <a:buNone/>
+                      </a:pPr>
+                      <a:r>
+                        <a:rPr b="0" lang="en-US" sz="1800" spc="-1" strike="noStrike">
+                          <a:latin typeface="Arial"/>
+                        </a:rPr>
+                        <a:t>18ICTCSE041</a:t>
+                      </a:r>
+                      <a:endParaRPr b="0" lang="en-US" sz="1800" spc="-1" strike="noStrike">
+                        <a:latin typeface="Arial"/>
+                      </a:endParaRPr>
+                    </a:p>
+                  </a:txBody>
+                  <a:tcPr anchor="t" marL="90000" marR="90000">
+                    <a:lnL w="720">
+                      <a:solidFill>
+                        <a:srgbClr val="000000"/>
+                      </a:solidFill>
+                    </a:lnL>
+                    <a:lnR w="720">
+                      <a:solidFill>
+                        <a:srgbClr val="158466"/>
+                      </a:solidFill>
+                    </a:lnR>
+                    <a:lnT w="720">
+                      <a:solidFill>
+                        <a:srgbClr val="000000"/>
+                      </a:solidFill>
+                    </a:lnT>
+                    <a:lnB w="720">
+                      <a:solidFill>
+                        <a:srgbClr val="000000"/>
+                      </a:solidFill>
+                    </a:lnB>
+                    <a:gradFill rotWithShape="0">
+                      <a:gsLst>
+                        <a:gs pos="0">
+                          <a:srgbClr val="50938a"/>
+                        </a:gs>
+                        <a:gs pos="100000">
+                          <a:srgbClr val="5983b0"/>
+                        </a:gs>
+                      </a:gsLst>
+                      <a:lin ang="3600000"/>
+                    </a:gradFill>
+                  </a:tcPr>
+                </a:tc>
+              </a:tr>
+              <a:tr h="665640">
+                <a:tc>
+                  <a:txBody>
+                    <a:bodyPr lIns="90000" rIns="90000" tIns="46800" bIns="46800" anchor="t">
+                      <a:noAutofit/>
+                    </a:bodyPr>
+                    <a:p>
+                      <a:pPr algn="ctr">
+                        <a:buNone/>
+                      </a:pPr>
+                      <a:r>
+                        <a:rPr b="0" lang="en-US" sz="1800" spc="-1" strike="noStrike">
+                          <a:latin typeface="Arial"/>
+                        </a:rPr>
+                        <a:t>Akram</a:t>
+                      </a:r>
+                      <a:endParaRPr b="0" lang="en-US" sz="1800" spc="-1" strike="noStrike">
+                        <a:latin typeface="Arial"/>
+                      </a:endParaRPr>
+                    </a:p>
+                  </a:txBody>
+                  <a:tcPr anchor="t" marL="90000" marR="90000">
+                    <a:lnL w="720">
+                      <a:solidFill>
+                        <a:srgbClr val="158466"/>
+                      </a:solidFill>
+                    </a:lnL>
+                    <a:lnR w="720">
+                      <a:solidFill>
+                        <a:srgbClr val="000000"/>
+                      </a:solidFill>
+                    </a:lnR>
+                    <a:lnT w="720">
+                      <a:solidFill>
+                        <a:srgbClr val="000000"/>
+                      </a:solidFill>
+                    </a:lnT>
+                    <a:lnB w="720">
+                      <a:solidFill>
+                        <a:srgbClr val="000000"/>
+                      </a:solidFill>
+                    </a:lnB>
+                    <a:gradFill rotWithShape="0">
+                      <a:gsLst>
+                        <a:gs pos="0">
+                          <a:srgbClr val="50938a"/>
+                        </a:gs>
+                        <a:gs pos="100000">
+                          <a:srgbClr val="5983b0"/>
+                        </a:gs>
+                      </a:gsLst>
+                      <a:lin ang="3600000"/>
+                    </a:gradFill>
+                  </a:tcPr>
+                </a:tc>
+                <a:tc>
+                  <a:txBody>
+                    <a:bodyPr lIns="90000" rIns="90000" tIns="46800" bIns="46800" anchor="t">
+                      <a:noAutofit/>
+                    </a:bodyPr>
+                    <a:p>
+                      <a:pPr algn="ctr">
+                        <a:buNone/>
+                      </a:pPr>
+                      <a:r>
+                        <a:rPr b="0" lang="en-US" sz="1800" spc="-1" strike="noStrike">
+                          <a:latin typeface="Arial"/>
+                        </a:rPr>
+                        <a:t>18ICTCSE043</a:t>
+                      </a:r>
+                      <a:endParaRPr b="0" lang="en-US" sz="1800" spc="-1" strike="noStrike">
+                        <a:latin typeface="Arial"/>
+                      </a:endParaRPr>
+                    </a:p>
+                  </a:txBody>
+                  <a:tcPr anchor="t" marL="90000" marR="90000">
+                    <a:lnL w="720">
+                      <a:solidFill>
+                        <a:srgbClr val="000000"/>
+                      </a:solidFill>
+                    </a:lnL>
+                    <a:lnR w="720">
+                      <a:solidFill>
+                        <a:srgbClr val="158466"/>
+                      </a:solidFill>
+                    </a:lnR>
+                    <a:lnT w="720">
+                      <a:solidFill>
+                        <a:srgbClr val="000000"/>
+                      </a:solidFill>
+                    </a:lnT>
+                    <a:lnB w="720">
+                      <a:solidFill>
+                        <a:srgbClr val="000000"/>
+                      </a:solidFill>
+                    </a:lnB>
+                    <a:gradFill rotWithShape="0">
+                      <a:gsLst>
+                        <a:gs pos="0">
+                          <a:srgbClr val="50938a"/>
+                        </a:gs>
+                        <a:gs pos="100000">
+                          <a:srgbClr val="5983b0"/>
+                        </a:gs>
+                      </a:gsLst>
+                      <a:lin ang="3600000"/>
+                    </a:gradFill>
+                  </a:tcPr>
+                </a:tc>
+              </a:tr>
+              <a:tr h="665640">
+                <a:tc>
+                  <a:txBody>
+                    <a:bodyPr lIns="90000" rIns="90000" tIns="46800" bIns="46800" anchor="t">
+                      <a:noAutofit/>
+                    </a:bodyPr>
+                    <a:p>
+                      <a:pPr algn="ctr">
+                        <a:buNone/>
+                      </a:pPr>
+                      <a:r>
+                        <a:rPr b="0" lang="en-US" sz="1800" spc="-1" strike="noStrike">
+                          <a:latin typeface="Arial"/>
+                        </a:rPr>
+                        <a:t>Masud Rana</a:t>
+                      </a:r>
+                      <a:endParaRPr b="0" lang="en-US" sz="1800" spc="-1" strike="noStrike">
+                        <a:latin typeface="Arial"/>
+                      </a:endParaRPr>
+                    </a:p>
+                  </a:txBody>
+                  <a:tcPr anchor="t" marL="90000" marR="90000">
+                    <a:lnL w="720">
+                      <a:solidFill>
+                        <a:srgbClr val="158466"/>
+                      </a:solidFill>
+                    </a:lnL>
+                    <a:lnR w="720">
+                      <a:solidFill>
+                        <a:srgbClr val="000000"/>
+                      </a:solidFill>
+                    </a:lnR>
+                    <a:lnT w="720">
+                      <a:solidFill>
+                        <a:srgbClr val="000000"/>
+                      </a:solidFill>
+                    </a:lnT>
+                    <a:lnB w="720">
+                      <a:solidFill>
+                        <a:srgbClr val="000000"/>
+                      </a:solidFill>
+                    </a:lnB>
+                    <a:gradFill rotWithShape="0">
+                      <a:gsLst>
+                        <a:gs pos="0">
+                          <a:srgbClr val="50938a"/>
+                        </a:gs>
+                        <a:gs pos="100000">
+                          <a:srgbClr val="5983b0"/>
+                        </a:gs>
+                      </a:gsLst>
+                      <a:lin ang="3600000"/>
+                    </a:gradFill>
+                  </a:tcPr>
+                </a:tc>
+                <a:tc>
+                  <a:txBody>
+                    <a:bodyPr lIns="90000" rIns="90000" tIns="46800" bIns="46800" anchor="t">
+                      <a:noAutofit/>
+                    </a:bodyPr>
+                    <a:p>
+                      <a:pPr algn="ctr">
+                        <a:buNone/>
+                      </a:pPr>
+                      <a:r>
+                        <a:rPr b="0" lang="en-US" sz="1800" spc="-1" strike="noStrike">
+                          <a:latin typeface="Arial"/>
+                        </a:rPr>
+                        <a:t>18ICTCSE044</a:t>
+                      </a:r>
+                      <a:endParaRPr b="0" lang="en-US" sz="1800" spc="-1" strike="noStrike">
+                        <a:latin typeface="Arial"/>
+                      </a:endParaRPr>
+                    </a:p>
+                  </a:txBody>
+                  <a:tcPr anchor="t" marL="90000" marR="90000">
+                    <a:lnL w="720">
+                      <a:solidFill>
+                        <a:srgbClr val="000000"/>
+                      </a:solidFill>
+                    </a:lnL>
+                    <a:lnR w="720">
+                      <a:solidFill>
+                        <a:srgbClr val="158466"/>
+                      </a:solidFill>
+                    </a:lnR>
+                    <a:lnT w="720">
+                      <a:solidFill>
+                        <a:srgbClr val="000000"/>
+                      </a:solidFill>
+                    </a:lnT>
+                    <a:lnB w="720">
+                      <a:solidFill>
+                        <a:srgbClr val="000000"/>
+                      </a:solidFill>
+                    </a:lnB>
+                    <a:gradFill rotWithShape="0">
+                      <a:gsLst>
+                        <a:gs pos="0">
+                          <a:srgbClr val="50938a"/>
+                        </a:gs>
+                        <a:gs pos="100000">
+                          <a:srgbClr val="5983b0"/>
+                        </a:gs>
+                      </a:gsLst>
+                      <a:lin ang="3600000"/>
+                    </a:gradFill>
+                  </a:tcPr>
+                </a:tc>
+              </a:tr>
+              <a:tr h="665640">
+                <a:tc>
+                  <a:txBody>
+                    <a:bodyPr lIns="90000" rIns="90000" tIns="46800" bIns="46800" anchor="t">
+                      <a:noAutofit/>
+                    </a:bodyPr>
+                    <a:p>
+                      <a:pPr algn="ctr">
+                        <a:buNone/>
+                      </a:pPr>
+                      <a:r>
+                        <a:rPr b="0" lang="en-US" sz="1800" spc="-1" strike="noStrike">
+                          <a:latin typeface="Arial"/>
+                        </a:rPr>
+                        <a:t>Rakibul Islam Himel</a:t>
+                      </a:r>
+                      <a:endParaRPr b="0" lang="en-US" sz="1800" spc="-1" strike="noStrike">
+                        <a:latin typeface="Arial"/>
+                      </a:endParaRPr>
+                    </a:p>
+                  </a:txBody>
+                  <a:tcPr anchor="t" marL="90000" marR="90000">
+                    <a:lnL w="720">
+                      <a:solidFill>
+                        <a:srgbClr val="158466"/>
+                      </a:solidFill>
+                    </a:lnL>
+                    <a:lnR w="720">
+                      <a:solidFill>
+                        <a:srgbClr val="000000"/>
+                      </a:solidFill>
+                    </a:lnR>
+                    <a:lnT w="720">
+                      <a:solidFill>
+                        <a:srgbClr val="000000"/>
+                      </a:solidFill>
+                    </a:lnT>
+                    <a:lnB w="720">
+                      <a:solidFill>
+                        <a:srgbClr val="000000"/>
+                      </a:solidFill>
+                    </a:lnB>
+                    <a:gradFill rotWithShape="0">
+                      <a:gsLst>
+                        <a:gs pos="0">
+                          <a:srgbClr val="50938a"/>
+                        </a:gs>
+                        <a:gs pos="100000">
+                          <a:srgbClr val="5983b0"/>
+                        </a:gs>
+                      </a:gsLst>
+                      <a:lin ang="3600000"/>
+                    </a:gradFill>
+                  </a:tcPr>
+                </a:tc>
+                <a:tc>
+                  <a:txBody>
+                    <a:bodyPr lIns="90000" rIns="90000" tIns="46800" bIns="46800" anchor="t">
+                      <a:noAutofit/>
+                    </a:bodyPr>
+                    <a:p>
+                      <a:pPr algn="ctr">
+                        <a:buNone/>
+                      </a:pPr>
+                      <a:r>
+                        <a:rPr b="0" lang="en-US" sz="1800" spc="-1" strike="noStrike">
+                          <a:latin typeface="Arial"/>
+                        </a:rPr>
+                        <a:t>18ICTCSE045</a:t>
+                      </a:r>
+                      <a:endParaRPr b="0" lang="en-US" sz="1800" spc="-1" strike="noStrike">
+                        <a:latin typeface="Arial"/>
+                      </a:endParaRPr>
+                    </a:p>
+                  </a:txBody>
+                  <a:tcPr anchor="t" marL="90000" marR="90000">
+                    <a:lnL w="720">
+                      <a:solidFill>
+                        <a:srgbClr val="000000"/>
+                      </a:solidFill>
+                    </a:lnL>
+                    <a:lnR w="720">
+                      <a:solidFill>
+                        <a:srgbClr val="158466"/>
+                      </a:solidFill>
+                    </a:lnR>
+                    <a:lnT w="720">
+                      <a:solidFill>
+                        <a:srgbClr val="000000"/>
+                      </a:solidFill>
+                    </a:lnT>
+                    <a:lnB w="720">
+                      <a:solidFill>
+                        <a:srgbClr val="000000"/>
+                      </a:solidFill>
+                    </a:lnB>
+                    <a:gradFill rotWithShape="0">
+                      <a:gsLst>
+                        <a:gs pos="0">
+                          <a:srgbClr val="50938a"/>
+                        </a:gs>
+                        <a:gs pos="100000">
+                          <a:srgbClr val="5983b0"/>
+                        </a:gs>
+                      </a:gsLst>
+                      <a:lin ang="3600000"/>
+                    </a:gradFill>
+                  </a:tcPr>
+                </a:tc>
+              </a:tr>
+              <a:tr h="369000">
+                <a:tc>
+                  <a:txBody>
+                    <a:bodyPr lIns="90000" rIns="90000" tIns="46800" bIns="46800" anchor="t">
+                      <a:noAutofit/>
+                    </a:bodyPr>
+                    <a:p>
+                      <a:pPr algn="ctr">
+                        <a:buNone/>
+                      </a:pPr>
+                      <a:r>
+                        <a:rPr b="0" lang="en-US" sz="1800" spc="-1" strike="noStrike">
+                          <a:latin typeface="Arial"/>
+                        </a:rPr>
+                        <a:t>Nahidul Islam Shakin</a:t>
+                      </a:r>
+                      <a:endParaRPr b="0" lang="en-US" sz="1800" spc="-1" strike="noStrike">
+                        <a:latin typeface="Arial"/>
+                      </a:endParaRPr>
+                    </a:p>
+                  </a:txBody>
+                  <a:tcPr anchor="t" marL="90000" marR="90000">
+                    <a:lnL w="720">
+                      <a:solidFill>
+                        <a:srgbClr val="158466"/>
+                      </a:solidFill>
+                    </a:lnL>
+                    <a:lnR w="720">
+                      <a:solidFill>
+                        <a:srgbClr val="000000"/>
+                      </a:solidFill>
+                    </a:lnR>
+                    <a:lnT w="720">
+                      <a:solidFill>
+                        <a:srgbClr val="000000"/>
+                      </a:solidFill>
+                    </a:lnT>
+                    <a:lnB w="720">
+                      <a:solidFill>
+                        <a:srgbClr val="158466"/>
+                      </a:solidFill>
+                    </a:lnB>
+                    <a:gradFill rotWithShape="0">
+                      <a:gsLst>
+                        <a:gs pos="0">
+                          <a:srgbClr val="50938a"/>
+                        </a:gs>
+                        <a:gs pos="100000">
+                          <a:srgbClr val="5983b0"/>
+                        </a:gs>
+                      </a:gsLst>
+                      <a:lin ang="3600000"/>
+                    </a:gradFill>
+                  </a:tcPr>
+                </a:tc>
+                <a:tc>
+                  <a:txBody>
+                    <a:bodyPr lIns="90000" rIns="90000" tIns="46800" bIns="46800" anchor="t">
+                      <a:noAutofit/>
+                    </a:bodyPr>
+                    <a:p>
+                      <a:pPr algn="ctr">
+                        <a:buNone/>
+                      </a:pPr>
+                      <a:r>
+                        <a:rPr b="0" lang="en-US" sz="1800" spc="-1" strike="noStrike">
+                          <a:latin typeface="Arial"/>
+                        </a:rPr>
+                        <a:t>18ICTCSE046</a:t>
+                      </a:r>
+                      <a:endParaRPr b="0" lang="en-US" sz="1800" spc="-1" strike="noStrike">
+                        <a:latin typeface="Arial"/>
+                      </a:endParaRPr>
+                    </a:p>
+                  </a:txBody>
+                  <a:tcPr anchor="t" marL="90000" marR="90000">
+                    <a:lnL w="720">
+                      <a:solidFill>
+                        <a:srgbClr val="000000"/>
+                      </a:solidFill>
+                    </a:lnL>
+                    <a:lnR w="720">
+                      <a:solidFill>
+                        <a:srgbClr val="158466"/>
+                      </a:solidFill>
+                    </a:lnR>
+                    <a:lnT w="720">
+                      <a:solidFill>
+                        <a:srgbClr val="000000"/>
+                      </a:solidFill>
+                    </a:lnT>
+                    <a:lnB w="720">
+                      <a:solidFill>
+                        <a:srgbClr val="158466"/>
+                      </a:solidFill>
+                    </a:lnB>
+                    <a:gradFill rotWithShape="0">
+                      <a:gsLst>
+                        <a:gs pos="0">
+                          <a:srgbClr val="50938a"/>
+                        </a:gs>
+                        <a:gs pos="100000">
+                          <a:srgbClr val="5983b0"/>
+                        </a:gs>
+                      </a:gsLst>
+                      <a:lin ang="3600000"/>
+                    </a:gradFill>
+                  </a:tcPr>
+                </a:tc>
+              </a:tr>
+            </a:tbl>
+          </a:graphicData>
+        </a:graphic>
+      </p:graphicFrame>
+      <p:sp>
+        <p:nvSpPr>
+          <p:cNvPr id="133" name=""/>
+          <p:cNvSpPr txBox="1"/>
+          <p:nvPr/>
+        </p:nvSpPr>
+        <p:spPr>
+          <a:xfrm>
+            <a:off x="914400" y="914400"/>
+            <a:ext cx="2743200" cy="685800"/>
+          </a:xfrm>
+          <a:prstGeom prst="rect">
+            <a:avLst/>
+          </a:prstGeom>
+          <a:noFill/>
+          <a:ln w="0">
+            <a:noFill/>
+          </a:ln>
+        </p:spPr>
+        <p:txBody>
+          <a:bodyPr lIns="90000" rIns="90000" tIns="45000" bIns="45000" anchor="t">
+            <a:noAutofit/>
+          </a:bodyPr>
+          <a:p>
+            <a:pPr algn="ctr">
+              <a:buNone/>
             </a:pPr>
             <a:r>
-              <a:rPr b="0" lang="en-AU" sz="2400" spc="-1" strike="noStrike">
+              <a:rPr b="0" lang="en-US" sz="3200" spc="-1" strike="noStrike">
                 <a:latin typeface="Arial"/>
               </a:rPr>
-              <a:t>In Railway reservation system there has been a collection of trains, agent who are booking tickets for customer’s journey which give train ticket number and departure time of the train.</a:t>
-            </a:r>
-            <a:endParaRPr b="0" lang="en-US" sz="2400" spc="-1" strike="noStrike">
-              <a:latin typeface="Arial"/>
-            </a:endParaRPr>
-          </a:p>
-          <a:p>
-            <a:pPr marL="432000" indent="-324000">
-              <a:lnSpc>
-                <a:spcPct val="100000"/>
-              </a:lnSpc>
-              <a:spcBef>
-                <a:spcPts val="1060"/>
-              </a:spcBef>
-              <a:buClr>
-                <a:srgbClr val="000000"/>
-              </a:buClr>
-              <a:buSzPct val="45000"/>
-              <a:buFont typeface="Wingdings" charset="2"/>
-              <a:buChar char=""/>
-            </a:pPr>
-            <a:r>
-              <a:rPr b="0" lang="en-AU" sz="2400" spc="-1" strike="noStrike">
-                <a:latin typeface="Arial"/>
-              </a:rPr>
-              <a:t>According to its name it manages the details of all agent, tickets, rental details, and timing details and so on.</a:t>
-            </a:r>
-            <a:endParaRPr b="0" lang="en-US" sz="2400" spc="-1" strike="noStrike">
-              <a:latin typeface="Arial"/>
-            </a:endParaRPr>
-          </a:p>
-          <a:p>
-            <a:pPr marL="432000" indent="-324000">
-              <a:lnSpc>
-                <a:spcPct val="100000"/>
-              </a:lnSpc>
-              <a:spcBef>
-                <a:spcPts val="1060"/>
-              </a:spcBef>
-              <a:buClr>
-                <a:srgbClr val="000000"/>
-              </a:buClr>
-              <a:buSzPct val="45000"/>
-              <a:buFont typeface="Wingdings" charset="2"/>
-              <a:buChar char=""/>
-            </a:pPr>
-            <a:r>
-              <a:rPr b="0" lang="en-AU" sz="2400" spc="-1" strike="noStrike">
-                <a:latin typeface="Arial"/>
-              </a:rPr>
-              <a:t>The main objective of this project is to provide the better work efficiency, security, accuracy, reliability, feasibility.</a:t>
-            </a:r>
-            <a:endParaRPr b="0" lang="en-US" sz="2400" spc="-1" strike="noStrike">
+              <a:t>Submitted by</a:t>
+            </a:r>
+            <a:endParaRPr b="0" lang="en-US" sz="3200" spc="-1" strike="noStrike">
               <a:latin typeface="Arial"/>
             </a:endParaRPr>
           </a:p>
@@ -9372,7 +10271,7 @@
               <a:rPr b="0" lang="en-AU" sz="3300" spc="-1" strike="noStrike">
                 <a:latin typeface="Arial"/>
               </a:rPr>
-              <a:t>SCOPE &amp; OBJECTIVE</a:t>
+              <a:t>INTRODUCTION</a:t>
             </a:r>
             <a:endParaRPr b="0" lang="en-US" sz="3300" spc="-1" strike="noStrike">
               <a:latin typeface="Arial"/>
@@ -9405,7 +10304,7 @@
         </p:spPr>
         <p:txBody>
           <a:bodyPr lIns="0" rIns="0" tIns="0" bIns="0" anchor="t">
-            <a:normAutofit fontScale="89000"/>
+            <a:normAutofit/>
           </a:bodyPr>
           <a:p>
             <a:pPr marL="432000" indent="-324000">
@@ -9426,7 +10325,7 @@
               <a:rPr b="0" lang="en-AU" sz="2400" spc="-1" strike="noStrike">
                 <a:latin typeface="Arial"/>
               </a:rPr>
-              <a:t>All the manual work should be converted into computerized so that the load of employees should decrease.</a:t>
+              <a:t>In Railway reservation system there has been a collection of trains, agent who are booking tickets for customer’s journey which give train ticket number and departure time of the train.</a:t>
             </a:r>
             <a:endParaRPr b="0" lang="en-US" sz="2400" spc="-1" strike="noStrike">
               <a:latin typeface="Arial"/>
@@ -9451,7 +10350,7 @@
               <a:rPr b="0" lang="en-AU" sz="2400" spc="-1" strike="noStrike">
                 <a:latin typeface="Arial"/>
               </a:rPr>
-              <a:t>The database should be stored in computer rather than in register / manually.</a:t>
+              <a:t>According to its name it manages the details of all agent, tickets, rental details, and timing details and so on.</a:t>
             </a:r>
             <a:endParaRPr b="0" lang="en-US" sz="2400" spc="-1" strike="noStrike">
               <a:latin typeface="Arial"/>
@@ -9476,32 +10375,7 @@
               <a:rPr b="0" lang="en-AU" sz="2400" spc="-1" strike="noStrike">
                 <a:latin typeface="Arial"/>
               </a:rPr>
-              <a:t>The railway reservation system software is an easy to use self service system which enables the customer buys train ticket online.</a:t>
-            </a:r>
-            <a:endParaRPr b="0" lang="en-US" sz="2400" spc="-1" strike="noStrike">
-              <a:latin typeface="Arial"/>
-            </a:endParaRPr>
-          </a:p>
-          <a:p>
-            <a:pPr marL="432000" indent="-324000">
-              <a:lnSpc>
-                <a:spcPct val="100000"/>
-              </a:lnSpc>
-              <a:spcBef>
-                <a:spcPts val="1060"/>
-              </a:spcBef>
-              <a:buClr>
-                <a:srgbClr val="000000"/>
-              </a:buClr>
-              <a:buSzPct val="45000"/>
-              <a:buFont typeface="Wingdings" charset="2"/>
-              <a:buChar char=""/>
-            </a:pPr>
-            <a:r>
-              <a:rPr b="0" lang="en-AU" sz="2400" spc="-1" strike="noStrike">
-                <a:latin typeface="Arial"/>
-              </a:rPr>
-              <a:t>After process buys train ticket is successfully, the customer can get the train ticket by print out the train ticket or can download the pdf of train ticket.</a:t>
+              <a:t>The main objective of this project is to provide the better work efficiency, security, accuracy, reliability, feasibility.</a:t>
             </a:r>
             <a:endParaRPr b="0" lang="en-US" sz="2400" spc="-1" strike="noStrike">
               <a:latin typeface="Arial"/>
@@ -9577,7 +10451,7 @@
               <a:rPr b="0" lang="en-AU" sz="3300" spc="-1" strike="noStrike">
                 <a:latin typeface="Arial"/>
               </a:rPr>
-              <a:t>FEATURES</a:t>
+              <a:t>SCOPE &amp; OBJECTIVE</a:t>
             </a:r>
             <a:endParaRPr b="0" lang="en-US" sz="3300" spc="-1" strike="noStrike">
               <a:latin typeface="Arial"/>
@@ -9610,7 +10484,7 @@
         </p:spPr>
         <p:txBody>
           <a:bodyPr lIns="0" rIns="0" tIns="0" bIns="0" anchor="t">
-            <a:normAutofit/>
+            <a:normAutofit fontScale="89000"/>
           </a:bodyPr>
           <a:p>
             <a:pPr marL="432000" indent="-324000">
@@ -9631,7 +10505,7 @@
               <a:rPr b="0" lang="en-AU" sz="2400" spc="-1" strike="noStrike">
                 <a:latin typeface="Arial"/>
               </a:rPr>
-              <a:t>Searching of data is easy.</a:t>
+              <a:t>All the manual work should be converted into computerized so that the load of employees should decrease.</a:t>
             </a:r>
             <a:endParaRPr b="0" lang="en-US" sz="2400" spc="-1" strike="noStrike">
               <a:latin typeface="Arial"/>
@@ -9656,7 +10530,7 @@
               <a:rPr b="0" lang="en-AU" sz="2400" spc="-1" strike="noStrike">
                 <a:latin typeface="Arial"/>
               </a:rPr>
-              <a:t>Passengers don’t have to wait for long time.</a:t>
+              <a:t>The database should be stored in computer rather than in register / manually.</a:t>
             </a:r>
             <a:endParaRPr b="0" lang="en-US" sz="2400" spc="-1" strike="noStrike">
               <a:latin typeface="Arial"/>
@@ -9681,7 +10555,7 @@
               <a:rPr b="0" lang="en-AU" sz="2400" spc="-1" strike="noStrike">
                 <a:latin typeface="Arial"/>
               </a:rPr>
-              <a:t>Information is accurate.</a:t>
+              <a:t>The railway reservation system software is an easy to use self service system which enables the customer buys train ticket online.</a:t>
             </a:r>
             <a:endParaRPr b="0" lang="en-US" sz="2400" spc="-1" strike="noStrike">
               <a:latin typeface="Arial"/>
@@ -9706,32 +10580,7 @@
               <a:rPr b="0" lang="en-AU" sz="2400" spc="-1" strike="noStrike">
                 <a:latin typeface="Arial"/>
               </a:rPr>
-              <a:t>It is fast process.</a:t>
-            </a:r>
-            <a:endParaRPr b="0" lang="en-US" sz="2400" spc="-1" strike="noStrike">
-              <a:latin typeface="Arial"/>
-            </a:endParaRPr>
-          </a:p>
-          <a:p>
-            <a:pPr marL="432000" indent="-324000">
-              <a:lnSpc>
-                <a:spcPct val="100000"/>
-              </a:lnSpc>
-              <a:spcBef>
-                <a:spcPts val="1060"/>
-              </a:spcBef>
-              <a:buClr>
-                <a:srgbClr val="000000"/>
-              </a:buClr>
-              <a:buSzPct val="45000"/>
-              <a:buFont typeface="Wingdings" charset="2"/>
-              <a:buChar char=""/>
-            </a:pPr>
-            <a:r>
-              <a:rPr b="0" lang="en-AU" sz="2400" spc="-1" strike="noStrike">
-                <a:latin typeface="Arial"/>
-              </a:rPr>
-              <a:t>Data efficiency is more.</a:t>
+              <a:t>After process buys train ticket is successfully, the customer can get the train ticket by print out the train ticket or can download the pdf of train ticket.</a:t>
             </a:r>
             <a:endParaRPr b="0" lang="en-US" sz="2400" spc="-1" strike="noStrike">
               <a:latin typeface="Arial"/>
@@ -9807,7 +10656,7 @@
               <a:rPr b="0" lang="en-AU" sz="3300" spc="-1" strike="noStrike">
                 <a:latin typeface="Arial"/>
               </a:rPr>
-              <a:t>Bangladesh Railway E-Ticketing Problems</a:t>
+              <a:t>FEATURES</a:t>
             </a:r>
             <a:endParaRPr b="0" lang="en-US" sz="3300" spc="-1" strike="noStrike">
               <a:latin typeface="Arial"/>
@@ -9828,7 +10677,7 @@
         <p:spPr>
           <a:xfrm>
             <a:off x="504000" y="1326600"/>
-            <a:ext cx="9070920" cy="3532680"/>
+            <a:ext cx="9070920" cy="3287520"/>
           </a:xfrm>
           <a:prstGeom prst="rect">
             <a:avLst/>
@@ -9840,7 +10689,7 @@
         </p:spPr>
         <p:txBody>
           <a:bodyPr lIns="0" rIns="0" tIns="0" bIns="0" anchor="t">
-            <a:normAutofit fontScale="88000"/>
+            <a:normAutofit/>
           </a:bodyPr>
           <a:p>
             <a:pPr marL="432000" indent="-324000">
@@ -9861,7 +10710,7 @@
               <a:rPr b="0" lang="en-AU" sz="2400" spc="-1" strike="noStrike">
                 <a:latin typeface="Arial"/>
               </a:rPr>
-              <a:t>Session time out due to enquiry limit.</a:t>
+              <a:t>Searching of data is easy.</a:t>
             </a:r>
             <a:endParaRPr b="0" lang="en-US" sz="2400" spc="-1" strike="noStrike">
               <a:latin typeface="Arial"/>
@@ -9886,7 +10735,7 @@
               <a:rPr b="0" lang="en-AU" sz="2400" spc="-1" strike="noStrike">
                 <a:latin typeface="Arial"/>
               </a:rPr>
-              <a:t>Limited server cause slow speed.</a:t>
+              <a:t>Passengers don’t have to wait for long time.</a:t>
             </a:r>
             <a:endParaRPr b="0" lang="en-US" sz="2400" spc="-1" strike="noStrike">
               <a:latin typeface="Arial"/>
@@ -9911,7 +10760,7 @@
               <a:rPr b="0" lang="en-AU" sz="2400" spc="-1" strike="noStrike">
                 <a:latin typeface="Arial"/>
               </a:rPr>
-              <a:t>Multiple failures during form filling, saving of form should be dynamic.</a:t>
+              <a:t>Information is accurate.</a:t>
             </a:r>
             <a:endParaRPr b="0" lang="en-US" sz="2400" spc="-1" strike="noStrike">
               <a:latin typeface="Arial"/>
@@ -9936,7 +10785,7 @@
               <a:rPr b="0" lang="en-AU" sz="2400" spc="-1" strike="noStrike">
                 <a:latin typeface="Arial"/>
               </a:rPr>
-              <a:t>Cancelled transaction problem during tatkal hours, many times during tatkal hours ticket is not booked even after payment due to slow speed of Bangladesh Railway E-Ticketing Service or due to limited server.</a:t>
+              <a:t>It is fast process.</a:t>
             </a:r>
             <a:endParaRPr b="0" lang="en-US" sz="2400" spc="-1" strike="noStrike">
               <a:latin typeface="Arial"/>
@@ -9961,32 +10810,7 @@
               <a:rPr b="0" lang="en-AU" sz="2400" spc="-1" strike="noStrike">
                 <a:latin typeface="Arial"/>
               </a:rPr>
-              <a:t>Limit of ip address of particular computer for only two ticket for whole time during tatkal hours.</a:t>
-            </a:r>
-            <a:endParaRPr b="0" lang="en-US" sz="2400" spc="-1" strike="noStrike">
-              <a:latin typeface="Arial"/>
-            </a:endParaRPr>
-          </a:p>
-          <a:p>
-            <a:pPr marL="432000" indent="-324000">
-              <a:lnSpc>
-                <a:spcPct val="100000"/>
-              </a:lnSpc>
-              <a:spcBef>
-                <a:spcPts val="1060"/>
-              </a:spcBef>
-              <a:buClr>
-                <a:srgbClr val="000000"/>
-              </a:buClr>
-              <a:buSzPct val="45000"/>
-              <a:buFont typeface="Wingdings" charset="2"/>
-              <a:buChar char=""/>
-            </a:pPr>
-            <a:r>
-              <a:rPr b="0" lang="en-AU" sz="2400" spc="-1" strike="noStrike">
-                <a:latin typeface="Arial"/>
-              </a:rPr>
-              <a:t>Slow processing speed during tatkal hours due to heavy traffic.</a:t>
+              <a:t>Data efficiency is more.</a:t>
             </a:r>
             <a:endParaRPr b="0" lang="en-US" sz="2400" spc="-1" strike="noStrike">
               <a:latin typeface="Arial"/>
@@ -10036,8 +10860,8 @@
         </p:nvSpPr>
         <p:spPr>
           <a:xfrm>
-            <a:off x="504000" y="353160"/>
-            <a:ext cx="9070920" cy="935640"/>
+            <a:off x="504000" y="225720"/>
+            <a:ext cx="9070920" cy="946080"/>
           </a:xfrm>
           <a:prstGeom prst="rect">
             <a:avLst/>
@@ -10062,7 +10886,7 @@
               <a:rPr b="0" lang="en-AU" sz="3300" spc="-1" strike="noStrike">
                 <a:latin typeface="Arial"/>
               </a:rPr>
-              <a:t>IMPROVEMENT REQUIRED IN BANGLADESH RAILWAYS</a:t>
+              <a:t>Bangladesh Railway E-Ticketing Problems</a:t>
             </a:r>
             <a:endParaRPr b="0" lang="en-US" sz="3300" spc="-1" strike="noStrike">
               <a:latin typeface="Arial"/>
@@ -10082,8 +10906,8 @@
         </p:nvSpPr>
         <p:spPr>
           <a:xfrm>
-            <a:off x="504000" y="1254600"/>
-            <a:ext cx="9070920" cy="4072680"/>
+            <a:off x="504000" y="1326600"/>
+            <a:ext cx="9070920" cy="3532680"/>
           </a:xfrm>
           <a:prstGeom prst="rect">
             <a:avLst/>
@@ -10095,7 +10919,7 @@
         </p:spPr>
         <p:txBody>
           <a:bodyPr lIns="0" rIns="0" tIns="0" bIns="0" anchor="t">
-            <a:normAutofit fontScale="86000"/>
+            <a:normAutofit fontScale="88000"/>
           </a:bodyPr>
           <a:p>
             <a:pPr marL="432000" indent="-324000">
@@ -10116,7 +10940,7 @@
               <a:rPr b="0" lang="en-AU" sz="2400" spc="-1" strike="noStrike">
                 <a:latin typeface="Arial"/>
               </a:rPr>
-              <a:t>BRES (Bangladesh Railway E-Ticketing Service) should introduce wallet scheme so that transaction become easy or time consumption of redirecting to merchant sites will be saved.</a:t>
+              <a:t>Session time out due to enquiry limit.</a:t>
             </a:r>
             <a:endParaRPr b="0" lang="en-US" sz="2400" spc="-1" strike="noStrike">
               <a:latin typeface="Arial"/>
@@ -10141,7 +10965,7 @@
               <a:rPr b="0" lang="en-AU" sz="2400" spc="-1" strike="noStrike">
                 <a:latin typeface="Arial"/>
               </a:rPr>
-              <a:t>BRES installation of more servers for good speed even during heavy rush time.</a:t>
+              <a:t>Limited server cause slow speed.</a:t>
             </a:r>
             <a:endParaRPr b="0" lang="en-US" sz="2400" spc="-1" strike="noStrike">
               <a:latin typeface="Arial"/>
@@ -10166,7 +10990,7 @@
               <a:rPr b="0" lang="en-AU" sz="2400" spc="-1" strike="noStrike">
                 <a:latin typeface="Arial"/>
               </a:rPr>
-              <a:t>Proper inspection of ticket and I.d of passengers so that improper booking that is being done by agents on anonymous identity can be reduced.</a:t>
+              <a:t>Multiple failures during form filling, saving of form should be dynamic.</a:t>
             </a:r>
             <a:endParaRPr b="0" lang="en-US" sz="2400" spc="-1" strike="noStrike">
               <a:latin typeface="Arial"/>
@@ -10191,7 +11015,57 @@
               <a:rPr b="0" lang="en-AU" sz="2400" spc="-1" strike="noStrike">
                 <a:latin typeface="Arial"/>
               </a:rPr>
-              <a:t>Improvement in like saving of filled form dynamically so that in case of disconnection of internet user didn’t need to refill the form again from start, it should start form where it was left, it will be saved in cache memory of web browser which can be used further.</a:t>
+              <a:t>Cancelled transaction problem during tatkal hours, many times during tatkal hours ticket is not booked even after payment due to slow speed of Bangladesh Railway E-Ticketing Service or due to limited server.</a:t>
+            </a:r>
+            <a:endParaRPr b="0" lang="en-US" sz="2400" spc="-1" strike="noStrike">
+              <a:latin typeface="Arial"/>
+            </a:endParaRPr>
+          </a:p>
+          <a:p>
+            <a:pPr marL="432000" indent="-324000">
+              <a:lnSpc>
+                <a:spcPct val="100000"/>
+              </a:lnSpc>
+              <a:spcBef>
+                <a:spcPts val="1060"/>
+              </a:spcBef>
+              <a:buClr>
+                <a:srgbClr val="000000"/>
+              </a:buClr>
+              <a:buSzPct val="45000"/>
+              <a:buFont typeface="Wingdings" charset="2"/>
+              <a:buChar char=""/>
+            </a:pPr>
+            <a:r>
+              <a:rPr b="0" lang="en-AU" sz="2400" spc="-1" strike="noStrike">
+                <a:latin typeface="Arial"/>
+              </a:rPr>
+              <a:t>Limit of ip address of particular computer for only two ticket for whole time during tatkal hours.</a:t>
+            </a:r>
+            <a:endParaRPr b="0" lang="en-US" sz="2400" spc="-1" strike="noStrike">
+              <a:latin typeface="Arial"/>
+            </a:endParaRPr>
+          </a:p>
+          <a:p>
+            <a:pPr marL="432000" indent="-324000">
+              <a:lnSpc>
+                <a:spcPct val="100000"/>
+              </a:lnSpc>
+              <a:spcBef>
+                <a:spcPts val="1060"/>
+              </a:spcBef>
+              <a:buClr>
+                <a:srgbClr val="000000"/>
+              </a:buClr>
+              <a:buSzPct val="45000"/>
+              <a:buFont typeface="Wingdings" charset="2"/>
+              <a:buChar char=""/>
+            </a:pPr>
+            <a:r>
+              <a:rPr b="0" lang="en-AU" sz="2400" spc="-1" strike="noStrike">
+                <a:latin typeface="Arial"/>
+              </a:rPr>
+              <a:t>Slow processing speed during tatkal hours due to heavy traffic.</a:t>
             </a:r>
             <a:endParaRPr b="0" lang="en-US" sz="2400" spc="-1" strike="noStrike">
               <a:latin typeface="Arial"/>
@@ -10236,13 +11110,59 @@
             <a:spLocks noGrp="1"/>
           </p:cNvSpPr>
           <p:nvPr>
+            <p:ph type="title"/>
+          </p:nvPr>
+        </p:nvSpPr>
+        <p:spPr>
+          <a:xfrm>
+            <a:off x="504000" y="353160"/>
+            <a:ext cx="9070920" cy="935640"/>
+          </a:xfrm>
+          <a:prstGeom prst="rect">
+            <a:avLst/>
+          </a:prstGeom>
+          <a:noFill/>
+          <a:ln w="0">
+            <a:noFill/>
+          </a:ln>
+        </p:spPr>
+        <p:txBody>
+          <a:bodyPr lIns="0" rIns="0" tIns="0" bIns="0" anchor="ctr">
+            <a:noAutofit/>
+          </a:bodyPr>
+          <a:p>
+            <a:pPr algn="ctr">
+              <a:lnSpc>
+                <a:spcPct val="100000"/>
+              </a:lnSpc>
+              <a:buNone/>
+            </a:pPr>
+            <a:r>
+              <a:rPr b="0" lang="en-AU" sz="3300" spc="-1" strike="noStrike">
+                <a:latin typeface="Arial"/>
+              </a:rPr>
+              <a:t>IMPROVEMENT REQUIRED IN BANGLADESH RAILWAYS</a:t>
+            </a:r>
+            <a:endParaRPr b="0" lang="en-US" sz="3300" spc="-1" strike="noStrike">
+              <a:latin typeface="Arial"/>
+            </a:endParaRPr>
+          </a:p>
+        </p:txBody>
+      </p:sp>
+      <p:sp>
+        <p:nvSpPr>
+          <p:cNvPr id="143" name="PlaceHolder 2"/>
+          <p:cNvSpPr>
+            <a:spLocks noGrp="1"/>
+          </p:cNvSpPr>
+          <p:nvPr>
             <p:ph/>
           </p:nvPr>
         </p:nvSpPr>
         <p:spPr>
           <a:xfrm>
-            <a:off x="504000" y="540000"/>
-            <a:ext cx="9070920" cy="4499280"/>
+            <a:off x="504000" y="1254600"/>
+            <a:ext cx="9070920" cy="4072680"/>
           </a:xfrm>
           <a:prstGeom prst="rect">
             <a:avLst/>
@@ -10254,7 +11174,7 @@
         </p:spPr>
         <p:txBody>
           <a:bodyPr lIns="0" rIns="0" tIns="0" bIns="0" anchor="t">
-            <a:normAutofit/>
+            <a:normAutofit fontScale="86000"/>
           </a:bodyPr>
           <a:p>
             <a:pPr marL="432000" indent="-324000">
@@ -10275,7 +11195,7 @@
               <a:rPr b="0" lang="en-AU" sz="2400" spc="-1" strike="noStrike">
                 <a:latin typeface="Arial"/>
               </a:rPr>
-              <a:t>Refund process should be fast.</a:t>
+              <a:t>BRES (Bangladesh Railway E-Ticketing Service) should introduce wallet scheme so that transaction become easy or time consumption of redirecting to merchant sites will be saved.</a:t>
             </a:r>
             <a:endParaRPr b="0" lang="en-US" sz="2400" spc="-1" strike="noStrike">
               <a:latin typeface="Arial"/>
@@ -10300,7 +11220,57 @@
               <a:rPr b="0" lang="en-AU" sz="2400" spc="-1" strike="noStrike">
                 <a:latin typeface="Arial"/>
               </a:rPr>
-              <a:t>International debit and credit card should be accepted by BRES.</a:t>
+              <a:t>BRES installation of more servers for good speed even during heavy rush time.</a:t>
+            </a:r>
+            <a:endParaRPr b="0" lang="en-US" sz="2400" spc="-1" strike="noStrike">
+              <a:latin typeface="Arial"/>
+            </a:endParaRPr>
+          </a:p>
+          <a:p>
+            <a:pPr marL="432000" indent="-324000">
+              <a:lnSpc>
+                <a:spcPct val="100000"/>
+              </a:lnSpc>
+              <a:spcBef>
+                <a:spcPts val="1060"/>
+              </a:spcBef>
+              <a:buClr>
+                <a:srgbClr val="000000"/>
+              </a:buClr>
+              <a:buSzPct val="45000"/>
+              <a:buFont typeface="Wingdings" charset="2"/>
+              <a:buChar char=""/>
+            </a:pPr>
+            <a:r>
+              <a:rPr b="0" lang="en-AU" sz="2400" spc="-1" strike="noStrike">
+                <a:latin typeface="Arial"/>
+              </a:rPr>
+              <a:t>Proper inspection of ticket and I.d of passengers so that improper booking that is being done by agents on anonymous identity can be reduced.</a:t>
+            </a:r>
+            <a:endParaRPr b="0" lang="en-US" sz="2400" spc="-1" strike="noStrike">
+              <a:latin typeface="Arial"/>
+            </a:endParaRPr>
+          </a:p>
+          <a:p>
+            <a:pPr marL="432000" indent="-324000">
+              <a:lnSpc>
+                <a:spcPct val="100000"/>
+              </a:lnSpc>
+              <a:spcBef>
+                <a:spcPts val="1060"/>
+              </a:spcBef>
+              <a:buClr>
+                <a:srgbClr val="000000"/>
+              </a:buClr>
+              <a:buSzPct val="45000"/>
+              <a:buFont typeface="Wingdings" charset="2"/>
+              <a:buChar char=""/>
+            </a:pPr>
+            <a:r>
+              <a:rPr b="0" lang="en-AU" sz="2400" spc="-1" strike="noStrike">
+                <a:latin typeface="Arial"/>
+              </a:rPr>
+              <a:t>Improvement in like saving of filled form dynamically so that in case of disconnection of internet user didn’t need to refill the form again from start, it should start form where it was left, it will be saved in cache memory of web browser which can be used further.</a:t>
             </a:r>
             <a:endParaRPr b="0" lang="en-US" sz="2400" spc="-1" strike="noStrike">
               <a:latin typeface="Arial"/>
@@ -10340,494 +11310,78 @@
       </p:grpSpPr>
       <p:sp>
         <p:nvSpPr>
-          <p:cNvPr id="143" name="PlaceHolder 1"/>
-          <p:cNvSpPr>
-            <a:spLocks noGrp="1"/>
-          </p:cNvSpPr>
-          <p:nvPr>
-            <p:ph type="title"/>
-          </p:nvPr>
-        </p:nvSpPr>
-        <p:spPr>
-          <a:xfrm>
-            <a:off x="504000" y="457200"/>
-            <a:ext cx="9070920" cy="960480"/>
-          </a:xfrm>
-          <a:prstGeom prst="rect">
-            <a:avLst/>
-          </a:prstGeom>
-          <a:noFill/>
-          <a:ln w="0">
-            <a:noFill/>
-          </a:ln>
-        </p:spPr>
-        <p:txBody>
-          <a:bodyPr lIns="0" rIns="0" tIns="0" bIns="0" anchor="ctr">
-            <a:noAutofit/>
-          </a:bodyPr>
-          <a:p>
-            <a:pPr>
+          <p:cNvPr id="144" name="PlaceHolder 1"/>
+          <p:cNvSpPr>
+            <a:spLocks noGrp="1"/>
+          </p:cNvSpPr>
+          <p:nvPr>
+            <p:ph/>
+          </p:nvPr>
+        </p:nvSpPr>
+        <p:spPr>
+          <a:xfrm>
+            <a:off x="504000" y="540000"/>
+            <a:ext cx="9070920" cy="4499280"/>
+          </a:xfrm>
+          <a:prstGeom prst="rect">
+            <a:avLst/>
+          </a:prstGeom>
+          <a:noFill/>
+          <a:ln w="0">
+            <a:noFill/>
+          </a:ln>
+        </p:spPr>
+        <p:txBody>
+          <a:bodyPr lIns="0" rIns="0" tIns="0" bIns="0" anchor="t">
+            <a:normAutofit/>
+          </a:bodyPr>
+          <a:p>
+            <a:pPr marL="432000" indent="-324000">
               <a:lnSpc>
-                <a:spcPct val="90000"/>
-              </a:lnSpc>
-              <a:buNone/>
-            </a:pPr>
-            <a:r>
-              <a:rPr b="0" lang="en-US" sz="4400" spc="-1" strike="noStrike">
-                <a:solidFill>
-                  <a:srgbClr val="000000"/>
-                </a:solidFill>
-                <a:latin typeface="Rockwell"/>
-                <a:ea typeface="DejaVu Sans"/>
-              </a:rPr>
-              <a:t>Requirements:</a:t>
-            </a:r>
-            <a:endParaRPr b="0" lang="en-US" sz="4400" spc="-1" strike="noStrike">
-              <a:latin typeface="Arial"/>
-            </a:endParaRPr>
-          </a:p>
-        </p:txBody>
-      </p:sp>
-      <p:sp>
-        <p:nvSpPr>
-          <p:cNvPr id="144" name="PlaceHolder 2"/>
-          <p:cNvSpPr>
-            <a:spLocks noGrp="1"/>
-          </p:cNvSpPr>
-          <p:nvPr>
-            <p:ph/>
-          </p:nvPr>
-        </p:nvSpPr>
-        <p:spPr>
-          <a:xfrm>
-            <a:off x="504000" y="1899000"/>
-            <a:ext cx="9070920" cy="3230280"/>
-          </a:xfrm>
-          <a:prstGeom prst="rect">
-            <a:avLst/>
-          </a:prstGeom>
-          <a:noFill/>
-          <a:ln w="0">
-            <a:noFill/>
-          </a:ln>
-        </p:spPr>
-        <p:txBody>
-          <a:bodyPr lIns="0" rIns="0" tIns="0" bIns="0" anchor="t">
-            <a:normAutofit fontScale="72000"/>
-          </a:bodyPr>
-          <a:p>
-            <a:pPr marL="596520" indent="-514440">
-              <a:lnSpc>
-                <a:spcPct val="90000"/>
+                <a:spcPct val="100000"/>
               </a:lnSpc>
               <a:spcBef>
-                <a:spcPts val="1001"/>
-              </a:spcBef>
-              <a:buNone/>
-              <a:tabLst>
-                <a:tab algn="l" pos="0"/>
-              </a:tabLst>
-            </a:pPr>
-            <a:r>
-              <a:rPr b="0" lang="en-US" sz="2800" spc="-1" strike="noStrike">
-                <a:solidFill>
-                  <a:srgbClr val="4f81bd"/>
-                </a:solidFill>
-                <a:latin typeface="Arial"/>
-                <a:ea typeface="DejaVu Sans"/>
-              </a:rPr>
-              <a:t>1) </a:t>
-            </a:r>
-            <a:r>
-              <a:rPr b="0" lang="en-US" sz="2800" spc="-1" strike="noStrike" u="sng">
-                <a:solidFill>
-                  <a:srgbClr val="000000"/>
-                </a:solidFill>
-                <a:uFillTx/>
-                <a:latin typeface="Arial"/>
-                <a:ea typeface="DejaVu Sans"/>
-              </a:rPr>
-              <a:t>Hardware Requirements:</a:t>
-            </a:r>
-            <a:endParaRPr b="0" lang="en-US" sz="2800" spc="-1" strike="noStrike">
-              <a:latin typeface="Arial"/>
-            </a:endParaRPr>
-          </a:p>
-          <a:p>
-            <a:pPr marL="228600" indent="-228600">
-              <a:lnSpc>
-                <a:spcPct val="90000"/>
-              </a:lnSpc>
-              <a:spcBef>
-                <a:spcPts val="1001"/>
+                <a:spcPts val="1060"/>
               </a:spcBef>
               <a:buClr>
                 <a:srgbClr val="000000"/>
               </a:buClr>
-              <a:buFont typeface="Arial"/>
-              <a:buChar char="•"/>
-              <a:tabLst>
-                <a:tab algn="l" pos="0"/>
-              </a:tabLst>
+              <a:buSzPct val="45000"/>
+              <a:buFont typeface="Wingdings" charset="2"/>
+              <a:buChar char=""/>
             </a:pPr>
             <a:r>
-              <a:rPr b="0" lang="en-US" sz="2800" spc="-1" strike="noStrike">
-                <a:solidFill>
-                  <a:srgbClr val="000000"/>
-                </a:solidFill>
+              <a:rPr b="0" lang="en-AU" sz="2400" spc="-1" strike="noStrike">
                 <a:latin typeface="Arial"/>
-                <a:ea typeface="DejaVu Sans"/>
               </a:rPr>
-              <a:t>Processor </a:t>
-            </a:r>
-            <a:r>
-              <a:rPr b="0" lang="en-US" sz="2800" spc="-1" strike="noStrike">
-                <a:solidFill>
-                  <a:srgbClr val="000000"/>
-                </a:solidFill>
-                <a:latin typeface="Arial"/>
-                <a:ea typeface="DejaVu Sans"/>
-              </a:rPr>
-              <a:t>	</a:t>
-            </a:r>
-            <a:r>
-              <a:rPr b="0" lang="en-US" sz="2800" spc="-1" strike="noStrike">
-                <a:solidFill>
-                  <a:srgbClr val="000000"/>
-                </a:solidFill>
-                <a:latin typeface="Arial"/>
-                <a:ea typeface="DejaVu Sans"/>
-              </a:rPr>
-              <a:t> :</a:t>
-            </a:r>
-            <a:r>
-              <a:rPr b="0" lang="en-US" sz="2800" spc="-1" strike="noStrike">
-                <a:solidFill>
-                  <a:srgbClr val="000000"/>
-                </a:solidFill>
-                <a:latin typeface="Arial"/>
-                <a:ea typeface="DejaVu Sans"/>
-              </a:rPr>
-              <a:t>	</a:t>
-            </a:r>
-            <a:r>
-              <a:rPr b="0" lang="en-US" sz="2800" spc="-1" strike="noStrike">
-                <a:solidFill>
-                  <a:srgbClr val="000000"/>
-                </a:solidFill>
-                <a:latin typeface="Arial"/>
-                <a:ea typeface="DejaVu Sans"/>
-              </a:rPr>
-              <a:t>Pentium IV 2GHz and Above</a:t>
-            </a:r>
-            <a:endParaRPr b="0" lang="en-US" sz="2800" spc="-1" strike="noStrike">
-              <a:latin typeface="Arial"/>
-            </a:endParaRPr>
-          </a:p>
-          <a:p>
-            <a:pPr marL="228600" indent="-228600">
+              <a:t>Refund process should be fast.</a:t>
+            </a:r>
+            <a:endParaRPr b="0" lang="en-US" sz="2400" spc="-1" strike="noStrike">
+              <a:latin typeface="Arial"/>
+            </a:endParaRPr>
+          </a:p>
+          <a:p>
+            <a:pPr marL="432000" indent="-324000">
               <a:lnSpc>
-                <a:spcPct val="90000"/>
+                <a:spcPct val="100000"/>
               </a:lnSpc>
               <a:spcBef>
-                <a:spcPts val="1001"/>
+                <a:spcPts val="1060"/>
               </a:spcBef>
               <a:buClr>
                 <a:srgbClr val="000000"/>
               </a:buClr>
-              <a:buFont typeface="Arial"/>
-              <a:buChar char="•"/>
-              <a:tabLst>
-                <a:tab algn="l" pos="0"/>
-              </a:tabLst>
+              <a:buSzPct val="45000"/>
+              <a:buFont typeface="Wingdings" charset="2"/>
+              <a:buChar char=""/>
             </a:pPr>
             <a:r>
-              <a:rPr b="0" lang="en-US" sz="2800" spc="-1" strike="noStrike">
-                <a:solidFill>
-                  <a:srgbClr val="000000"/>
-                </a:solidFill>
+              <a:rPr b="0" lang="en-AU" sz="2400" spc="-1" strike="noStrike">
                 <a:latin typeface="Arial"/>
-                <a:ea typeface="DejaVu Sans"/>
               </a:rPr>
-              <a:t>RAM                  :</a:t>
-            </a:r>
-            <a:r>
-              <a:rPr b="0" lang="en-US" sz="2800" spc="-1" strike="noStrike">
-                <a:solidFill>
-                  <a:srgbClr val="000000"/>
-                </a:solidFill>
-                <a:latin typeface="Arial"/>
-                <a:ea typeface="DejaVu Sans"/>
-              </a:rPr>
-              <a:t>	</a:t>
-            </a:r>
-            <a:r>
-              <a:rPr b="0" lang="en-US" sz="2800" spc="-1" strike="noStrike">
-                <a:solidFill>
-                  <a:srgbClr val="000000"/>
-                </a:solidFill>
-                <a:latin typeface="Arial"/>
-                <a:ea typeface="DejaVu Sans"/>
-              </a:rPr>
-              <a:t>1GB </a:t>
-            </a:r>
-            <a:endParaRPr b="0" lang="en-US" sz="2800" spc="-1" strike="noStrike">
-              <a:latin typeface="Arial"/>
-            </a:endParaRPr>
-          </a:p>
-          <a:p>
-            <a:pPr marL="228600" indent="-228600">
-              <a:lnSpc>
-                <a:spcPct val="90000"/>
-              </a:lnSpc>
-              <a:spcBef>
-                <a:spcPts val="1001"/>
-              </a:spcBef>
-              <a:buClr>
-                <a:srgbClr val="000000"/>
-              </a:buClr>
-              <a:buFont typeface="Arial"/>
-              <a:buChar char="•"/>
-              <a:tabLst>
-                <a:tab algn="l" pos="0"/>
-              </a:tabLst>
-            </a:pPr>
-            <a:r>
-              <a:rPr b="0" lang="en-US" sz="2800" spc="-1" strike="noStrike">
-                <a:solidFill>
-                  <a:srgbClr val="000000"/>
-                </a:solidFill>
-                <a:latin typeface="Arial"/>
-                <a:ea typeface="DejaVu Sans"/>
-              </a:rPr>
-              <a:t>Monitor              :           VGA Color Monitor </a:t>
-            </a:r>
-            <a:endParaRPr b="0" lang="en-US" sz="2800" spc="-1" strike="noStrike">
-              <a:latin typeface="Arial"/>
-            </a:endParaRPr>
-          </a:p>
-          <a:p>
-            <a:pPr>
-              <a:lnSpc>
-                <a:spcPct val="90000"/>
-              </a:lnSpc>
-              <a:spcBef>
-                <a:spcPts val="1001"/>
-              </a:spcBef>
-              <a:buNone/>
-              <a:tabLst>
-                <a:tab algn="l" pos="0"/>
-              </a:tabLst>
-            </a:pPr>
-            <a:endParaRPr b="0" lang="en-US" sz="2800" spc="-1" strike="noStrike">
-              <a:latin typeface="Arial"/>
-            </a:endParaRPr>
-          </a:p>
-          <a:p>
-            <a:pPr marL="539640" indent="-457200">
-              <a:lnSpc>
-                <a:spcPct val="90000"/>
-              </a:lnSpc>
-              <a:spcBef>
-                <a:spcPts val="1001"/>
-              </a:spcBef>
-              <a:buNone/>
-              <a:tabLst>
-                <a:tab algn="l" pos="0"/>
-              </a:tabLst>
-            </a:pPr>
-            <a:r>
-              <a:rPr b="0" lang="en-US" sz="2800" spc="-1" strike="noStrike">
-                <a:solidFill>
-                  <a:srgbClr val="4f81bd"/>
-                </a:solidFill>
-                <a:latin typeface="Arial"/>
-                <a:ea typeface="DejaVu Sans"/>
-              </a:rPr>
-              <a:t>2) </a:t>
-            </a:r>
-            <a:r>
-              <a:rPr b="0" lang="en-US" sz="2800" spc="-1" strike="noStrike" u="sng">
-                <a:solidFill>
-                  <a:srgbClr val="000000"/>
-                </a:solidFill>
-                <a:uFillTx/>
-                <a:latin typeface="Arial"/>
-                <a:ea typeface="DejaVu Sans"/>
-              </a:rPr>
-              <a:t>Software Requirements:</a:t>
-            </a:r>
-            <a:endParaRPr b="0" lang="en-US" sz="2800" spc="-1" strike="noStrike">
-              <a:latin typeface="Arial"/>
-            </a:endParaRPr>
-          </a:p>
-          <a:p>
-            <a:pPr marL="228600" indent="-228600">
-              <a:lnSpc>
-                <a:spcPct val="90000"/>
-              </a:lnSpc>
-              <a:spcBef>
-                <a:spcPts val="1001"/>
-              </a:spcBef>
-              <a:buClr>
-                <a:srgbClr val="000000"/>
-              </a:buClr>
-              <a:buFont typeface="Arial"/>
-              <a:buChar char="•"/>
-              <a:tabLst>
-                <a:tab algn="l" pos="0"/>
-              </a:tabLst>
-            </a:pPr>
-            <a:r>
-              <a:rPr b="0" lang="en-US" sz="2800" spc="-1" strike="noStrike">
-                <a:solidFill>
-                  <a:srgbClr val="000000"/>
-                </a:solidFill>
-                <a:latin typeface="Arial"/>
-                <a:ea typeface="DejaVu Sans"/>
-              </a:rPr>
-              <a:t>Operating System           :</a:t>
-            </a:r>
-            <a:r>
-              <a:rPr b="0" lang="en-US" sz="2800" spc="-1" strike="noStrike">
-                <a:solidFill>
-                  <a:srgbClr val="000000"/>
-                </a:solidFill>
-                <a:latin typeface="Arial"/>
-                <a:ea typeface="DejaVu Sans"/>
-              </a:rPr>
-              <a:t>	</a:t>
-            </a:r>
-            <a:r>
-              <a:rPr b="0" lang="en-US" sz="2800" spc="-1" strike="noStrike">
-                <a:solidFill>
-                  <a:srgbClr val="000000"/>
-                </a:solidFill>
-                <a:latin typeface="Arial"/>
-                <a:ea typeface="DejaVu Sans"/>
-              </a:rPr>
-              <a:t>Windows XP onwards</a:t>
-            </a:r>
-            <a:endParaRPr b="0" lang="en-US" sz="2800" spc="-1" strike="noStrike">
-              <a:latin typeface="Arial"/>
-            </a:endParaRPr>
-          </a:p>
-          <a:p>
-            <a:pPr marL="228600" indent="-228600">
-              <a:lnSpc>
-                <a:spcPct val="90000"/>
-              </a:lnSpc>
-              <a:spcBef>
-                <a:spcPts val="1001"/>
-              </a:spcBef>
-              <a:buClr>
-                <a:srgbClr val="000000"/>
-              </a:buClr>
-              <a:buFont typeface="Arial"/>
-              <a:buChar char="•"/>
-              <a:tabLst>
-                <a:tab algn="l" pos="0"/>
-              </a:tabLst>
-            </a:pPr>
-            <a:r>
-              <a:rPr b="0" lang="en-US" sz="2800" spc="-1" strike="noStrike">
-                <a:solidFill>
-                  <a:srgbClr val="000000"/>
-                </a:solidFill>
-                <a:latin typeface="Arial"/>
-                <a:ea typeface="DejaVu Sans"/>
-              </a:rPr>
-              <a:t>Developing Tool              :</a:t>
-            </a:r>
-            <a:r>
-              <a:rPr b="0" lang="en-US" sz="2800" spc="-1" strike="noStrike">
-                <a:solidFill>
-                  <a:srgbClr val="000000"/>
-                </a:solidFill>
-                <a:latin typeface="Arial"/>
-                <a:ea typeface="DejaVu Sans"/>
-              </a:rPr>
-              <a:t>	</a:t>
-            </a:r>
-            <a:r>
-              <a:rPr b="0" lang="en-US" sz="2800" spc="-1" strike="noStrike">
-                <a:solidFill>
-                  <a:srgbClr val="000000"/>
-                </a:solidFill>
-                <a:latin typeface="Arial"/>
-                <a:ea typeface="DejaVu Sans"/>
-              </a:rPr>
-              <a:t>html,css(front end)</a:t>
-            </a:r>
-            <a:endParaRPr b="0" lang="en-US" sz="2800" spc="-1" strike="noStrike">
-              <a:latin typeface="Arial"/>
-            </a:endParaRPr>
-          </a:p>
-          <a:p>
-            <a:pPr marL="228600" indent="-228600">
-              <a:lnSpc>
-                <a:spcPct val="90000"/>
-              </a:lnSpc>
-              <a:spcBef>
-                <a:spcPts val="1001"/>
-              </a:spcBef>
-              <a:buClr>
-                <a:srgbClr val="000000"/>
-              </a:buClr>
-              <a:buFont typeface="Arial"/>
-              <a:buChar char="•"/>
-              <a:tabLst>
-                <a:tab algn="l" pos="0"/>
-              </a:tabLst>
-            </a:pPr>
-            <a:r>
-              <a:rPr b="0" lang="en-US" sz="2800" spc="-1" strike="noStrike">
-                <a:solidFill>
-                  <a:srgbClr val="000000"/>
-                </a:solidFill>
-                <a:latin typeface="Arial"/>
-                <a:ea typeface="DejaVu Sans"/>
-              </a:rPr>
-              <a:t>Database</a:t>
-            </a:r>
-            <a:r>
-              <a:rPr b="0" lang="en-US" sz="2800" spc="-1" strike="noStrike">
-                <a:solidFill>
-                  <a:srgbClr val="000000"/>
-                </a:solidFill>
-                <a:latin typeface="Arial"/>
-                <a:ea typeface="DejaVu Sans"/>
-              </a:rPr>
-              <a:t>	</a:t>
-            </a:r>
-            <a:r>
-              <a:rPr b="0" lang="en-US" sz="2800" spc="-1" strike="noStrike">
-                <a:solidFill>
-                  <a:srgbClr val="000000"/>
-                </a:solidFill>
-                <a:latin typeface="Arial"/>
-                <a:ea typeface="DejaVu Sans"/>
-              </a:rPr>
-              <a:t>              :              php ,javascript (back end)</a:t>
-            </a:r>
-            <a:endParaRPr b="0" lang="en-US" sz="2800" spc="-1" strike="noStrike">
-              <a:latin typeface="Arial"/>
-            </a:endParaRPr>
-          </a:p>
-          <a:p>
-            <a:pPr>
-              <a:lnSpc>
-                <a:spcPct val="90000"/>
-              </a:lnSpc>
-              <a:spcBef>
-                <a:spcPts val="1001"/>
-              </a:spcBef>
-              <a:buNone/>
-              <a:tabLst>
-                <a:tab algn="l" pos="0"/>
-              </a:tabLst>
-            </a:pPr>
-            <a:endParaRPr b="0" lang="en-US" sz="2800" spc="-1" strike="noStrike">
+              <a:t>International debit and credit card should be accepted by BRES.</a:t>
+            </a:r>
+            <a:endParaRPr b="0" lang="en-US" sz="2400" spc="-1" strike="noStrike">
               <a:latin typeface="Arial"/>
             </a:endParaRPr>
           </a:p>
@@ -10875,8 +11429,8 @@
         </p:nvSpPr>
         <p:spPr>
           <a:xfrm>
-            <a:off x="586080" y="810000"/>
-            <a:ext cx="8988840" cy="748440"/>
+            <a:off x="504000" y="457200"/>
+            <a:ext cx="9070920" cy="960480"/>
           </a:xfrm>
           <a:prstGeom prst="rect">
             <a:avLst/>
@@ -10905,7 +11459,7 @@
                 <a:latin typeface="Rockwell"/>
                 <a:ea typeface="DejaVu Sans"/>
               </a:rPr>
-              <a:t>Data flow diagram:</a:t>
+              <a:t>Requirements:</a:t>
             </a:r>
             <a:endParaRPr b="0" lang="en-US" sz="4400" spc="-1" strike="noStrike">
               <a:latin typeface="Arial"/>
@@ -10925,8 +11479,8 @@
         </p:nvSpPr>
         <p:spPr>
           <a:xfrm>
-            <a:off x="504000" y="2016360"/>
-            <a:ext cx="9070920" cy="3112920"/>
+            <a:off x="504000" y="1899000"/>
+            <a:ext cx="9070920" cy="3230280"/>
           </a:xfrm>
           <a:prstGeom prst="rect">
             <a:avLst/>
@@ -10938,10 +11492,48 @@
         </p:spPr>
         <p:txBody>
           <a:bodyPr lIns="0" rIns="0" tIns="0" bIns="0" anchor="t">
-            <a:normAutofit fontScale="97000"/>
-          </a:bodyPr>
-          <a:p>
-            <a:pPr marL="228600" indent="-228600" algn="just">
+            <a:normAutofit fontScale="72000"/>
+          </a:bodyPr>
+          <a:p>
+            <a:pPr marL="596520" indent="-514440">
+              <a:lnSpc>
+                <a:spcPct val="90000"/>
+              </a:lnSpc>
+              <a:spcBef>
+                <a:spcPts val="1001"/>
+              </a:spcBef>
+              <a:buNone/>
+              <a:tabLst>
+                <a:tab algn="l" pos="0"/>
+              </a:tabLst>
+            </a:pPr>
+            <a:r>
+              <a:rPr b="0" lang="en-US" sz="2800" spc="-1" strike="noStrike">
+                <a:solidFill>
+                  <a:srgbClr val="4f81bd"/>
+                </a:solidFill>
+                <a:latin typeface="Arial"/>
+                <a:ea typeface="DejaVu Sans"/>
+              </a:rPr>
+              <a:t>1) </a:t>
+            </a:r>
+            <a:r>
+              <a:rPr b="0" lang="en-US" sz="2800" spc="-1" strike="noStrike" u="sng">
+                <a:solidFill>
+                  <a:srgbClr val="000000"/>
+                </a:solidFill>
+                <a:uFillTx/>
+                <a:latin typeface="Arial"/>
+                <a:ea typeface="DejaVu Sans"/>
+              </a:rPr>
+              <a:t>Hardware Requirements:</a:t>
+            </a:r>
+            <a:endParaRPr b="0" lang="en-US" sz="2800" spc="-1" strike="noStrike">
+              <a:latin typeface="Arial"/>
+            </a:endParaRPr>
+          </a:p>
+          <a:p>
+            <a:pPr marL="228600" indent="-228600">
               <a:lnSpc>
                 <a:spcPct val="90000"/>
               </a:lnSpc>
@@ -10953,6 +11545,9 @@
               </a:buClr>
               <a:buFont typeface="Arial"/>
               <a:buChar char="•"/>
+              <a:tabLst>
+                <a:tab algn="l" pos="0"/>
+              </a:tabLst>
             </a:pPr>
             <a:r>
               <a:rPr b="0" lang="en-US" sz="2800" spc="-1" strike="noStrike">
@@ -10962,28 +11557,54 @@
                 <a:latin typeface="Arial"/>
                 <a:ea typeface="DejaVu Sans"/>
               </a:rPr>
-              <a:t>The data flow diagram is a graphical representation that depicts information flow and the transforms that are    applied as data moves from input to output. </a:t>
+              <a:t>Processor </a:t>
+            </a:r>
+            <a:r>
+              <a:rPr b="0" lang="en-US" sz="2800" spc="-1" strike="noStrike">
+                <a:solidFill>
+                  <a:srgbClr val="000000"/>
+                </a:solidFill>
+                <a:latin typeface="Arial"/>
+                <a:ea typeface="DejaVu Sans"/>
+              </a:rPr>
+              <a:t>	</a:t>
+            </a:r>
+            <a:r>
+              <a:rPr b="0" lang="en-US" sz="2800" spc="-1" strike="noStrike">
+                <a:solidFill>
+                  <a:srgbClr val="000000"/>
+                </a:solidFill>
+                <a:latin typeface="Arial"/>
+                <a:ea typeface="DejaVu Sans"/>
+              </a:rPr>
+              <a:t> :</a:t>
+            </a:r>
+            <a:r>
+              <a:rPr b="0" lang="en-US" sz="2800" spc="-1" strike="noStrike">
+                <a:solidFill>
+                  <a:srgbClr val="000000"/>
+                </a:solidFill>
+                <a:latin typeface="Arial"/>
+                <a:ea typeface="DejaVu Sans"/>
+              </a:rPr>
+              <a:t>	</a:t>
+            </a:r>
+            <a:r>
+              <a:rPr b="0" lang="en-US" sz="2800" spc="-1" strike="noStrike">
+                <a:solidFill>
+                  <a:srgbClr val="000000"/>
+                </a:solidFill>
+                <a:latin typeface="Arial"/>
+                <a:ea typeface="DejaVu Sans"/>
+              </a:rPr>
+              <a:t>Pentium IV 2GHz and Above</a:t>
             </a:r>
             <a:endParaRPr b="0" lang="en-US" sz="2800" spc="-1" strike="noStrike">
               <a:latin typeface="Arial"/>
             </a:endParaRPr>
           </a:p>
           <a:p>
-            <a:pPr algn="just">
-              <a:lnSpc>
-                <a:spcPct val="90000"/>
-              </a:lnSpc>
-              <a:spcBef>
-                <a:spcPts val="1001"/>
-              </a:spcBef>
-              <a:buNone/>
-            </a:pPr>
-            <a:endParaRPr b="0" lang="en-US" sz="2800" spc="-1" strike="noStrike">
-              <a:latin typeface="Arial"/>
-            </a:endParaRPr>
-          </a:p>
-          <a:p>
-            <a:pPr marL="596520" indent="-514440" algn="just">
+            <a:pPr marL="228600" indent="-228600">
               <a:lnSpc>
                 <a:spcPct val="90000"/>
               </a:lnSpc>
@@ -10994,7 +11615,10 @@
                 <a:srgbClr val="000000"/>
               </a:buClr>
               <a:buFont typeface="Arial"/>
-              <a:buAutoNum type="arabicParenR"/>
+              <a:buChar char="•"/>
+              <a:tabLst>
+                <a:tab algn="l" pos="0"/>
+              </a:tabLst>
             </a:pPr>
             <a:r>
               <a:rPr b="0" lang="en-US" sz="2800" spc="-1" strike="noStrike">
@@ -11004,14 +11628,34 @@
                 <a:latin typeface="Arial"/>
                 <a:ea typeface="DejaVu Sans"/>
               </a:rPr>
-              <a:t>Context level or 0-level DFD</a:t>
+              <a:t>RAM                  :</a:t>
+            </a:r>
+            <a:r>
+              <a:rPr b="0" lang="en-US" sz="2800" spc="-1" strike="noStrike">
+                <a:solidFill>
+                  <a:srgbClr val="000000"/>
+                </a:solidFill>
+                <a:latin typeface="Arial"/>
+                <a:ea typeface="DejaVu Sans"/>
+              </a:rPr>
+              <a:t>	</a:t>
+            </a:r>
+            <a:r>
+              <a:rPr b="0" lang="en-US" sz="2800" spc="-1" strike="noStrike">
+                <a:solidFill>
+                  <a:srgbClr val="000000"/>
+                </a:solidFill>
+                <a:latin typeface="Arial"/>
+                <a:ea typeface="DejaVu Sans"/>
+              </a:rPr>
+              <a:t>1GB </a:t>
             </a:r>
             <a:endParaRPr b="0" lang="en-US" sz="2800" spc="-1" strike="noStrike">
               <a:latin typeface="Arial"/>
             </a:endParaRPr>
           </a:p>
           <a:p>
-            <a:pPr marL="596520" indent="-514440" algn="just">
+            <a:pPr marL="228600" indent="-228600">
               <a:lnSpc>
                 <a:spcPct val="90000"/>
               </a:lnSpc>
@@ -11022,7 +11666,10 @@
                 <a:srgbClr val="000000"/>
               </a:buClr>
               <a:buFont typeface="Arial"/>
-              <a:buAutoNum type="arabicParenR"/>
+              <a:buChar char="•"/>
+              <a:tabLst>
+                <a:tab algn="l" pos="0"/>
+              </a:tabLst>
             </a:pPr>
             <a:r>
               <a:rPr b="0" lang="en-US" sz="2800" spc="-1" strike="noStrike">
@@ -11032,14 +11679,69 @@
                 <a:latin typeface="Arial"/>
                 <a:ea typeface="DejaVu Sans"/>
               </a:rPr>
-              <a:t>1-level DFD</a:t>
+              <a:t>Monitor              :           VGA Color Monitor </a:t>
             </a:r>
             <a:endParaRPr b="0" lang="en-US" sz="2800" spc="-1" strike="noStrike">
               <a:latin typeface="Arial"/>
             </a:endParaRPr>
           </a:p>
           <a:p>
-            <a:pPr marL="596520" indent="-514440" algn="just">
+            <a:pPr>
+              <a:lnSpc>
+                <a:spcPct val="90000"/>
+              </a:lnSpc>
+              <a:spcBef>
+                <a:spcPts val="1001"/>
+              </a:spcBef>
+              <a:buNone/>
+              <a:tabLst>
+                <a:tab algn="l" pos="0"/>
+              </a:tabLst>
+            </a:pPr>
+            <a:endParaRPr b="0" lang="en-US" sz="2800" spc="-1" strike="noStrike">
+              <a:latin typeface="Arial"/>
+            </a:endParaRPr>
+          </a:p>
+          <a:p>
+            <a:pPr marL="539640" indent="-457200">
+              <a:lnSpc>
+                <a:spcPct val="90000"/>
+              </a:lnSpc>
+              <a:spcBef>
+                <a:spcPts val="1001"/>
+              </a:spcBef>
+              <a:buNone/>
+              <a:tabLst>
+                <a:tab algn="l" pos="0"/>
+              </a:tabLst>
+            </a:pPr>
+            <a:r>
+              <a:rPr b="0" lang="en-US" sz="2800" spc="-1" strike="noStrike">
+                <a:solidFill>
+                  <a:srgbClr val="4f81bd"/>
+                </a:solidFill>
+                <a:latin typeface="Arial"/>
+                <a:ea typeface="DejaVu Sans"/>
+              </a:rPr>
+              <a:t>2) </a:t>
+            </a:r>
+            <a:r>
+              <a:rPr b="0" lang="en-US" sz="2800" spc="-1" strike="noStrike" u="sng">
+                <a:solidFill>
+                  <a:srgbClr val="000000"/>
+                </a:solidFill>
+                <a:uFillTx/>
+                <a:latin typeface="Arial"/>
+                <a:ea typeface="DejaVu Sans"/>
+              </a:rPr>
+              <a:t>Software Requirements:</a:t>
+            </a:r>
+            <a:endParaRPr b="0" lang="en-US" sz="2800" spc="-1" strike="noStrike">
+              <a:latin typeface="Arial"/>
+            </a:endParaRPr>
+          </a:p>
+          <a:p>
+            <a:pPr marL="228600" indent="-228600">
               <a:lnSpc>
                 <a:spcPct val="90000"/>
               </a:lnSpc>
@@ -11050,7 +11752,10 @@
                 <a:srgbClr val="000000"/>
               </a:buClr>
               <a:buFont typeface="Arial"/>
-              <a:buAutoNum type="arabicParenR"/>
+              <a:buChar char="•"/>
+              <a:tabLst>
+                <a:tab algn="l" pos="0"/>
+              </a:tabLst>
             </a:pPr>
             <a:r>
               <a:rPr b="0" lang="en-US" sz="2800" spc="-1" strike="noStrike">
@@ -11060,7 +11765,129 @@
                 <a:latin typeface="Arial"/>
                 <a:ea typeface="DejaVu Sans"/>
               </a:rPr>
-              <a:t>2-Level DFD</a:t>
+              <a:t>Operating System           :</a:t>
+            </a:r>
+            <a:r>
+              <a:rPr b="0" lang="en-US" sz="2800" spc="-1" strike="noStrike">
+                <a:solidFill>
+                  <a:srgbClr val="000000"/>
+                </a:solidFill>
+                <a:latin typeface="Arial"/>
+                <a:ea typeface="DejaVu Sans"/>
+              </a:rPr>
+              <a:t>	</a:t>
+            </a:r>
+            <a:r>
+              <a:rPr b="0" lang="en-US" sz="2800" spc="-1" strike="noStrike">
+                <a:solidFill>
+                  <a:srgbClr val="000000"/>
+                </a:solidFill>
+                <a:latin typeface="Arial"/>
+                <a:ea typeface="DejaVu Sans"/>
+              </a:rPr>
+              <a:t>Windows XP onwards</a:t>
+            </a:r>
+            <a:endParaRPr b="0" lang="en-US" sz="2800" spc="-1" strike="noStrike">
+              <a:latin typeface="Arial"/>
+            </a:endParaRPr>
+          </a:p>
+          <a:p>
+            <a:pPr marL="228600" indent="-228600">
+              <a:lnSpc>
+                <a:spcPct val="90000"/>
+              </a:lnSpc>
+              <a:spcBef>
+                <a:spcPts val="1001"/>
+              </a:spcBef>
+              <a:buClr>
+                <a:srgbClr val="000000"/>
+              </a:buClr>
+              <a:buFont typeface="Arial"/>
+              <a:buChar char="•"/>
+              <a:tabLst>
+                <a:tab algn="l" pos="0"/>
+              </a:tabLst>
+            </a:pPr>
+            <a:r>
+              <a:rPr b="0" lang="en-US" sz="2800" spc="-1" strike="noStrike">
+                <a:solidFill>
+                  <a:srgbClr val="000000"/>
+                </a:solidFill>
+                <a:latin typeface="Arial"/>
+                <a:ea typeface="DejaVu Sans"/>
+              </a:rPr>
+              <a:t>Developing Tool              :</a:t>
+            </a:r>
+            <a:r>
+              <a:rPr b="0" lang="en-US" sz="2800" spc="-1" strike="noStrike">
+                <a:solidFill>
+                  <a:srgbClr val="000000"/>
+                </a:solidFill>
+                <a:latin typeface="Arial"/>
+                <a:ea typeface="DejaVu Sans"/>
+              </a:rPr>
+              <a:t>	</a:t>
+            </a:r>
+            <a:r>
+              <a:rPr b="0" lang="en-US" sz="2800" spc="-1" strike="noStrike">
+                <a:solidFill>
+                  <a:srgbClr val="000000"/>
+                </a:solidFill>
+                <a:latin typeface="Arial"/>
+                <a:ea typeface="DejaVu Sans"/>
+              </a:rPr>
+              <a:t>html,css(front end)</a:t>
+            </a:r>
+            <a:endParaRPr b="0" lang="en-US" sz="2800" spc="-1" strike="noStrike">
+              <a:latin typeface="Arial"/>
+            </a:endParaRPr>
+          </a:p>
+          <a:p>
+            <a:pPr marL="228600" indent="-228600">
+              <a:lnSpc>
+                <a:spcPct val="90000"/>
+              </a:lnSpc>
+              <a:spcBef>
+                <a:spcPts val="1001"/>
+              </a:spcBef>
+              <a:buClr>
+                <a:srgbClr val="000000"/>
+              </a:buClr>
+              <a:buFont typeface="Arial"/>
+              <a:buChar char="•"/>
+              <a:tabLst>
+                <a:tab algn="l" pos="0"/>
+              </a:tabLst>
+            </a:pPr>
+            <a:r>
+              <a:rPr b="0" lang="en-US" sz="2800" spc="-1" strike="noStrike">
+                <a:solidFill>
+                  <a:srgbClr val="000000"/>
+                </a:solidFill>
+                <a:latin typeface="Arial"/>
+                <a:ea typeface="DejaVu Sans"/>
+              </a:rPr>
+              <a:t>Database</a:t>
+            </a:r>
+            <a:r>
+              <a:rPr b="0" lang="en-US" sz="2800" spc="-1" strike="noStrike">
+                <a:solidFill>
+                  <a:srgbClr val="000000"/>
+                </a:solidFill>
+                <a:latin typeface="Arial"/>
+                <a:ea typeface="DejaVu Sans"/>
+              </a:rPr>
+              <a:t>	</a:t>
+            </a:r>
+            <a:r>
+              <a:rPr b="0" lang="en-US" sz="2800" spc="-1" strike="noStrike">
+                <a:solidFill>
+                  <a:srgbClr val="000000"/>
+                </a:solidFill>
+                <a:latin typeface="Arial"/>
+                <a:ea typeface="DejaVu Sans"/>
+              </a:rPr>
+              <a:t>              :              php ,javascript (back end)</a:t>
             </a:r>
             <a:endParaRPr b="0" lang="en-US" sz="2800" spc="-1" strike="noStrike">
               <a:latin typeface="Arial"/>
@@ -11075,6 +11902,9 @@
                 <a:spcPts val="1001"/>
               </a:spcBef>
               <a:buNone/>
+              <a:tabLst>
+                <a:tab algn="l" pos="0"/>
+              </a:tabLst>
             </a:pPr>
             <a:endParaRPr b="0" lang="en-US" sz="2800" spc="-1" strike="noStrike">
               <a:latin typeface="Arial"/>
